--- a/Slides/Module 7 - Adapters.pptx
+++ b/Slides/Module 7 - Adapters.pptx
@@ -3,40 +3,42 @@
 <p:presentation xmlns:a="http://schemas.openxmlformats.org/drawingml/2006/main" xmlns:r="http://schemas.openxmlformats.org/officeDocument/2006/relationships" xmlns:p="http://schemas.openxmlformats.org/presentationml/2006/main" saveSubsetFonts="1">
   <p:sldMasterIdLst>
     <p:sldMasterId id="2147483864" r:id="rId2"/>
+    <p:sldMasterId id="2147483877" r:id="rId3"/>
   </p:sldMasterIdLst>
   <p:notesMasterIdLst>
-    <p:notesMasterId r:id="rId29"/>
+    <p:notesMasterId r:id="rId31"/>
   </p:notesMasterIdLst>
   <p:handoutMasterIdLst>
-    <p:handoutMasterId r:id="rId30"/>
+    <p:handoutMasterId r:id="rId32"/>
   </p:handoutMasterIdLst>
   <p:sldIdLst>
-    <p:sldId id="466" r:id="rId3"/>
-    <p:sldId id="276" r:id="rId4"/>
-    <p:sldId id="279" r:id="rId5"/>
-    <p:sldId id="359" r:id="rId6"/>
-    <p:sldId id="362" r:id="rId7"/>
-    <p:sldId id="434" r:id="rId8"/>
-    <p:sldId id="360" r:id="rId9"/>
-    <p:sldId id="437" r:id="rId10"/>
-    <p:sldId id="368" r:id="rId11"/>
-    <p:sldId id="357" r:id="rId12"/>
-    <p:sldId id="474" r:id="rId13"/>
-    <p:sldId id="451" r:id="rId14"/>
-    <p:sldId id="363" r:id="rId15"/>
-    <p:sldId id="452" r:id="rId16"/>
-    <p:sldId id="467" r:id="rId17"/>
-    <p:sldId id="447" r:id="rId18"/>
-    <p:sldId id="470" r:id="rId19"/>
-    <p:sldId id="471" r:id="rId20"/>
-    <p:sldId id="446" r:id="rId21"/>
-    <p:sldId id="354" r:id="rId22"/>
-    <p:sldId id="476" r:id="rId23"/>
-    <p:sldId id="477" r:id="rId24"/>
-    <p:sldId id="478" r:id="rId25"/>
-    <p:sldId id="479" r:id="rId26"/>
-    <p:sldId id="472" r:id="rId27"/>
-    <p:sldId id="473" r:id="rId28"/>
+    <p:sldId id="466" r:id="rId4"/>
+    <p:sldId id="276" r:id="rId5"/>
+    <p:sldId id="279" r:id="rId6"/>
+    <p:sldId id="359" r:id="rId7"/>
+    <p:sldId id="362" r:id="rId8"/>
+    <p:sldId id="434" r:id="rId9"/>
+    <p:sldId id="360" r:id="rId10"/>
+    <p:sldId id="437" r:id="rId11"/>
+    <p:sldId id="368" r:id="rId12"/>
+    <p:sldId id="357" r:id="rId13"/>
+    <p:sldId id="474" r:id="rId14"/>
+    <p:sldId id="451" r:id="rId15"/>
+    <p:sldId id="363" r:id="rId16"/>
+    <p:sldId id="452" r:id="rId17"/>
+    <p:sldId id="467" r:id="rId18"/>
+    <p:sldId id="480" r:id="rId19"/>
+    <p:sldId id="447" r:id="rId20"/>
+    <p:sldId id="470" r:id="rId21"/>
+    <p:sldId id="471" r:id="rId22"/>
+    <p:sldId id="446" r:id="rId23"/>
+    <p:sldId id="354" r:id="rId24"/>
+    <p:sldId id="476" r:id="rId25"/>
+    <p:sldId id="477" r:id="rId26"/>
+    <p:sldId id="478" r:id="rId27"/>
+    <p:sldId id="479" r:id="rId28"/>
+    <p:sldId id="472" r:id="rId29"/>
+    <p:sldId id="473" r:id="rId30"/>
   </p:sldIdLst>
   <p:sldSz cx="9144000" cy="6858000" type="screen4x3"/>
   <p:notesSz cx="6858000" cy="9144000"/>
@@ -313,7 +315,7 @@
               <a:pPr>
                 <a:defRPr/>
               </a:pPr>
-              <a:t>09 December 2016</a:t>
+              <a:t>13 December 2016</a:t>
             </a:fld>
             <a:endParaRPr lang="de-DE"/>
           </a:p>
@@ -627,7 +629,7 @@
               <a:pPr>
                 <a:defRPr/>
               </a:pPr>
-              <a:t>9. Dezember 2016</a:t>
+              <a:t>13. Dezember 2016</a:t>
             </a:fld>
             <a:r>
               <a:rPr lang="de-DE"/>
@@ -947,7 +949,7 @@
               <a:pPr>
                 <a:defRPr/>
               </a:pPr>
-              <a:t>9. Dezember 2016</a:t>
+              <a:t>13. Dezember 2016</a:t>
             </a:fld>
             <a:r>
               <a:rPr lang="de-DE"/>
@@ -1095,7 +1097,7 @@
               <a:pPr>
                 <a:defRPr/>
               </a:pPr>
-              <a:t>9. Dezember 2016</a:t>
+              <a:t>13. Dezember 2016</a:t>
             </a:fld>
             <a:r>
               <a:rPr lang="de-DE"/>
@@ -1239,7 +1241,7 @@
               <a:pPr>
                 <a:defRPr/>
               </a:pPr>
-              <a:t>12/9/2016</a:t>
+              <a:t>12/13/2016</a:t>
             </a:fld>
             <a:endParaRPr lang="en-US" dirty="0"/>
           </a:p>
@@ -1649,7 +1651,7 @@
               <a:pPr>
                 <a:defRPr/>
               </a:pPr>
-              <a:t>9. Dezember 2016</a:t>
+              <a:t>13. Dezember 2016</a:t>
             </a:fld>
             <a:r>
               <a:rPr lang="de-DE"/>
@@ -1771,7 +1773,7 @@
               <a:pPr>
                 <a:defRPr/>
               </a:pPr>
-              <a:t>9. Dezember 2016</a:t>
+              <a:t>13. Dezember 2016</a:t>
             </a:fld>
             <a:r>
               <a:rPr lang="de-DE"/>
@@ -1866,154 +1868,6 @@
           <a:bodyPr/>
           <a:lstStyle/>
           <a:p>
-            <a:r>
-              <a:rPr lang="sv-SE" sz="1400" b="0" i="1" dirty="0"/>
-              <a:t>(Slide 16)</a:t>
-            </a:r>
-          </a:p>
-          <a:p>
-            <a:pPr marL="0" indent="0">
-              <a:buNone/>
-            </a:pPr>
-            <a:r>
-              <a:rPr lang="sv-SE" sz="1400" b="1" i="0" dirty="0"/>
-              <a:t>Prepare</a:t>
-            </a:r>
-          </a:p>
-          <a:p>
-            <a:pPr marL="228600" indent="-228600">
-              <a:buFont typeface="+mj-lt"/>
-              <a:buAutoNum type="arabicPeriod"/>
-            </a:pPr>
-            <a:r>
-              <a:rPr lang="sv-SE" sz="1400" b="0" dirty="0"/>
-              <a:t>Open</a:t>
-            </a:r>
-            <a:r>
-              <a:rPr lang="sv-SE" sz="1400" b="0" baseline="0" dirty="0"/>
-              <a:t> http://localhost/</a:t>
-            </a:r>
-          </a:p>
-          <a:p>
-            <a:pPr marL="228600" indent="-228600">
-              <a:buFont typeface="+mj-lt"/>
-              <a:buAutoNum type="arabicPeriod"/>
-            </a:pPr>
-            <a:r>
-              <a:rPr lang="sv-SE" sz="1400" b="0" baseline="0" dirty="0"/>
-              <a:t>Click Documents, Create, New Document Library, Name it Mod7 and, at the bottom, select None as Document Template.</a:t>
-            </a:r>
-          </a:p>
-          <a:p>
-            <a:pPr marL="0" indent="0">
-              <a:buFont typeface="+mj-lt"/>
-              <a:buNone/>
-            </a:pPr>
-            <a:r>
-              <a:rPr lang="sv-SE" sz="1400" b="1" baseline="0" dirty="0"/>
-              <a:t>Demo</a:t>
-            </a:r>
-          </a:p>
-          <a:p>
-            <a:pPr marL="228600" indent="-228600">
-              <a:buFont typeface="+mj-lt"/>
-              <a:buAutoNum type="arabicPeriod"/>
-            </a:pPr>
-            <a:r>
-              <a:rPr lang="sv-SE" sz="1400" b="0" dirty="0"/>
-              <a:t>Open</a:t>
-            </a:r>
-            <a:r>
-              <a:rPr lang="sv-SE" sz="1400" b="0" baseline="0" dirty="0"/>
-              <a:t> http://localhost/</a:t>
-            </a:r>
-          </a:p>
-          <a:p>
-            <a:pPr marL="228600" indent="-228600">
-              <a:buFont typeface="+mj-lt"/>
-              <a:buAutoNum type="arabicPeriod"/>
-            </a:pPr>
-            <a:r>
-              <a:rPr lang="sv-SE" sz="1400" b="0" baseline="0" dirty="0"/>
-              <a:t>In the Mod7 document library, select Upload</a:t>
-            </a:r>
-          </a:p>
-          <a:p>
-            <a:pPr marL="228600" indent="-228600">
-              <a:buFont typeface="+mj-lt"/>
-              <a:buAutoNum type="arabicPeriod"/>
-            </a:pPr>
-            <a:r>
-              <a:rPr lang="sv-SE" sz="1400" b="0" baseline="0" dirty="0"/>
-              <a:t>Browse to and select C:\Demos\Mod7\FILE\Customers.xml</a:t>
-            </a:r>
-          </a:p>
-          <a:p>
-            <a:pPr marL="228600" indent="-228600">
-              <a:buFont typeface="+mj-lt"/>
-              <a:buAutoNum type="arabicPeriod"/>
-            </a:pPr>
-            <a:r>
-              <a:rPr lang="sv-SE" sz="1400" b="0" baseline="0" dirty="0"/>
-              <a:t>Set SharePoint Site URL </a:t>
-            </a:r>
-            <a:r>
-              <a:rPr lang="sv-SE" sz="1400" b="0" baseline="0"/>
-              <a:t>to http://biztalk2013v/</a:t>
-            </a:r>
-          </a:p>
-          <a:p>
-            <a:pPr marL="228600" indent="-228600">
-              <a:buFont typeface="+mj-lt"/>
-              <a:buAutoNum type="arabicPeriod"/>
-            </a:pPr>
-            <a:r>
-              <a:rPr lang="sv-SE" sz="1400" b="0" baseline="0"/>
-              <a:t>Set </a:t>
-            </a:r>
-            <a:r>
-              <a:rPr lang="sv-SE" sz="1400" b="0" baseline="0" dirty="0"/>
-              <a:t>Source Document Library URL to Mod7</a:t>
-            </a:r>
-          </a:p>
-          <a:p>
-            <a:pPr marL="228600" indent="-228600">
-              <a:buFont typeface="+mj-lt"/>
-              <a:buAutoNum type="arabicPeriod"/>
-            </a:pPr>
-            <a:r>
-              <a:rPr lang="sv-SE" sz="1400" b="0" baseline="0" dirty="0"/>
-              <a:t>Set Adapter Web Service Port to 80</a:t>
-            </a:r>
-          </a:p>
-          <a:p>
-            <a:pPr marL="228600" indent="-228600">
-              <a:buFont typeface="+mj-lt"/>
-              <a:buAutoNum type="arabicPeriod"/>
-            </a:pPr>
-            <a:r>
-              <a:rPr lang="sv-SE" sz="1400" b="0" baseline="0" dirty="0"/>
-              <a:t>Set the polling interval to 10</a:t>
-            </a:r>
-          </a:p>
-          <a:p>
-            <a:pPr marL="228600" indent="-228600">
-              <a:buFont typeface="+mj-lt"/>
-              <a:buAutoNum type="arabicPeriod"/>
-            </a:pPr>
-            <a:r>
-              <a:rPr lang="sv-SE" sz="1400" b="0" baseline="0" dirty="0"/>
-              <a:t>Verify that the file has been picked up.</a:t>
-            </a:r>
-          </a:p>
-          <a:p>
-            <a:pPr marL="228600" indent="-228600">
-              <a:buFont typeface="+mj-lt"/>
-              <a:buAutoNum type="arabicPeriod"/>
-            </a:pPr>
-            <a:endParaRPr lang="sv-SE" sz="1400" b="0" dirty="0"/>
-          </a:p>
-          <a:p>
             <a:endParaRPr lang="sv-SE" sz="1400" dirty="0"/>
           </a:p>
         </p:txBody>
@@ -2041,7 +1895,7 @@
               <a:pPr>
                 <a:defRPr/>
               </a:pPr>
-              <a:t>9. Dezember 2016</a:t>
+              <a:t>13. Dezember 2016</a:t>
             </a:fld>
             <a:r>
               <a:rPr lang="de-DE"/>
@@ -2073,7 +1927,7 @@
               <a:pPr>
                 <a:defRPr/>
               </a:pPr>
-              <a:t>16</a:t>
+              <a:t>17</a:t>
             </a:fld>
             <a:endParaRPr lang="de-DE"/>
           </a:p>
@@ -2189,7 +2043,7 @@
               <a:pPr>
                 <a:defRPr/>
               </a:pPr>
-              <a:t>9. Dezember 2016</a:t>
+              <a:t>13. Dezember 2016</a:t>
             </a:fld>
             <a:r>
               <a:rPr lang="de-DE"/>
@@ -2221,7 +2075,7 @@
               <a:pPr>
                 <a:defRPr/>
               </a:pPr>
-              <a:t>17</a:t>
+              <a:t>18</a:t>
             </a:fld>
             <a:endParaRPr lang="de-DE"/>
           </a:p>
@@ -2313,7 +2167,7 @@
               <a:pPr>
                 <a:defRPr/>
               </a:pPr>
-              <a:t>9. Dezember 2016</a:t>
+              <a:t>13. Dezember 2016</a:t>
             </a:fld>
             <a:r>
               <a:rPr lang="de-DE"/>
@@ -2345,7 +2199,7 @@
               <a:pPr>
                 <a:defRPr/>
               </a:pPr>
-              <a:t>20</a:t>
+              <a:t>21</a:t>
             </a:fld>
             <a:endParaRPr lang="de-DE"/>
           </a:p>
@@ -2409,7 +2263,6 @@
               <a:rPr lang="en-US"/>
               <a:t>Click to edit Master title style</a:t>
             </a:r>
-            <a:endParaRPr lang="en-US"/>
           </a:p>
         </p:txBody>
       </p:sp>
@@ -2474,7 +2327,6 @@
               <a:rPr lang="en-US"/>
               <a:t>Click to edit Master subtitle style</a:t>
             </a:r>
-            <a:endParaRPr lang="en-US"/>
           </a:p>
         </p:txBody>
       </p:sp>
@@ -2495,7 +2347,7 @@
           <a:p>
             <a:fld id="{7A187A68-229F-417C-9E23-A9AD3F41E637}" type="datetimeFigureOut">
               <a:rPr lang="en-US" smtClean="0"/>
-              <a:t>12/9/2016</a:t>
+              <a:t>12/13/2016</a:t>
             </a:fld>
             <a:endParaRPr lang="en-US"/>
           </a:p>
@@ -2592,7 +2444,6 @@
               <a:rPr lang="en-US"/>
               <a:t>Click to edit Master title style</a:t>
             </a:r>
-            <a:endParaRPr lang="en-US"/>
           </a:p>
         </p:txBody>
       </p:sp>
@@ -2644,7 +2495,6 @@
               <a:rPr lang="en-US"/>
               <a:t>Fifth level</a:t>
             </a:r>
-            <a:endParaRPr lang="en-US"/>
           </a:p>
         </p:txBody>
       </p:sp>
@@ -2665,7 +2515,7 @@
           <a:p>
             <a:fld id="{7A187A68-229F-417C-9E23-A9AD3F41E637}" type="datetimeFigureOut">
               <a:rPr lang="en-US" smtClean="0"/>
-              <a:t>12/9/2016</a:t>
+              <a:t>12/13/2016</a:t>
             </a:fld>
             <a:endParaRPr lang="en-US"/>
           </a:p>
@@ -2767,7 +2617,6 @@
               <a:rPr lang="en-US"/>
               <a:t>Click to edit Master title style</a:t>
             </a:r>
-            <a:endParaRPr lang="en-US"/>
           </a:p>
         </p:txBody>
       </p:sp>
@@ -2824,7 +2673,6 @@
               <a:rPr lang="en-US"/>
               <a:t>Fifth level</a:t>
             </a:r>
-            <a:endParaRPr lang="en-US"/>
           </a:p>
         </p:txBody>
       </p:sp>
@@ -2845,7 +2693,7 @@
           <a:p>
             <a:fld id="{7A187A68-229F-417C-9E23-A9AD3F41E637}" type="datetimeFigureOut">
               <a:rPr lang="en-US" smtClean="0"/>
-              <a:t>12/9/2016</a:t>
+              <a:t>12/13/2016</a:t>
             </a:fld>
             <a:endParaRPr lang="en-US"/>
           </a:p>
@@ -3009,6 +2857,1252 @@
 </p:sldLayout>
 </file>
 
+<file path=ppt/slideLayouts/slideLayout13.xml><?xml version="1.0" encoding="utf-8"?>
+<p:sldLayout xmlns:a="http://schemas.openxmlformats.org/drawingml/2006/main" xmlns:r="http://schemas.openxmlformats.org/officeDocument/2006/relationships" xmlns:p="http://schemas.openxmlformats.org/presentationml/2006/main" showMasterSp="0" type="title" preserve="1">
+  <p:cSld name="Rubrikbild">
+    <p:bg>
+      <p:bgPr>
+        <a:solidFill>
+          <a:schemeClr val="tx1"/>
+        </a:solidFill>
+        <a:effectLst/>
+      </p:bgPr>
+    </p:bg>
+    <p:spTree>
+      <p:nvGrpSpPr>
+        <p:cNvPr id="1" name=""/>
+        <p:cNvGrpSpPr/>
+        <p:nvPr/>
+      </p:nvGrpSpPr>
+      <p:grpSpPr>
+        <a:xfrm>
+          <a:off x="0" y="0"/>
+          <a:ext cx="0" cy="0"/>
+          <a:chOff x="0" y="0"/>
+          <a:chExt cx="0" cy="0"/>
+        </a:xfrm>
+      </p:grpSpPr>
+      <p:sp>
+        <p:nvSpPr>
+          <p:cNvPr id="9" name="Line 9"/>
+          <p:cNvSpPr>
+            <a:spLocks noChangeShapeType="1"/>
+          </p:cNvSpPr>
+          <p:nvPr/>
+        </p:nvSpPr>
+        <p:spPr bwMode="gray">
+          <a:xfrm>
+            <a:off x="1835150" y="4221163"/>
+            <a:ext cx="7308850" cy="0"/>
+          </a:xfrm>
+          <a:prstGeom prst="line">
+            <a:avLst/>
+          </a:prstGeom>
+          <a:noFill/>
+          <a:ln w="19050">
+            <a:solidFill>
+              <a:schemeClr val="bg2"/>
+            </a:solidFill>
+            <a:round/>
+            <a:headEnd/>
+            <a:tailEnd/>
+          </a:ln>
+          <a:effectLst/>
+        </p:spPr>
+        <p:txBody>
+          <a:bodyPr/>
+          <a:lstStyle/>
+          <a:p>
+            <a:pPr algn="ctr">
+              <a:buClr>
+                <a:schemeClr val="bg2"/>
+              </a:buClr>
+              <a:defRPr/>
+            </a:pPr>
+            <a:endParaRPr lang="sv-SE">
+              <a:cs typeface="+mn-cs"/>
+            </a:endParaRPr>
+          </a:p>
+        </p:txBody>
+      </p:sp>
+      <p:sp>
+        <p:nvSpPr>
+          <p:cNvPr id="5122" name="Rectangle 2"/>
+          <p:cNvSpPr>
+            <a:spLocks noGrp="1" noChangeArrowheads="1"/>
+          </p:cNvSpPr>
+          <p:nvPr>
+            <p:ph type="subTitle" idx="1"/>
+          </p:nvPr>
+        </p:nvSpPr>
+        <p:spPr>
+          <a:xfrm>
+            <a:off x="1835150" y="4221163"/>
+            <a:ext cx="6913563" cy="1800225"/>
+          </a:xfrm>
+        </p:spPr>
+        <p:txBody>
+          <a:bodyPr tIns="118800" bIns="45720"/>
+          <a:lstStyle>
+            <a:lvl1pPr marL="0" indent="0">
+              <a:buFontTx/>
+              <a:buNone/>
+              <a:defRPr sz="1600" b="1">
+                <a:solidFill>
+                  <a:schemeClr val="accent1"/>
+                </a:solidFill>
+              </a:defRPr>
+            </a:lvl1pPr>
+          </a:lstStyle>
+          <a:p>
+            <a:r>
+              <a:rPr lang="en-US"/>
+              <a:t>Click to edit Master subtitle style</a:t>
+            </a:r>
+            <a:endParaRPr lang="en-GB" dirty="0"/>
+          </a:p>
+        </p:txBody>
+      </p:sp>
+      <p:sp>
+        <p:nvSpPr>
+          <p:cNvPr id="5123" name="Rectangle 3"/>
+          <p:cNvSpPr>
+            <a:spLocks noGrp="1" noChangeArrowheads="1"/>
+          </p:cNvSpPr>
+          <p:nvPr>
+            <p:ph type="ctrTitle"/>
+          </p:nvPr>
+        </p:nvSpPr>
+        <p:spPr>
+          <a:xfrm>
+            <a:off x="1835150" y="3500438"/>
+            <a:ext cx="6913563" cy="720725"/>
+          </a:xfrm>
+        </p:spPr>
+        <p:txBody>
+          <a:bodyPr tIns="45720" bIns="82800" anchor="b"/>
+          <a:lstStyle>
+            <a:lvl1pPr>
+              <a:defRPr sz="2800">
+                <a:solidFill>
+                  <a:schemeClr val="accent1"/>
+                </a:solidFill>
+              </a:defRPr>
+            </a:lvl1pPr>
+          </a:lstStyle>
+          <a:p>
+            <a:r>
+              <a:rPr lang="en-US"/>
+              <a:t>Click to edit Master title style</a:t>
+            </a:r>
+            <a:endParaRPr lang="en-GB" dirty="0"/>
+          </a:p>
+        </p:txBody>
+      </p:sp>
+    </p:spTree>
+    <p:extLst>
+      <p:ext uri="{BB962C8B-B14F-4D97-AF65-F5344CB8AC3E}">
+        <p14:creationId xmlns:p14="http://schemas.microsoft.com/office/powerpoint/2010/main" val="564403736"/>
+      </p:ext>
+    </p:extLst>
+  </p:cSld>
+  <p:clrMapOvr>
+    <a:masterClrMapping/>
+  </p:clrMapOvr>
+</p:sldLayout>
+</file>
+
+<file path=ppt/slideLayouts/slideLayout14.xml><?xml version="1.0" encoding="utf-8"?>
+<p:sldLayout xmlns:a="http://schemas.openxmlformats.org/drawingml/2006/main" xmlns:r="http://schemas.openxmlformats.org/officeDocument/2006/relationships" xmlns:p="http://schemas.openxmlformats.org/presentationml/2006/main" type="secHead" preserve="1">
+  <p:cSld name="Avsnittsrubrik">
+    <p:bg>
+      <p:bgPr>
+        <a:solidFill>
+          <a:schemeClr val="tx2">
+            <a:lumMod val="50000"/>
+          </a:schemeClr>
+        </a:solidFill>
+        <a:effectLst/>
+      </p:bgPr>
+    </p:bg>
+    <p:spTree>
+      <p:nvGrpSpPr>
+        <p:cNvPr id="1" name=""/>
+        <p:cNvGrpSpPr/>
+        <p:nvPr/>
+      </p:nvGrpSpPr>
+      <p:grpSpPr>
+        <a:xfrm>
+          <a:off x="0" y="0"/>
+          <a:ext cx="0" cy="0"/>
+          <a:chOff x="0" y="0"/>
+          <a:chExt cx="0" cy="0"/>
+        </a:xfrm>
+      </p:grpSpPr>
+      <p:sp>
+        <p:nvSpPr>
+          <p:cNvPr id="2" name="Title 1"/>
+          <p:cNvSpPr>
+            <a:spLocks noGrp="1"/>
+          </p:cNvSpPr>
+          <p:nvPr>
+            <p:ph type="title"/>
+          </p:nvPr>
+        </p:nvSpPr>
+        <p:spPr>
+          <a:xfrm>
+            <a:off x="722313" y="4406900"/>
+            <a:ext cx="7772400" cy="1362075"/>
+          </a:xfrm>
+        </p:spPr>
+        <p:txBody>
+          <a:bodyPr anchor="t"/>
+          <a:lstStyle>
+            <a:lvl1pPr algn="l">
+              <a:defRPr sz="4000" b="1" cap="all">
+                <a:solidFill>
+                  <a:schemeClr val="bg1"/>
+                </a:solidFill>
+              </a:defRPr>
+            </a:lvl1pPr>
+          </a:lstStyle>
+          <a:p>
+            <a:r>
+              <a:rPr lang="en-US"/>
+              <a:t>Click to edit Master title style</a:t>
+            </a:r>
+            <a:endParaRPr lang="sv-SE" dirty="0"/>
+          </a:p>
+        </p:txBody>
+      </p:sp>
+      <p:sp>
+        <p:nvSpPr>
+          <p:cNvPr id="3" name="Text Placeholder 2"/>
+          <p:cNvSpPr>
+            <a:spLocks noGrp="1"/>
+          </p:cNvSpPr>
+          <p:nvPr>
+            <p:ph type="body" idx="1"/>
+          </p:nvPr>
+        </p:nvSpPr>
+        <p:spPr>
+          <a:xfrm>
+            <a:off x="722313" y="2906713"/>
+            <a:ext cx="7772400" cy="1500187"/>
+          </a:xfrm>
+        </p:spPr>
+        <p:txBody>
+          <a:bodyPr anchor="b"/>
+          <a:lstStyle>
+            <a:lvl1pPr marL="0" indent="0">
+              <a:buNone/>
+              <a:defRPr sz="2000">
+                <a:solidFill>
+                  <a:schemeClr val="bg1"/>
+                </a:solidFill>
+              </a:defRPr>
+            </a:lvl1pPr>
+            <a:lvl2pPr marL="457200" indent="0">
+              <a:buNone/>
+              <a:defRPr sz="1800"/>
+            </a:lvl2pPr>
+            <a:lvl3pPr marL="914400" indent="0">
+              <a:buNone/>
+              <a:defRPr sz="1600"/>
+            </a:lvl3pPr>
+            <a:lvl4pPr marL="1371600" indent="0">
+              <a:buNone/>
+              <a:defRPr sz="1400"/>
+            </a:lvl4pPr>
+            <a:lvl5pPr marL="1828800" indent="0">
+              <a:buNone/>
+              <a:defRPr sz="1400"/>
+            </a:lvl5pPr>
+            <a:lvl6pPr marL="2286000" indent="0">
+              <a:buNone/>
+              <a:defRPr sz="1400"/>
+            </a:lvl6pPr>
+            <a:lvl7pPr marL="2743200" indent="0">
+              <a:buNone/>
+              <a:defRPr sz="1400"/>
+            </a:lvl7pPr>
+            <a:lvl8pPr marL="3200400" indent="0">
+              <a:buNone/>
+              <a:defRPr sz="1400"/>
+            </a:lvl8pPr>
+            <a:lvl9pPr marL="3657600" indent="0">
+              <a:buNone/>
+              <a:defRPr sz="1400"/>
+            </a:lvl9pPr>
+          </a:lstStyle>
+          <a:p>
+            <a:pPr lvl="0"/>
+            <a:r>
+              <a:rPr lang="en-US"/>
+              <a:t>Edit Master text styles</a:t>
+            </a:r>
+          </a:p>
+        </p:txBody>
+      </p:sp>
+      <p:sp>
+        <p:nvSpPr>
+          <p:cNvPr id="10" name="Platshållare för bildnummer 5"/>
+          <p:cNvSpPr>
+            <a:spLocks noGrp="1"/>
+          </p:cNvSpPr>
+          <p:nvPr>
+            <p:ph type="sldNum" sz="quarter" idx="4"/>
+          </p:nvPr>
+        </p:nvSpPr>
+        <p:spPr>
+          <a:xfrm>
+            <a:off x="4680064" y="6350023"/>
+            <a:ext cx="468000" cy="365125"/>
+          </a:xfrm>
+          <a:prstGeom prst="rect">
+            <a:avLst/>
+          </a:prstGeom>
+        </p:spPr>
+        <p:txBody>
+          <a:bodyPr vert="horz" lIns="91440" tIns="45720" rIns="91440" bIns="45720" rtlCol="0" anchor="ctr"/>
+          <a:lstStyle>
+            <a:lvl1pPr algn="r">
+              <a:defRPr sz="900">
+                <a:solidFill>
+                  <a:schemeClr val="bg1"/>
+                </a:solidFill>
+                <a:latin typeface="Verdana" pitchFamily="34" charset="0"/>
+                <a:ea typeface="Verdana" pitchFamily="34" charset="0"/>
+                <a:cs typeface="Verdana" pitchFamily="34" charset="0"/>
+              </a:defRPr>
+            </a:lvl1pPr>
+          </a:lstStyle>
+          <a:p>
+            <a:fld id="{96D4EA60-6390-459F-9BAD-F2F57F77009C}" type="slidenum">
+              <a:rPr lang="en-US" smtClean="0"/>
+              <a:t>‹#›</a:t>
+            </a:fld>
+            <a:endParaRPr lang="en-US"/>
+          </a:p>
+        </p:txBody>
+      </p:sp>
+    </p:spTree>
+    <p:extLst>
+      <p:ext uri="{BB962C8B-B14F-4D97-AF65-F5344CB8AC3E}">
+        <p14:creationId xmlns:p14="http://schemas.microsoft.com/office/powerpoint/2010/main" val="2612326838"/>
+      </p:ext>
+    </p:extLst>
+  </p:cSld>
+  <p:clrMapOvr>
+    <a:masterClrMapping/>
+  </p:clrMapOvr>
+</p:sldLayout>
+</file>
+
+<file path=ppt/slideLayouts/slideLayout15.xml><?xml version="1.0" encoding="utf-8"?>
+<p:sldLayout xmlns:a="http://schemas.openxmlformats.org/drawingml/2006/main" xmlns:r="http://schemas.openxmlformats.org/officeDocument/2006/relationships" xmlns:p="http://schemas.openxmlformats.org/presentationml/2006/main" type="obj" preserve="1">
+  <p:cSld name="Rubrik och innehåll">
+    <p:spTree>
+      <p:nvGrpSpPr>
+        <p:cNvPr id="1" name=""/>
+        <p:cNvGrpSpPr/>
+        <p:nvPr/>
+      </p:nvGrpSpPr>
+      <p:grpSpPr>
+        <a:xfrm>
+          <a:off x="0" y="0"/>
+          <a:ext cx="0" cy="0"/>
+          <a:chOff x="0" y="0"/>
+          <a:chExt cx="0" cy="0"/>
+        </a:xfrm>
+      </p:grpSpPr>
+      <p:sp>
+        <p:nvSpPr>
+          <p:cNvPr id="2" name="Title 1"/>
+          <p:cNvSpPr>
+            <a:spLocks noGrp="1"/>
+          </p:cNvSpPr>
+          <p:nvPr>
+            <p:ph type="title"/>
+          </p:nvPr>
+        </p:nvSpPr>
+        <p:spPr/>
+        <p:txBody>
+          <a:bodyPr/>
+          <a:lstStyle/>
+          <a:p>
+            <a:r>
+              <a:rPr lang="en-US"/>
+              <a:t>Click to edit Master title style</a:t>
+            </a:r>
+            <a:endParaRPr lang="sv-SE"/>
+          </a:p>
+        </p:txBody>
+      </p:sp>
+      <p:sp>
+        <p:nvSpPr>
+          <p:cNvPr id="3" name="Content Placeholder 2"/>
+          <p:cNvSpPr>
+            <a:spLocks noGrp="1"/>
+          </p:cNvSpPr>
+          <p:nvPr>
+            <p:ph idx="1"/>
+          </p:nvPr>
+        </p:nvSpPr>
+        <p:spPr/>
+        <p:txBody>
+          <a:bodyPr/>
+          <a:lstStyle>
+            <a:lvl1pPr marL="177800" indent="-177800">
+              <a:buClr>
+                <a:schemeClr val="accent1"/>
+              </a:buClr>
+              <a:buFont typeface="Wingdings" pitchFamily="2" charset="2"/>
+              <a:buChar char="§"/>
+              <a:defRPr/>
+            </a:lvl1pPr>
+            <a:lvl2pPr marL="541338" indent="-184150">
+              <a:buClr>
+                <a:schemeClr val="accent1"/>
+              </a:buClr>
+              <a:buFont typeface="Wingdings" pitchFamily="2" charset="2"/>
+              <a:buChar char="§"/>
+              <a:defRPr/>
+            </a:lvl2pPr>
+            <a:lvl3pPr marL="896938" indent="-176213">
+              <a:buClr>
+                <a:schemeClr val="accent1"/>
+              </a:buClr>
+              <a:buFont typeface="Wingdings" pitchFamily="2" charset="2"/>
+              <a:buChar char="§"/>
+              <a:defRPr/>
+            </a:lvl3pPr>
+            <a:lvl4pPr marL="1252538" indent="-176213">
+              <a:buClr>
+                <a:schemeClr val="accent1"/>
+              </a:buClr>
+              <a:buFont typeface="Wingdings" pitchFamily="2" charset="2"/>
+              <a:buChar char="§"/>
+              <a:defRPr/>
+            </a:lvl4pPr>
+            <a:lvl5pPr marL="1616075" indent="-184150">
+              <a:buClr>
+                <a:schemeClr val="accent1"/>
+              </a:buClr>
+              <a:buFont typeface="Wingdings" pitchFamily="2" charset="2"/>
+              <a:buChar char="§"/>
+              <a:defRPr/>
+            </a:lvl5pPr>
+          </a:lstStyle>
+          <a:p>
+            <a:pPr lvl="0"/>
+            <a:r>
+              <a:rPr lang="en-US"/>
+              <a:t>Edit Master text styles</a:t>
+            </a:r>
+          </a:p>
+          <a:p>
+            <a:pPr lvl="1"/>
+            <a:r>
+              <a:rPr lang="en-US"/>
+              <a:t>Second level</a:t>
+            </a:r>
+          </a:p>
+          <a:p>
+            <a:pPr lvl="2"/>
+            <a:r>
+              <a:rPr lang="en-US"/>
+              <a:t>Third level</a:t>
+            </a:r>
+          </a:p>
+          <a:p>
+            <a:pPr lvl="3"/>
+            <a:r>
+              <a:rPr lang="en-US"/>
+              <a:t>Fourth level</a:t>
+            </a:r>
+          </a:p>
+          <a:p>
+            <a:pPr lvl="4"/>
+            <a:r>
+              <a:rPr lang="en-US"/>
+              <a:t>Fifth level</a:t>
+            </a:r>
+            <a:endParaRPr lang="sv-SE" dirty="0"/>
+          </a:p>
+        </p:txBody>
+      </p:sp>
+    </p:spTree>
+    <p:extLst>
+      <p:ext uri="{BB962C8B-B14F-4D97-AF65-F5344CB8AC3E}">
+        <p14:creationId xmlns:p14="http://schemas.microsoft.com/office/powerpoint/2010/main" val="1419723548"/>
+      </p:ext>
+    </p:extLst>
+  </p:cSld>
+  <p:clrMapOvr>
+    <a:masterClrMapping/>
+  </p:clrMapOvr>
+</p:sldLayout>
+</file>
+
+<file path=ppt/slideLayouts/slideLayout16.xml><?xml version="1.0" encoding="utf-8"?>
+<p:sldLayout xmlns:a="http://schemas.openxmlformats.org/drawingml/2006/main" xmlns:r="http://schemas.openxmlformats.org/officeDocument/2006/relationships" xmlns:p="http://schemas.openxmlformats.org/presentationml/2006/main" type="twoObj" preserve="1">
+  <p:cSld name="Två innehållsdelar">
+    <p:spTree>
+      <p:nvGrpSpPr>
+        <p:cNvPr id="1" name=""/>
+        <p:cNvGrpSpPr/>
+        <p:nvPr/>
+      </p:nvGrpSpPr>
+      <p:grpSpPr>
+        <a:xfrm>
+          <a:off x="0" y="0"/>
+          <a:ext cx="0" cy="0"/>
+          <a:chOff x="0" y="0"/>
+          <a:chExt cx="0" cy="0"/>
+        </a:xfrm>
+      </p:grpSpPr>
+      <p:sp>
+        <p:nvSpPr>
+          <p:cNvPr id="2" name="Title 1"/>
+          <p:cNvSpPr>
+            <a:spLocks noGrp="1"/>
+          </p:cNvSpPr>
+          <p:nvPr>
+            <p:ph type="title"/>
+          </p:nvPr>
+        </p:nvSpPr>
+        <p:spPr/>
+        <p:txBody>
+          <a:bodyPr/>
+          <a:lstStyle/>
+          <a:p>
+            <a:r>
+              <a:rPr lang="en-US"/>
+              <a:t>Click to edit Master title style</a:t>
+            </a:r>
+            <a:endParaRPr lang="sv-SE"/>
+          </a:p>
+        </p:txBody>
+      </p:sp>
+      <p:sp>
+        <p:nvSpPr>
+          <p:cNvPr id="3" name="Content Placeholder 2"/>
+          <p:cNvSpPr>
+            <a:spLocks noGrp="1"/>
+          </p:cNvSpPr>
+          <p:nvPr>
+            <p:ph sz="half" idx="1"/>
+          </p:nvPr>
+        </p:nvSpPr>
+        <p:spPr>
+          <a:xfrm>
+            <a:off x="395288" y="1484313"/>
+            <a:ext cx="4100512" cy="4608512"/>
+          </a:xfrm>
+        </p:spPr>
+        <p:txBody>
+          <a:bodyPr/>
+          <a:lstStyle>
+            <a:lvl1pPr>
+              <a:defRPr sz="2800"/>
+            </a:lvl1pPr>
+            <a:lvl2pPr>
+              <a:defRPr sz="2400"/>
+            </a:lvl2pPr>
+            <a:lvl3pPr>
+              <a:defRPr sz="2000"/>
+            </a:lvl3pPr>
+            <a:lvl4pPr>
+              <a:defRPr sz="1800"/>
+            </a:lvl4pPr>
+            <a:lvl5pPr>
+              <a:defRPr sz="1800"/>
+            </a:lvl5pPr>
+            <a:lvl6pPr>
+              <a:defRPr sz="1800"/>
+            </a:lvl6pPr>
+            <a:lvl7pPr>
+              <a:defRPr sz="1800"/>
+            </a:lvl7pPr>
+            <a:lvl8pPr>
+              <a:defRPr sz="1800"/>
+            </a:lvl8pPr>
+            <a:lvl9pPr>
+              <a:defRPr sz="1800"/>
+            </a:lvl9pPr>
+          </a:lstStyle>
+          <a:p>
+            <a:pPr lvl="0"/>
+            <a:r>
+              <a:rPr lang="en-US"/>
+              <a:t>Edit Master text styles</a:t>
+            </a:r>
+          </a:p>
+          <a:p>
+            <a:pPr lvl="1"/>
+            <a:r>
+              <a:rPr lang="en-US"/>
+              <a:t>Second level</a:t>
+            </a:r>
+          </a:p>
+          <a:p>
+            <a:pPr lvl="2"/>
+            <a:r>
+              <a:rPr lang="en-US"/>
+              <a:t>Third level</a:t>
+            </a:r>
+          </a:p>
+          <a:p>
+            <a:pPr lvl="3"/>
+            <a:r>
+              <a:rPr lang="en-US"/>
+              <a:t>Fourth level</a:t>
+            </a:r>
+          </a:p>
+          <a:p>
+            <a:pPr lvl="4"/>
+            <a:r>
+              <a:rPr lang="en-US"/>
+              <a:t>Fifth level</a:t>
+            </a:r>
+            <a:endParaRPr lang="sv-SE" dirty="0"/>
+          </a:p>
+        </p:txBody>
+      </p:sp>
+      <p:sp>
+        <p:nvSpPr>
+          <p:cNvPr id="4" name="Content Placeholder 3"/>
+          <p:cNvSpPr>
+            <a:spLocks noGrp="1"/>
+          </p:cNvSpPr>
+          <p:nvPr>
+            <p:ph sz="half" idx="2"/>
+          </p:nvPr>
+        </p:nvSpPr>
+        <p:spPr>
+          <a:xfrm>
+            <a:off x="4648200" y="1484313"/>
+            <a:ext cx="4100513" cy="4608512"/>
+          </a:xfrm>
+        </p:spPr>
+        <p:txBody>
+          <a:bodyPr/>
+          <a:lstStyle>
+            <a:lvl1pPr>
+              <a:defRPr sz="2800"/>
+            </a:lvl1pPr>
+            <a:lvl2pPr>
+              <a:defRPr sz="2400"/>
+            </a:lvl2pPr>
+            <a:lvl3pPr>
+              <a:defRPr sz="2000"/>
+            </a:lvl3pPr>
+            <a:lvl4pPr>
+              <a:defRPr sz="1800"/>
+            </a:lvl4pPr>
+            <a:lvl5pPr>
+              <a:defRPr sz="1800"/>
+            </a:lvl5pPr>
+            <a:lvl6pPr>
+              <a:defRPr sz="1800"/>
+            </a:lvl6pPr>
+            <a:lvl7pPr>
+              <a:defRPr sz="1800"/>
+            </a:lvl7pPr>
+            <a:lvl8pPr>
+              <a:defRPr sz="1800"/>
+            </a:lvl8pPr>
+            <a:lvl9pPr>
+              <a:defRPr sz="1800"/>
+            </a:lvl9pPr>
+          </a:lstStyle>
+          <a:p>
+            <a:pPr lvl="0"/>
+            <a:r>
+              <a:rPr lang="en-US"/>
+              <a:t>Edit Master text styles</a:t>
+            </a:r>
+          </a:p>
+          <a:p>
+            <a:pPr lvl="1"/>
+            <a:r>
+              <a:rPr lang="en-US"/>
+              <a:t>Second level</a:t>
+            </a:r>
+          </a:p>
+          <a:p>
+            <a:pPr lvl="2"/>
+            <a:r>
+              <a:rPr lang="en-US"/>
+              <a:t>Third level</a:t>
+            </a:r>
+          </a:p>
+          <a:p>
+            <a:pPr lvl="3"/>
+            <a:r>
+              <a:rPr lang="en-US"/>
+              <a:t>Fourth level</a:t>
+            </a:r>
+          </a:p>
+          <a:p>
+            <a:pPr lvl="4"/>
+            <a:r>
+              <a:rPr lang="en-US"/>
+              <a:t>Fifth level</a:t>
+            </a:r>
+            <a:endParaRPr lang="sv-SE" dirty="0"/>
+          </a:p>
+        </p:txBody>
+      </p:sp>
+    </p:spTree>
+    <p:extLst>
+      <p:ext uri="{BB962C8B-B14F-4D97-AF65-F5344CB8AC3E}">
+        <p14:creationId xmlns:p14="http://schemas.microsoft.com/office/powerpoint/2010/main" val="3759431715"/>
+      </p:ext>
+    </p:extLst>
+  </p:cSld>
+  <p:clrMapOvr>
+    <a:masterClrMapping/>
+  </p:clrMapOvr>
+</p:sldLayout>
+</file>
+
+<file path=ppt/slideLayouts/slideLayout17.xml><?xml version="1.0" encoding="utf-8"?>
+<p:sldLayout xmlns:a="http://schemas.openxmlformats.org/drawingml/2006/main" xmlns:r="http://schemas.openxmlformats.org/officeDocument/2006/relationships" xmlns:p="http://schemas.openxmlformats.org/presentationml/2006/main" type="twoTxTwoObj" preserve="1">
+  <p:cSld name="Jämförelse">
+    <p:spTree>
+      <p:nvGrpSpPr>
+        <p:cNvPr id="1" name=""/>
+        <p:cNvGrpSpPr/>
+        <p:nvPr/>
+      </p:nvGrpSpPr>
+      <p:grpSpPr>
+        <a:xfrm>
+          <a:off x="0" y="0"/>
+          <a:ext cx="0" cy="0"/>
+          <a:chOff x="0" y="0"/>
+          <a:chExt cx="0" cy="0"/>
+        </a:xfrm>
+      </p:grpSpPr>
+      <p:sp>
+        <p:nvSpPr>
+          <p:cNvPr id="2" name="Title 1"/>
+          <p:cNvSpPr>
+            <a:spLocks noGrp="1"/>
+          </p:cNvSpPr>
+          <p:nvPr>
+            <p:ph type="title"/>
+          </p:nvPr>
+        </p:nvSpPr>
+        <p:spPr>
+          <a:xfrm>
+            <a:off x="457200" y="274638"/>
+            <a:ext cx="8229600" cy="1143000"/>
+          </a:xfrm>
+        </p:spPr>
+        <p:txBody>
+          <a:bodyPr/>
+          <a:lstStyle>
+            <a:lvl1pPr>
+              <a:defRPr/>
+            </a:lvl1pPr>
+          </a:lstStyle>
+          <a:p>
+            <a:r>
+              <a:rPr lang="en-US"/>
+              <a:t>Click to edit Master title style</a:t>
+            </a:r>
+            <a:endParaRPr lang="sv-SE"/>
+          </a:p>
+        </p:txBody>
+      </p:sp>
+      <p:sp>
+        <p:nvSpPr>
+          <p:cNvPr id="3" name="Text Placeholder 2"/>
+          <p:cNvSpPr>
+            <a:spLocks noGrp="1"/>
+          </p:cNvSpPr>
+          <p:nvPr>
+            <p:ph type="body" idx="1"/>
+          </p:nvPr>
+        </p:nvSpPr>
+        <p:spPr>
+          <a:xfrm>
+            <a:off x="457200" y="1535113"/>
+            <a:ext cx="4040188" cy="639762"/>
+          </a:xfrm>
+        </p:spPr>
+        <p:txBody>
+          <a:bodyPr anchor="b"/>
+          <a:lstStyle>
+            <a:lvl1pPr marL="0" indent="0">
+              <a:buNone/>
+              <a:defRPr sz="2400" b="1"/>
+            </a:lvl1pPr>
+            <a:lvl2pPr marL="457200" indent="0">
+              <a:buNone/>
+              <a:defRPr sz="2000" b="1"/>
+            </a:lvl2pPr>
+            <a:lvl3pPr marL="914400" indent="0">
+              <a:buNone/>
+              <a:defRPr sz="1800" b="1"/>
+            </a:lvl3pPr>
+            <a:lvl4pPr marL="1371600" indent="0">
+              <a:buNone/>
+              <a:defRPr sz="1600" b="1"/>
+            </a:lvl4pPr>
+            <a:lvl5pPr marL="1828800" indent="0">
+              <a:buNone/>
+              <a:defRPr sz="1600" b="1"/>
+            </a:lvl5pPr>
+            <a:lvl6pPr marL="2286000" indent="0">
+              <a:buNone/>
+              <a:defRPr sz="1600" b="1"/>
+            </a:lvl6pPr>
+            <a:lvl7pPr marL="2743200" indent="0">
+              <a:buNone/>
+              <a:defRPr sz="1600" b="1"/>
+            </a:lvl7pPr>
+            <a:lvl8pPr marL="3200400" indent="0">
+              <a:buNone/>
+              <a:defRPr sz="1600" b="1"/>
+            </a:lvl8pPr>
+            <a:lvl9pPr marL="3657600" indent="0">
+              <a:buNone/>
+              <a:defRPr sz="1600" b="1"/>
+            </a:lvl9pPr>
+          </a:lstStyle>
+          <a:p>
+            <a:pPr lvl="0"/>
+            <a:r>
+              <a:rPr lang="en-US"/>
+              <a:t>Edit Master text styles</a:t>
+            </a:r>
+          </a:p>
+        </p:txBody>
+      </p:sp>
+      <p:sp>
+        <p:nvSpPr>
+          <p:cNvPr id="4" name="Content Placeholder 3"/>
+          <p:cNvSpPr>
+            <a:spLocks noGrp="1"/>
+          </p:cNvSpPr>
+          <p:nvPr>
+            <p:ph sz="half" idx="2"/>
+          </p:nvPr>
+        </p:nvSpPr>
+        <p:spPr>
+          <a:xfrm>
+            <a:off x="457200" y="2174875"/>
+            <a:ext cx="4040188" cy="3951288"/>
+          </a:xfrm>
+        </p:spPr>
+        <p:txBody>
+          <a:bodyPr/>
+          <a:lstStyle>
+            <a:lvl1pPr>
+              <a:defRPr sz="2400"/>
+            </a:lvl1pPr>
+            <a:lvl2pPr>
+              <a:defRPr sz="2000"/>
+            </a:lvl2pPr>
+            <a:lvl3pPr>
+              <a:defRPr sz="1800"/>
+            </a:lvl3pPr>
+            <a:lvl4pPr>
+              <a:defRPr sz="1600"/>
+            </a:lvl4pPr>
+            <a:lvl5pPr>
+              <a:defRPr sz="1600"/>
+            </a:lvl5pPr>
+            <a:lvl6pPr>
+              <a:defRPr sz="1600"/>
+            </a:lvl6pPr>
+            <a:lvl7pPr>
+              <a:defRPr sz="1600"/>
+            </a:lvl7pPr>
+            <a:lvl8pPr>
+              <a:defRPr sz="1600"/>
+            </a:lvl8pPr>
+            <a:lvl9pPr>
+              <a:defRPr sz="1600"/>
+            </a:lvl9pPr>
+          </a:lstStyle>
+          <a:p>
+            <a:pPr lvl="0"/>
+            <a:r>
+              <a:rPr lang="en-US"/>
+              <a:t>Edit Master text styles</a:t>
+            </a:r>
+          </a:p>
+          <a:p>
+            <a:pPr lvl="1"/>
+            <a:r>
+              <a:rPr lang="en-US"/>
+              <a:t>Second level</a:t>
+            </a:r>
+          </a:p>
+          <a:p>
+            <a:pPr lvl="2"/>
+            <a:r>
+              <a:rPr lang="en-US"/>
+              <a:t>Third level</a:t>
+            </a:r>
+          </a:p>
+          <a:p>
+            <a:pPr lvl="3"/>
+            <a:r>
+              <a:rPr lang="en-US"/>
+              <a:t>Fourth level</a:t>
+            </a:r>
+          </a:p>
+          <a:p>
+            <a:pPr lvl="4"/>
+            <a:r>
+              <a:rPr lang="en-US"/>
+              <a:t>Fifth level</a:t>
+            </a:r>
+            <a:endParaRPr lang="sv-SE" dirty="0"/>
+          </a:p>
+        </p:txBody>
+      </p:sp>
+      <p:sp>
+        <p:nvSpPr>
+          <p:cNvPr id="5" name="Text Placeholder 4"/>
+          <p:cNvSpPr>
+            <a:spLocks noGrp="1"/>
+          </p:cNvSpPr>
+          <p:nvPr>
+            <p:ph type="body" sz="quarter" idx="3"/>
+          </p:nvPr>
+        </p:nvSpPr>
+        <p:spPr>
+          <a:xfrm>
+            <a:off x="4645025" y="1535113"/>
+            <a:ext cx="4041775" cy="639762"/>
+          </a:xfrm>
+        </p:spPr>
+        <p:txBody>
+          <a:bodyPr anchor="b"/>
+          <a:lstStyle>
+            <a:lvl1pPr marL="0" indent="0">
+              <a:buNone/>
+              <a:defRPr sz="2400" b="1"/>
+            </a:lvl1pPr>
+            <a:lvl2pPr marL="457200" indent="0">
+              <a:buNone/>
+              <a:defRPr sz="2000" b="1"/>
+            </a:lvl2pPr>
+            <a:lvl3pPr marL="914400" indent="0">
+              <a:buNone/>
+              <a:defRPr sz="1800" b="1"/>
+            </a:lvl3pPr>
+            <a:lvl4pPr marL="1371600" indent="0">
+              <a:buNone/>
+              <a:defRPr sz="1600" b="1"/>
+            </a:lvl4pPr>
+            <a:lvl5pPr marL="1828800" indent="0">
+              <a:buNone/>
+              <a:defRPr sz="1600" b="1"/>
+            </a:lvl5pPr>
+            <a:lvl6pPr marL="2286000" indent="0">
+              <a:buNone/>
+              <a:defRPr sz="1600" b="1"/>
+            </a:lvl6pPr>
+            <a:lvl7pPr marL="2743200" indent="0">
+              <a:buNone/>
+              <a:defRPr sz="1600" b="1"/>
+            </a:lvl7pPr>
+            <a:lvl8pPr marL="3200400" indent="0">
+              <a:buNone/>
+              <a:defRPr sz="1600" b="1"/>
+            </a:lvl8pPr>
+            <a:lvl9pPr marL="3657600" indent="0">
+              <a:buNone/>
+              <a:defRPr sz="1600" b="1"/>
+            </a:lvl9pPr>
+          </a:lstStyle>
+          <a:p>
+            <a:pPr lvl="0"/>
+            <a:r>
+              <a:rPr lang="en-US"/>
+              <a:t>Edit Master text styles</a:t>
+            </a:r>
+          </a:p>
+        </p:txBody>
+      </p:sp>
+      <p:sp>
+        <p:nvSpPr>
+          <p:cNvPr id="6" name="Content Placeholder 5"/>
+          <p:cNvSpPr>
+            <a:spLocks noGrp="1"/>
+          </p:cNvSpPr>
+          <p:nvPr>
+            <p:ph sz="quarter" idx="4"/>
+          </p:nvPr>
+        </p:nvSpPr>
+        <p:spPr>
+          <a:xfrm>
+            <a:off x="4645025" y="2174875"/>
+            <a:ext cx="4041775" cy="3951288"/>
+          </a:xfrm>
+        </p:spPr>
+        <p:txBody>
+          <a:bodyPr/>
+          <a:lstStyle>
+            <a:lvl1pPr>
+              <a:defRPr sz="2400"/>
+            </a:lvl1pPr>
+            <a:lvl2pPr>
+              <a:defRPr sz="2000"/>
+            </a:lvl2pPr>
+            <a:lvl3pPr>
+              <a:defRPr sz="1800"/>
+            </a:lvl3pPr>
+            <a:lvl4pPr>
+              <a:defRPr sz="1600"/>
+            </a:lvl4pPr>
+            <a:lvl5pPr>
+              <a:defRPr sz="1600"/>
+            </a:lvl5pPr>
+            <a:lvl6pPr>
+              <a:defRPr sz="1600"/>
+            </a:lvl6pPr>
+            <a:lvl7pPr>
+              <a:defRPr sz="1600"/>
+            </a:lvl7pPr>
+            <a:lvl8pPr>
+              <a:defRPr sz="1600"/>
+            </a:lvl8pPr>
+            <a:lvl9pPr>
+              <a:defRPr sz="1600"/>
+            </a:lvl9pPr>
+          </a:lstStyle>
+          <a:p>
+            <a:pPr lvl="0"/>
+            <a:r>
+              <a:rPr lang="en-US"/>
+              <a:t>Edit Master text styles</a:t>
+            </a:r>
+          </a:p>
+          <a:p>
+            <a:pPr lvl="1"/>
+            <a:r>
+              <a:rPr lang="en-US"/>
+              <a:t>Second level</a:t>
+            </a:r>
+          </a:p>
+          <a:p>
+            <a:pPr lvl="2"/>
+            <a:r>
+              <a:rPr lang="en-US"/>
+              <a:t>Third level</a:t>
+            </a:r>
+          </a:p>
+          <a:p>
+            <a:pPr lvl="3"/>
+            <a:r>
+              <a:rPr lang="en-US"/>
+              <a:t>Fourth level</a:t>
+            </a:r>
+          </a:p>
+          <a:p>
+            <a:pPr lvl="4"/>
+            <a:r>
+              <a:rPr lang="en-US"/>
+              <a:t>Fifth level</a:t>
+            </a:r>
+            <a:endParaRPr lang="sv-SE" dirty="0"/>
+          </a:p>
+        </p:txBody>
+      </p:sp>
+    </p:spTree>
+    <p:extLst>
+      <p:ext uri="{BB962C8B-B14F-4D97-AF65-F5344CB8AC3E}">
+        <p14:creationId xmlns:p14="http://schemas.microsoft.com/office/powerpoint/2010/main" val="2285335745"/>
+      </p:ext>
+    </p:extLst>
+  </p:cSld>
+  <p:clrMapOvr>
+    <a:masterClrMapping/>
+  </p:clrMapOvr>
+</p:sldLayout>
+</file>
+
+<file path=ppt/slideLayouts/slideLayout18.xml><?xml version="1.0" encoding="utf-8"?>
+<p:sldLayout xmlns:a="http://schemas.openxmlformats.org/drawingml/2006/main" xmlns:r="http://schemas.openxmlformats.org/officeDocument/2006/relationships" xmlns:p="http://schemas.openxmlformats.org/presentationml/2006/main" type="titleOnly" preserve="1">
+  <p:cSld name="Endast rubrik">
+    <p:spTree>
+      <p:nvGrpSpPr>
+        <p:cNvPr id="1" name=""/>
+        <p:cNvGrpSpPr/>
+        <p:nvPr/>
+      </p:nvGrpSpPr>
+      <p:grpSpPr>
+        <a:xfrm>
+          <a:off x="0" y="0"/>
+          <a:ext cx="0" cy="0"/>
+          <a:chOff x="0" y="0"/>
+          <a:chExt cx="0" cy="0"/>
+        </a:xfrm>
+      </p:grpSpPr>
+      <p:sp>
+        <p:nvSpPr>
+          <p:cNvPr id="2" name="Title 1"/>
+          <p:cNvSpPr>
+            <a:spLocks noGrp="1"/>
+          </p:cNvSpPr>
+          <p:nvPr>
+            <p:ph type="title"/>
+          </p:nvPr>
+        </p:nvSpPr>
+        <p:spPr/>
+        <p:txBody>
+          <a:bodyPr/>
+          <a:lstStyle/>
+          <a:p>
+            <a:r>
+              <a:rPr lang="en-US"/>
+              <a:t>Click to edit Master title style</a:t>
+            </a:r>
+            <a:endParaRPr lang="sv-SE"/>
+          </a:p>
+        </p:txBody>
+      </p:sp>
+    </p:spTree>
+    <p:extLst>
+      <p:ext uri="{BB962C8B-B14F-4D97-AF65-F5344CB8AC3E}">
+        <p14:creationId xmlns:p14="http://schemas.microsoft.com/office/powerpoint/2010/main" val="2488733303"/>
+      </p:ext>
+    </p:extLst>
+  </p:cSld>
+  <p:clrMapOvr>
+    <a:masterClrMapping/>
+  </p:clrMapOvr>
+</p:sldLayout>
+</file>
+
+<file path=ppt/slideLayouts/slideLayout19.xml><?xml version="1.0" encoding="utf-8"?>
+<p:sldLayout xmlns:a="http://schemas.openxmlformats.org/drawingml/2006/main" xmlns:r="http://schemas.openxmlformats.org/officeDocument/2006/relationships" xmlns:p="http://schemas.openxmlformats.org/presentationml/2006/main" type="titleOnly" preserve="1">
+  <p:cSld name="Endast rubrik utan logga">
+    <p:spTree>
+      <p:nvGrpSpPr>
+        <p:cNvPr id="1" name=""/>
+        <p:cNvGrpSpPr/>
+        <p:nvPr/>
+      </p:nvGrpSpPr>
+      <p:grpSpPr>
+        <a:xfrm>
+          <a:off x="0" y="0"/>
+          <a:ext cx="0" cy="0"/>
+          <a:chOff x="0" y="0"/>
+          <a:chExt cx="0" cy="0"/>
+        </a:xfrm>
+      </p:grpSpPr>
+      <p:sp>
+        <p:nvSpPr>
+          <p:cNvPr id="2" name="Title 1"/>
+          <p:cNvSpPr>
+            <a:spLocks noGrp="1"/>
+          </p:cNvSpPr>
+          <p:nvPr>
+            <p:ph type="title"/>
+          </p:nvPr>
+        </p:nvSpPr>
+        <p:spPr/>
+        <p:txBody>
+          <a:bodyPr/>
+          <a:lstStyle/>
+          <a:p>
+            <a:r>
+              <a:rPr lang="en-US"/>
+              <a:t>Click to edit Master title style</a:t>
+            </a:r>
+            <a:endParaRPr lang="sv-SE"/>
+          </a:p>
+        </p:txBody>
+      </p:sp>
+      <p:sp>
+        <p:nvSpPr>
+          <p:cNvPr id="3" name="Rectangle 2"/>
+          <p:cNvSpPr/>
+          <p:nvPr/>
+        </p:nvSpPr>
+        <p:spPr bwMode="auto">
+          <a:xfrm>
+            <a:off x="7040947" y="5974854"/>
+            <a:ext cx="2088232" cy="864096"/>
+          </a:xfrm>
+          <a:prstGeom prst="rect">
+            <a:avLst/>
+          </a:prstGeom>
+          <a:solidFill>
+            <a:schemeClr val="accent3"/>
+          </a:solidFill>
+          <a:ln w="9525" cap="flat" cmpd="sng" algn="ctr">
+            <a:solidFill>
+              <a:schemeClr val="bg1"/>
+            </a:solidFill>
+            <a:prstDash val="solid"/>
+            <a:round/>
+            <a:headEnd type="none" w="med" len="med"/>
+            <a:tailEnd type="none" w="med" len="med"/>
+          </a:ln>
+          <a:effectLst/>
+        </p:spPr>
+        <p:txBody>
+          <a:bodyPr vert="horz" wrap="none" lIns="0" tIns="0" rIns="0" bIns="0" numCol="1" rtlCol="0" anchor="ctr" anchorCtr="0" compatLnSpc="1">
+            <a:prstTxWarp prst="textNoShape">
+              <a:avLst/>
+            </a:prstTxWarp>
+          </a:bodyPr>
+          <a:lstStyle/>
+          <a:p>
+            <a:pPr marL="0" marR="0" indent="0" algn="ctr" defTabSz="914400" rtl="0" eaLnBrk="1" fontAlgn="base" latinLnBrk="0" hangingPunct="1">
+              <a:lnSpc>
+                <a:spcPct val="100000"/>
+              </a:lnSpc>
+              <a:spcBef>
+                <a:spcPct val="0"/>
+              </a:spcBef>
+              <a:spcAft>
+                <a:spcPct val="0"/>
+              </a:spcAft>
+              <a:buClr>
+                <a:schemeClr val="bg2"/>
+              </a:buClr>
+              <a:buSzTx/>
+              <a:buFontTx/>
+              <a:buNone/>
+              <a:tabLst/>
+            </a:pPr>
+            <a:endParaRPr kumimoji="0" lang="sv-SE" sz="1600" b="0" i="0" u="none" strike="noStrike" cap="none" normalizeH="0" baseline="0">
+              <a:ln>
+                <a:noFill/>
+              </a:ln>
+              <a:solidFill>
+                <a:schemeClr val="tx1"/>
+              </a:solidFill>
+              <a:effectLst/>
+              <a:latin typeface="Arial" charset="0"/>
+            </a:endParaRPr>
+          </a:p>
+        </p:txBody>
+      </p:sp>
+    </p:spTree>
+    <p:extLst>
+      <p:ext uri="{BB962C8B-B14F-4D97-AF65-F5344CB8AC3E}">
+        <p14:creationId xmlns:p14="http://schemas.microsoft.com/office/powerpoint/2010/main" val="2902288358"/>
+      </p:ext>
+    </p:extLst>
+  </p:cSld>
+  <p:clrMapOvr>
+    <a:masterClrMapping/>
+  </p:clrMapOvr>
+</p:sldLayout>
+</file>
+
 <file path=ppt/slideLayouts/slideLayout2.xml><?xml version="1.0" encoding="utf-8"?>
 <p:sldLayout xmlns:a="http://schemas.openxmlformats.org/drawingml/2006/main" xmlns:r="http://schemas.openxmlformats.org/officeDocument/2006/relationships" xmlns:p="http://schemas.openxmlformats.org/presentationml/2006/main" type="obj" preserve="1">
   <p:cSld name="Title and Content">
@@ -3045,7 +4139,6 @@
               <a:rPr lang="en-US"/>
               <a:t>Click to edit Master title style</a:t>
             </a:r>
-            <a:endParaRPr lang="en-US"/>
           </a:p>
         </p:txBody>
       </p:sp>
@@ -3097,7 +4190,6 @@
               <a:rPr lang="en-US"/>
               <a:t>Fifth level</a:t>
             </a:r>
-            <a:endParaRPr lang="en-US"/>
           </a:p>
         </p:txBody>
       </p:sp>
@@ -3118,7 +4210,7 @@
           <a:p>
             <a:fld id="{7A187A68-229F-417C-9E23-A9AD3F41E637}" type="datetimeFigureOut">
               <a:rPr lang="en-US" smtClean="0"/>
-              <a:t>12/9/2016</a:t>
+              <a:t>12/13/2016</a:t>
             </a:fld>
             <a:endParaRPr lang="en-US"/>
           </a:p>
@@ -3170,6 +4262,1092 @@
     <p:extLst>
       <p:ext uri="{BB962C8B-B14F-4D97-AF65-F5344CB8AC3E}">
         <p14:creationId xmlns:p14="http://schemas.microsoft.com/office/powerpoint/2010/main" val="704757729"/>
+      </p:ext>
+    </p:extLst>
+  </p:cSld>
+  <p:clrMapOvr>
+    <a:masterClrMapping/>
+  </p:clrMapOvr>
+</p:sldLayout>
+</file>
+
+<file path=ppt/slideLayouts/slideLayout20.xml><?xml version="1.0" encoding="utf-8"?>
+<p:sldLayout xmlns:a="http://schemas.openxmlformats.org/drawingml/2006/main" xmlns:r="http://schemas.openxmlformats.org/officeDocument/2006/relationships" xmlns:p="http://schemas.openxmlformats.org/presentationml/2006/main" type="blank" preserve="1">
+  <p:cSld name="Tom">
+    <p:spTree>
+      <p:nvGrpSpPr>
+        <p:cNvPr id="1" name=""/>
+        <p:cNvGrpSpPr/>
+        <p:nvPr/>
+      </p:nvGrpSpPr>
+      <p:grpSpPr>
+        <a:xfrm>
+          <a:off x="0" y="0"/>
+          <a:ext cx="0" cy="0"/>
+          <a:chOff x="0" y="0"/>
+          <a:chExt cx="0" cy="0"/>
+        </a:xfrm>
+      </p:grpSpPr>
+    </p:spTree>
+    <p:extLst>
+      <p:ext uri="{BB962C8B-B14F-4D97-AF65-F5344CB8AC3E}">
+        <p14:creationId xmlns:p14="http://schemas.microsoft.com/office/powerpoint/2010/main" val="4060926440"/>
+      </p:ext>
+    </p:extLst>
+  </p:cSld>
+  <p:clrMapOvr>
+    <a:masterClrMapping/>
+  </p:clrMapOvr>
+</p:sldLayout>
+</file>
+
+<file path=ppt/slideLayouts/slideLayout21.xml><?xml version="1.0" encoding="utf-8"?>
+<p:sldLayout xmlns:a="http://schemas.openxmlformats.org/drawingml/2006/main" xmlns:r="http://schemas.openxmlformats.org/officeDocument/2006/relationships" xmlns:p="http://schemas.openxmlformats.org/presentationml/2006/main" showMasterSp="0" type="titleOnly" preserve="1">
+  <p:cSld name="Helt tom med rubrik">
+    <p:spTree>
+      <p:nvGrpSpPr>
+        <p:cNvPr id="1" name=""/>
+        <p:cNvGrpSpPr/>
+        <p:nvPr/>
+      </p:nvGrpSpPr>
+      <p:grpSpPr>
+        <a:xfrm>
+          <a:off x="0" y="0"/>
+          <a:ext cx="0" cy="0"/>
+          <a:chOff x="0" y="0"/>
+          <a:chExt cx="0" cy="0"/>
+        </a:xfrm>
+      </p:grpSpPr>
+      <p:sp>
+        <p:nvSpPr>
+          <p:cNvPr id="2" name="Title 1"/>
+          <p:cNvSpPr>
+            <a:spLocks noGrp="1"/>
+          </p:cNvSpPr>
+          <p:nvPr>
+            <p:ph type="title"/>
+          </p:nvPr>
+        </p:nvSpPr>
+        <p:spPr/>
+        <p:txBody>
+          <a:bodyPr/>
+          <a:lstStyle/>
+          <a:p>
+            <a:r>
+              <a:rPr lang="en-US"/>
+              <a:t>Click to edit Master title style</a:t>
+            </a:r>
+            <a:endParaRPr lang="sv-SE"/>
+          </a:p>
+        </p:txBody>
+      </p:sp>
+    </p:spTree>
+    <p:extLst>
+      <p:ext uri="{BB962C8B-B14F-4D97-AF65-F5344CB8AC3E}">
+        <p14:creationId xmlns:p14="http://schemas.microsoft.com/office/powerpoint/2010/main" val="3308912120"/>
+      </p:ext>
+    </p:extLst>
+  </p:cSld>
+  <p:clrMapOvr>
+    <a:masterClrMapping/>
+  </p:clrMapOvr>
+</p:sldLayout>
+</file>
+
+<file path=ppt/slideLayouts/slideLayout22.xml><?xml version="1.0" encoding="utf-8"?>
+<p:sldLayout xmlns:a="http://schemas.openxmlformats.org/drawingml/2006/main" xmlns:r="http://schemas.openxmlformats.org/officeDocument/2006/relationships" xmlns:p="http://schemas.openxmlformats.org/presentationml/2006/main" showMasterSp="0" type="blank" preserve="1">
+  <p:cSld name="HeltTom">
+    <p:spTree>
+      <p:nvGrpSpPr>
+        <p:cNvPr id="1" name=""/>
+        <p:cNvGrpSpPr/>
+        <p:nvPr/>
+      </p:nvGrpSpPr>
+      <p:grpSpPr>
+        <a:xfrm>
+          <a:off x="0" y="0"/>
+          <a:ext cx="0" cy="0"/>
+          <a:chOff x="0" y="0"/>
+          <a:chExt cx="0" cy="0"/>
+        </a:xfrm>
+      </p:grpSpPr>
+    </p:spTree>
+    <p:extLst>
+      <p:ext uri="{BB962C8B-B14F-4D97-AF65-F5344CB8AC3E}">
+        <p14:creationId xmlns:p14="http://schemas.microsoft.com/office/powerpoint/2010/main" val="2567307096"/>
+      </p:ext>
+    </p:extLst>
+  </p:cSld>
+  <p:clrMapOvr>
+    <a:masterClrMapping/>
+  </p:clrMapOvr>
+</p:sldLayout>
+</file>
+
+<file path=ppt/slideLayouts/slideLayout23.xml><?xml version="1.0" encoding="utf-8"?>
+<p:sldLayout xmlns:a="http://schemas.openxmlformats.org/drawingml/2006/main" xmlns:r="http://schemas.openxmlformats.org/officeDocument/2006/relationships" xmlns:p="http://schemas.openxmlformats.org/presentationml/2006/main" type="objTx" preserve="1">
+  <p:cSld name="Innehåll med bildtext">
+    <p:spTree>
+      <p:nvGrpSpPr>
+        <p:cNvPr id="1" name=""/>
+        <p:cNvGrpSpPr/>
+        <p:nvPr/>
+      </p:nvGrpSpPr>
+      <p:grpSpPr>
+        <a:xfrm>
+          <a:off x="0" y="0"/>
+          <a:ext cx="0" cy="0"/>
+          <a:chOff x="0" y="0"/>
+          <a:chExt cx="0" cy="0"/>
+        </a:xfrm>
+      </p:grpSpPr>
+      <p:sp>
+        <p:nvSpPr>
+          <p:cNvPr id="2" name="Title 1"/>
+          <p:cNvSpPr>
+            <a:spLocks noGrp="1"/>
+          </p:cNvSpPr>
+          <p:nvPr>
+            <p:ph type="title"/>
+          </p:nvPr>
+        </p:nvSpPr>
+        <p:spPr>
+          <a:xfrm>
+            <a:off x="457200" y="273050"/>
+            <a:ext cx="3008313" cy="1162050"/>
+          </a:xfrm>
+        </p:spPr>
+        <p:txBody>
+          <a:bodyPr anchor="b"/>
+          <a:lstStyle>
+            <a:lvl1pPr algn="l">
+              <a:defRPr sz="2000" b="1"/>
+            </a:lvl1pPr>
+          </a:lstStyle>
+          <a:p>
+            <a:r>
+              <a:rPr lang="en-US"/>
+              <a:t>Click to edit Master title style</a:t>
+            </a:r>
+            <a:endParaRPr lang="sv-SE"/>
+          </a:p>
+        </p:txBody>
+      </p:sp>
+      <p:sp>
+        <p:nvSpPr>
+          <p:cNvPr id="3" name="Content Placeholder 2"/>
+          <p:cNvSpPr>
+            <a:spLocks noGrp="1"/>
+          </p:cNvSpPr>
+          <p:nvPr>
+            <p:ph idx="1"/>
+          </p:nvPr>
+        </p:nvSpPr>
+        <p:spPr>
+          <a:xfrm>
+            <a:off x="3575050" y="273050"/>
+            <a:ext cx="5111750" cy="5853113"/>
+          </a:xfrm>
+        </p:spPr>
+        <p:txBody>
+          <a:bodyPr/>
+          <a:lstStyle>
+            <a:lvl1pPr>
+              <a:defRPr sz="3200"/>
+            </a:lvl1pPr>
+            <a:lvl2pPr>
+              <a:defRPr sz="2800"/>
+            </a:lvl2pPr>
+            <a:lvl3pPr>
+              <a:defRPr sz="2400"/>
+            </a:lvl3pPr>
+            <a:lvl4pPr>
+              <a:defRPr sz="2000"/>
+            </a:lvl4pPr>
+            <a:lvl5pPr>
+              <a:defRPr sz="2000"/>
+            </a:lvl5pPr>
+            <a:lvl6pPr>
+              <a:defRPr sz="2000"/>
+            </a:lvl6pPr>
+            <a:lvl7pPr>
+              <a:defRPr sz="2000"/>
+            </a:lvl7pPr>
+            <a:lvl8pPr>
+              <a:defRPr sz="2000"/>
+            </a:lvl8pPr>
+            <a:lvl9pPr>
+              <a:defRPr sz="2000"/>
+            </a:lvl9pPr>
+          </a:lstStyle>
+          <a:p>
+            <a:pPr lvl="0"/>
+            <a:r>
+              <a:rPr lang="en-US"/>
+              <a:t>Edit Master text styles</a:t>
+            </a:r>
+          </a:p>
+          <a:p>
+            <a:pPr lvl="1"/>
+            <a:r>
+              <a:rPr lang="en-US"/>
+              <a:t>Second level</a:t>
+            </a:r>
+          </a:p>
+          <a:p>
+            <a:pPr lvl="2"/>
+            <a:r>
+              <a:rPr lang="en-US"/>
+              <a:t>Third level</a:t>
+            </a:r>
+          </a:p>
+          <a:p>
+            <a:pPr lvl="3"/>
+            <a:r>
+              <a:rPr lang="en-US"/>
+              <a:t>Fourth level</a:t>
+            </a:r>
+          </a:p>
+          <a:p>
+            <a:pPr lvl="4"/>
+            <a:r>
+              <a:rPr lang="en-US"/>
+              <a:t>Fifth level</a:t>
+            </a:r>
+            <a:endParaRPr lang="sv-SE"/>
+          </a:p>
+        </p:txBody>
+      </p:sp>
+      <p:sp>
+        <p:nvSpPr>
+          <p:cNvPr id="4" name="Text Placeholder 3"/>
+          <p:cNvSpPr>
+            <a:spLocks noGrp="1"/>
+          </p:cNvSpPr>
+          <p:nvPr>
+            <p:ph type="body" sz="half" idx="2"/>
+          </p:nvPr>
+        </p:nvSpPr>
+        <p:spPr>
+          <a:xfrm>
+            <a:off x="457200" y="1435100"/>
+            <a:ext cx="3008313" cy="4691063"/>
+          </a:xfrm>
+        </p:spPr>
+        <p:txBody>
+          <a:bodyPr/>
+          <a:lstStyle>
+            <a:lvl1pPr marL="0" indent="0">
+              <a:buNone/>
+              <a:defRPr sz="1400"/>
+            </a:lvl1pPr>
+            <a:lvl2pPr marL="457200" indent="0">
+              <a:buNone/>
+              <a:defRPr sz="1200"/>
+            </a:lvl2pPr>
+            <a:lvl3pPr marL="914400" indent="0">
+              <a:buNone/>
+              <a:defRPr sz="1000"/>
+            </a:lvl3pPr>
+            <a:lvl4pPr marL="1371600" indent="0">
+              <a:buNone/>
+              <a:defRPr sz="900"/>
+            </a:lvl4pPr>
+            <a:lvl5pPr marL="1828800" indent="0">
+              <a:buNone/>
+              <a:defRPr sz="900"/>
+            </a:lvl5pPr>
+            <a:lvl6pPr marL="2286000" indent="0">
+              <a:buNone/>
+              <a:defRPr sz="900"/>
+            </a:lvl6pPr>
+            <a:lvl7pPr marL="2743200" indent="0">
+              <a:buNone/>
+              <a:defRPr sz="900"/>
+            </a:lvl7pPr>
+            <a:lvl8pPr marL="3200400" indent="0">
+              <a:buNone/>
+              <a:defRPr sz="900"/>
+            </a:lvl8pPr>
+            <a:lvl9pPr marL="3657600" indent="0">
+              <a:buNone/>
+              <a:defRPr sz="900"/>
+            </a:lvl9pPr>
+          </a:lstStyle>
+          <a:p>
+            <a:pPr lvl="0"/>
+            <a:r>
+              <a:rPr lang="en-US"/>
+              <a:t>Edit Master text styles</a:t>
+            </a:r>
+          </a:p>
+        </p:txBody>
+      </p:sp>
+    </p:spTree>
+    <p:extLst>
+      <p:ext uri="{BB962C8B-B14F-4D97-AF65-F5344CB8AC3E}">
+        <p14:creationId xmlns:p14="http://schemas.microsoft.com/office/powerpoint/2010/main" val="8526809"/>
+      </p:ext>
+    </p:extLst>
+  </p:cSld>
+  <p:clrMapOvr>
+    <a:masterClrMapping/>
+  </p:clrMapOvr>
+</p:sldLayout>
+</file>
+
+<file path=ppt/slideLayouts/slideLayout24.xml><?xml version="1.0" encoding="utf-8"?>
+<p:sldLayout xmlns:a="http://schemas.openxmlformats.org/drawingml/2006/main" xmlns:r="http://schemas.openxmlformats.org/officeDocument/2006/relationships" xmlns:p="http://schemas.openxmlformats.org/presentationml/2006/main" type="picTx" preserve="1">
+  <p:cSld name="Bild med bildtext">
+    <p:spTree>
+      <p:nvGrpSpPr>
+        <p:cNvPr id="1" name=""/>
+        <p:cNvGrpSpPr/>
+        <p:nvPr/>
+      </p:nvGrpSpPr>
+      <p:grpSpPr>
+        <a:xfrm>
+          <a:off x="0" y="0"/>
+          <a:ext cx="0" cy="0"/>
+          <a:chOff x="0" y="0"/>
+          <a:chExt cx="0" cy="0"/>
+        </a:xfrm>
+      </p:grpSpPr>
+      <p:sp>
+        <p:nvSpPr>
+          <p:cNvPr id="2" name="Title 1"/>
+          <p:cNvSpPr>
+            <a:spLocks noGrp="1"/>
+          </p:cNvSpPr>
+          <p:nvPr>
+            <p:ph type="title"/>
+          </p:nvPr>
+        </p:nvSpPr>
+        <p:spPr>
+          <a:xfrm>
+            <a:off x="1792288" y="4800600"/>
+            <a:ext cx="5486400" cy="566738"/>
+          </a:xfrm>
+        </p:spPr>
+        <p:txBody>
+          <a:bodyPr anchor="b"/>
+          <a:lstStyle>
+            <a:lvl1pPr algn="l">
+              <a:defRPr sz="2000" b="1"/>
+            </a:lvl1pPr>
+          </a:lstStyle>
+          <a:p>
+            <a:r>
+              <a:rPr lang="en-US"/>
+              <a:t>Click to edit Master title style</a:t>
+            </a:r>
+            <a:endParaRPr lang="sv-SE"/>
+          </a:p>
+        </p:txBody>
+      </p:sp>
+      <p:sp>
+        <p:nvSpPr>
+          <p:cNvPr id="3" name="Picture Placeholder 2"/>
+          <p:cNvSpPr>
+            <a:spLocks noGrp="1"/>
+          </p:cNvSpPr>
+          <p:nvPr>
+            <p:ph type="pic" idx="1"/>
+          </p:nvPr>
+        </p:nvSpPr>
+        <p:spPr>
+          <a:xfrm>
+            <a:off x="1792288" y="612775"/>
+            <a:ext cx="5486400" cy="4114800"/>
+          </a:xfrm>
+        </p:spPr>
+        <p:txBody>
+          <a:bodyPr/>
+          <a:lstStyle>
+            <a:lvl1pPr marL="0" indent="0">
+              <a:buNone/>
+              <a:defRPr sz="3200"/>
+            </a:lvl1pPr>
+            <a:lvl2pPr marL="457200" indent="0">
+              <a:buNone/>
+              <a:defRPr sz="2800"/>
+            </a:lvl2pPr>
+            <a:lvl3pPr marL="914400" indent="0">
+              <a:buNone/>
+              <a:defRPr sz="2400"/>
+            </a:lvl3pPr>
+            <a:lvl4pPr marL="1371600" indent="0">
+              <a:buNone/>
+              <a:defRPr sz="2000"/>
+            </a:lvl4pPr>
+            <a:lvl5pPr marL="1828800" indent="0">
+              <a:buNone/>
+              <a:defRPr sz="2000"/>
+            </a:lvl5pPr>
+            <a:lvl6pPr marL="2286000" indent="0">
+              <a:buNone/>
+              <a:defRPr sz="2000"/>
+            </a:lvl6pPr>
+            <a:lvl7pPr marL="2743200" indent="0">
+              <a:buNone/>
+              <a:defRPr sz="2000"/>
+            </a:lvl7pPr>
+            <a:lvl8pPr marL="3200400" indent="0">
+              <a:buNone/>
+              <a:defRPr sz="2000"/>
+            </a:lvl8pPr>
+            <a:lvl9pPr marL="3657600" indent="0">
+              <a:buNone/>
+              <a:defRPr sz="2000"/>
+            </a:lvl9pPr>
+          </a:lstStyle>
+          <a:p>
+            <a:pPr lvl="0"/>
+            <a:r>
+              <a:rPr lang="en-US" noProof="0"/>
+              <a:t>Click icon to add picture</a:t>
+            </a:r>
+            <a:endParaRPr lang="sv-SE" noProof="0"/>
+          </a:p>
+        </p:txBody>
+      </p:sp>
+      <p:sp>
+        <p:nvSpPr>
+          <p:cNvPr id="4" name="Text Placeholder 3"/>
+          <p:cNvSpPr>
+            <a:spLocks noGrp="1"/>
+          </p:cNvSpPr>
+          <p:nvPr>
+            <p:ph type="body" sz="half" idx="2"/>
+          </p:nvPr>
+        </p:nvSpPr>
+        <p:spPr>
+          <a:xfrm>
+            <a:off x="1792288" y="5367338"/>
+            <a:ext cx="5486400" cy="804862"/>
+          </a:xfrm>
+        </p:spPr>
+        <p:txBody>
+          <a:bodyPr/>
+          <a:lstStyle>
+            <a:lvl1pPr marL="0" indent="0">
+              <a:buNone/>
+              <a:defRPr sz="1400"/>
+            </a:lvl1pPr>
+            <a:lvl2pPr marL="457200" indent="0">
+              <a:buNone/>
+              <a:defRPr sz="1200"/>
+            </a:lvl2pPr>
+            <a:lvl3pPr marL="914400" indent="0">
+              <a:buNone/>
+              <a:defRPr sz="1000"/>
+            </a:lvl3pPr>
+            <a:lvl4pPr marL="1371600" indent="0">
+              <a:buNone/>
+              <a:defRPr sz="900"/>
+            </a:lvl4pPr>
+            <a:lvl5pPr marL="1828800" indent="0">
+              <a:buNone/>
+              <a:defRPr sz="900"/>
+            </a:lvl5pPr>
+            <a:lvl6pPr marL="2286000" indent="0">
+              <a:buNone/>
+              <a:defRPr sz="900"/>
+            </a:lvl6pPr>
+            <a:lvl7pPr marL="2743200" indent="0">
+              <a:buNone/>
+              <a:defRPr sz="900"/>
+            </a:lvl7pPr>
+            <a:lvl8pPr marL="3200400" indent="0">
+              <a:buNone/>
+              <a:defRPr sz="900"/>
+            </a:lvl8pPr>
+            <a:lvl9pPr marL="3657600" indent="0">
+              <a:buNone/>
+              <a:defRPr sz="900"/>
+            </a:lvl9pPr>
+          </a:lstStyle>
+          <a:p>
+            <a:pPr lvl="0"/>
+            <a:r>
+              <a:rPr lang="en-US"/>
+              <a:t>Edit Master text styles</a:t>
+            </a:r>
+          </a:p>
+        </p:txBody>
+      </p:sp>
+    </p:spTree>
+    <p:extLst>
+      <p:ext uri="{BB962C8B-B14F-4D97-AF65-F5344CB8AC3E}">
+        <p14:creationId xmlns:p14="http://schemas.microsoft.com/office/powerpoint/2010/main" val="3644476935"/>
+      </p:ext>
+    </p:extLst>
+  </p:cSld>
+  <p:clrMapOvr>
+    <a:masterClrMapping/>
+  </p:clrMapOvr>
+</p:sldLayout>
+</file>
+
+<file path=ppt/slideLayouts/slideLayout25.xml><?xml version="1.0" encoding="utf-8"?>
+<p:sldLayout xmlns:a="http://schemas.openxmlformats.org/drawingml/2006/main" xmlns:r="http://schemas.openxmlformats.org/officeDocument/2006/relationships" xmlns:p="http://schemas.openxmlformats.org/presentationml/2006/main" type="vertTx" preserve="1">
+  <p:cSld name="Rubrik och lodrät text">
+    <p:spTree>
+      <p:nvGrpSpPr>
+        <p:cNvPr id="1" name=""/>
+        <p:cNvGrpSpPr/>
+        <p:nvPr/>
+      </p:nvGrpSpPr>
+      <p:grpSpPr>
+        <a:xfrm>
+          <a:off x="0" y="0"/>
+          <a:ext cx="0" cy="0"/>
+          <a:chOff x="0" y="0"/>
+          <a:chExt cx="0" cy="0"/>
+        </a:xfrm>
+      </p:grpSpPr>
+      <p:sp>
+        <p:nvSpPr>
+          <p:cNvPr id="2" name="Title 1"/>
+          <p:cNvSpPr>
+            <a:spLocks noGrp="1"/>
+          </p:cNvSpPr>
+          <p:nvPr>
+            <p:ph type="title"/>
+          </p:nvPr>
+        </p:nvSpPr>
+        <p:spPr/>
+        <p:txBody>
+          <a:bodyPr/>
+          <a:lstStyle/>
+          <a:p>
+            <a:r>
+              <a:rPr lang="en-US"/>
+              <a:t>Click to edit Master title style</a:t>
+            </a:r>
+            <a:endParaRPr lang="sv-SE"/>
+          </a:p>
+        </p:txBody>
+      </p:sp>
+      <p:sp>
+        <p:nvSpPr>
+          <p:cNvPr id="3" name="Vertical Text Placeholder 2"/>
+          <p:cNvSpPr>
+            <a:spLocks noGrp="1"/>
+          </p:cNvSpPr>
+          <p:nvPr>
+            <p:ph type="body" orient="vert" idx="1"/>
+          </p:nvPr>
+        </p:nvSpPr>
+        <p:spPr/>
+        <p:txBody>
+          <a:bodyPr vert="eaVert"/>
+          <a:lstStyle/>
+          <a:p>
+            <a:pPr lvl="0"/>
+            <a:r>
+              <a:rPr lang="en-US"/>
+              <a:t>Edit Master text styles</a:t>
+            </a:r>
+          </a:p>
+          <a:p>
+            <a:pPr lvl="1"/>
+            <a:r>
+              <a:rPr lang="en-US"/>
+              <a:t>Second level</a:t>
+            </a:r>
+          </a:p>
+          <a:p>
+            <a:pPr lvl="2"/>
+            <a:r>
+              <a:rPr lang="en-US"/>
+              <a:t>Third level</a:t>
+            </a:r>
+          </a:p>
+          <a:p>
+            <a:pPr lvl="3"/>
+            <a:r>
+              <a:rPr lang="en-US"/>
+              <a:t>Fourth level</a:t>
+            </a:r>
+          </a:p>
+          <a:p>
+            <a:pPr lvl="4"/>
+            <a:r>
+              <a:rPr lang="en-US"/>
+              <a:t>Fifth level</a:t>
+            </a:r>
+            <a:endParaRPr lang="sv-SE"/>
+          </a:p>
+        </p:txBody>
+      </p:sp>
+    </p:spTree>
+    <p:extLst>
+      <p:ext uri="{BB962C8B-B14F-4D97-AF65-F5344CB8AC3E}">
+        <p14:creationId xmlns:p14="http://schemas.microsoft.com/office/powerpoint/2010/main" val="2678713856"/>
+      </p:ext>
+    </p:extLst>
+  </p:cSld>
+  <p:clrMapOvr>
+    <a:masterClrMapping/>
+  </p:clrMapOvr>
+</p:sldLayout>
+</file>
+
+<file path=ppt/slideLayouts/slideLayout26.xml><?xml version="1.0" encoding="utf-8"?>
+<p:sldLayout xmlns:a="http://schemas.openxmlformats.org/drawingml/2006/main" xmlns:r="http://schemas.openxmlformats.org/officeDocument/2006/relationships" xmlns:p="http://schemas.openxmlformats.org/presentationml/2006/main" type="vertTitleAndTx" preserve="1">
+  <p:cSld name="Lodrät rubrik och text">
+    <p:spTree>
+      <p:nvGrpSpPr>
+        <p:cNvPr id="1" name=""/>
+        <p:cNvGrpSpPr/>
+        <p:nvPr/>
+      </p:nvGrpSpPr>
+      <p:grpSpPr>
+        <a:xfrm>
+          <a:off x="0" y="0"/>
+          <a:ext cx="0" cy="0"/>
+          <a:chOff x="0" y="0"/>
+          <a:chExt cx="0" cy="0"/>
+        </a:xfrm>
+      </p:grpSpPr>
+      <p:sp>
+        <p:nvSpPr>
+          <p:cNvPr id="2" name="Vertical Title 1"/>
+          <p:cNvSpPr>
+            <a:spLocks noGrp="1"/>
+          </p:cNvSpPr>
+          <p:nvPr>
+            <p:ph type="title" orient="vert"/>
+          </p:nvPr>
+        </p:nvSpPr>
+        <p:spPr>
+          <a:xfrm>
+            <a:off x="6661150" y="765175"/>
+            <a:ext cx="2087563" cy="5327650"/>
+          </a:xfrm>
+        </p:spPr>
+        <p:txBody>
+          <a:bodyPr vert="eaVert"/>
+          <a:lstStyle/>
+          <a:p>
+            <a:r>
+              <a:rPr lang="en-US"/>
+              <a:t>Click to edit Master title style</a:t>
+            </a:r>
+            <a:endParaRPr lang="sv-SE"/>
+          </a:p>
+        </p:txBody>
+      </p:sp>
+      <p:sp>
+        <p:nvSpPr>
+          <p:cNvPr id="3" name="Vertical Text Placeholder 2"/>
+          <p:cNvSpPr>
+            <a:spLocks noGrp="1"/>
+          </p:cNvSpPr>
+          <p:nvPr>
+            <p:ph type="body" orient="vert" idx="1"/>
+          </p:nvPr>
+        </p:nvSpPr>
+        <p:spPr>
+          <a:xfrm>
+            <a:off x="395288" y="765175"/>
+            <a:ext cx="6113462" cy="5327650"/>
+          </a:xfrm>
+        </p:spPr>
+        <p:txBody>
+          <a:bodyPr vert="eaVert"/>
+          <a:lstStyle/>
+          <a:p>
+            <a:pPr lvl="0"/>
+            <a:r>
+              <a:rPr lang="en-US"/>
+              <a:t>Edit Master text styles</a:t>
+            </a:r>
+          </a:p>
+          <a:p>
+            <a:pPr lvl="1"/>
+            <a:r>
+              <a:rPr lang="en-US"/>
+              <a:t>Second level</a:t>
+            </a:r>
+          </a:p>
+          <a:p>
+            <a:pPr lvl="2"/>
+            <a:r>
+              <a:rPr lang="en-US"/>
+              <a:t>Third level</a:t>
+            </a:r>
+          </a:p>
+          <a:p>
+            <a:pPr lvl="3"/>
+            <a:r>
+              <a:rPr lang="en-US"/>
+              <a:t>Fourth level</a:t>
+            </a:r>
+          </a:p>
+          <a:p>
+            <a:pPr lvl="4"/>
+            <a:r>
+              <a:rPr lang="en-US"/>
+              <a:t>Fifth level</a:t>
+            </a:r>
+            <a:endParaRPr lang="sv-SE"/>
+          </a:p>
+        </p:txBody>
+      </p:sp>
+    </p:spTree>
+    <p:extLst>
+      <p:ext uri="{BB962C8B-B14F-4D97-AF65-F5344CB8AC3E}">
+        <p14:creationId xmlns:p14="http://schemas.microsoft.com/office/powerpoint/2010/main" val="1998166200"/>
+      </p:ext>
+    </p:extLst>
+  </p:cSld>
+  <p:clrMapOvr>
+    <a:masterClrMapping/>
+  </p:clrMapOvr>
+</p:sldLayout>
+</file>
+
+<file path=ppt/slideLayouts/slideLayout27.xml><?xml version="1.0" encoding="utf-8"?>
+<p:sldLayout xmlns:a="http://schemas.openxmlformats.org/drawingml/2006/main" xmlns:r="http://schemas.openxmlformats.org/officeDocument/2006/relationships" xmlns:p="http://schemas.openxmlformats.org/presentationml/2006/main" type="tbl">
+  <p:cSld name="Title and Table">
+    <p:spTree>
+      <p:nvGrpSpPr>
+        <p:cNvPr id="1" name=""/>
+        <p:cNvGrpSpPr/>
+        <p:nvPr/>
+      </p:nvGrpSpPr>
+      <p:grpSpPr>
+        <a:xfrm>
+          <a:off x="0" y="0"/>
+          <a:ext cx="0" cy="0"/>
+          <a:chOff x="0" y="0"/>
+          <a:chExt cx="0" cy="0"/>
+        </a:xfrm>
+      </p:grpSpPr>
+      <p:sp>
+        <p:nvSpPr>
+          <p:cNvPr id="2" name="Title 1"/>
+          <p:cNvSpPr>
+            <a:spLocks noGrp="1"/>
+          </p:cNvSpPr>
+          <p:nvPr>
+            <p:ph type="title"/>
+          </p:nvPr>
+        </p:nvSpPr>
+        <p:spPr>
+          <a:xfrm>
+            <a:off x="460375" y="167357"/>
+            <a:ext cx="7773988" cy="741363"/>
+          </a:xfrm>
+        </p:spPr>
+        <p:txBody>
+          <a:bodyPr/>
+          <a:lstStyle/>
+          <a:p>
+            <a:r>
+              <a:rPr lang="en-US"/>
+              <a:t>Click to edit Master title style</a:t>
+            </a:r>
+          </a:p>
+        </p:txBody>
+      </p:sp>
+      <p:sp>
+        <p:nvSpPr>
+          <p:cNvPr id="3" name="Table Placeholder 2"/>
+          <p:cNvSpPr>
+            <a:spLocks noGrp="1"/>
+          </p:cNvSpPr>
+          <p:nvPr>
+            <p:ph type="tbl" idx="1"/>
+          </p:nvPr>
+        </p:nvSpPr>
+        <p:spPr>
+          <a:xfrm>
+            <a:off x="458788" y="992188"/>
+            <a:ext cx="7751762" cy="4386262"/>
+          </a:xfrm>
+        </p:spPr>
+        <p:txBody>
+          <a:bodyPr/>
+          <a:lstStyle/>
+          <a:p>
+            <a:pPr lvl="0"/>
+            <a:r>
+              <a:rPr lang="en-US" noProof="0"/>
+              <a:t>Click icon to add table</a:t>
+            </a:r>
+          </a:p>
+        </p:txBody>
+      </p:sp>
+    </p:spTree>
+    <p:extLst>
+      <p:ext uri="{BB962C8B-B14F-4D97-AF65-F5344CB8AC3E}">
+        <p14:creationId xmlns:p14="http://schemas.microsoft.com/office/powerpoint/2010/main" val="3240738664"/>
+      </p:ext>
+    </p:extLst>
+  </p:cSld>
+  <p:clrMapOvr>
+    <a:masterClrMapping/>
+  </p:clrMapOvr>
+</p:sldLayout>
+</file>
+
+<file path=ppt/slideLayouts/slideLayout28.xml><?xml version="1.0" encoding="utf-8"?>
+<p:sldLayout xmlns:a="http://schemas.openxmlformats.org/drawingml/2006/main" xmlns:r="http://schemas.openxmlformats.org/officeDocument/2006/relationships" xmlns:p="http://schemas.openxmlformats.org/presentationml/2006/main">
+  <p:cSld name="1_Title and Content">
+    <p:spTree>
+      <p:nvGrpSpPr>
+        <p:cNvPr id="1" name=""/>
+        <p:cNvGrpSpPr/>
+        <p:nvPr/>
+      </p:nvGrpSpPr>
+      <p:grpSpPr>
+        <a:xfrm>
+          <a:off x="0" y="0"/>
+          <a:ext cx="0" cy="0"/>
+          <a:chOff x="0" y="0"/>
+          <a:chExt cx="0" cy="0"/>
+        </a:xfrm>
+      </p:grpSpPr>
+      <p:sp>
+        <p:nvSpPr>
+          <p:cNvPr id="2" name="Title 1"/>
+          <p:cNvSpPr>
+            <a:spLocks noGrp="1"/>
+          </p:cNvSpPr>
+          <p:nvPr>
+            <p:ph type="title"/>
+          </p:nvPr>
+        </p:nvSpPr>
+        <p:spPr/>
+        <p:txBody>
+          <a:bodyPr/>
+          <a:lstStyle>
+            <a:lvl1pPr>
+              <a:defRPr>
+                <a:latin typeface="+mj-lt"/>
+              </a:defRPr>
+            </a:lvl1pPr>
+          </a:lstStyle>
+          <a:p>
+            <a:r>
+              <a:rPr lang="en-US"/>
+              <a:t>Click to edit Master title style</a:t>
+            </a:r>
+            <a:endParaRPr lang="en-US" dirty="0"/>
+          </a:p>
+        </p:txBody>
+      </p:sp>
+      <p:sp>
+        <p:nvSpPr>
+          <p:cNvPr id="6" name="Text Placeholder 5"/>
+          <p:cNvSpPr>
+            <a:spLocks noGrp="1"/>
+          </p:cNvSpPr>
+          <p:nvPr>
+            <p:ph type="body" sz="quarter" idx="10"/>
+          </p:nvPr>
+        </p:nvSpPr>
+        <p:spPr>
+          <a:xfrm>
+            <a:off x="381000" y="1411552"/>
+            <a:ext cx="8382000" cy="2210862"/>
+          </a:xfrm>
+        </p:spPr>
+        <p:txBody>
+          <a:bodyPr/>
+          <a:lstStyle>
+            <a:lvl1pPr>
+              <a:lnSpc>
+                <a:spcPct val="90000"/>
+              </a:lnSpc>
+              <a:defRPr>
+                <a:latin typeface="+mn-lt"/>
+              </a:defRPr>
+            </a:lvl1pPr>
+            <a:lvl2pPr>
+              <a:lnSpc>
+                <a:spcPct val="90000"/>
+              </a:lnSpc>
+              <a:defRPr>
+                <a:latin typeface="+mn-lt"/>
+              </a:defRPr>
+            </a:lvl2pPr>
+            <a:lvl3pPr>
+              <a:lnSpc>
+                <a:spcPct val="90000"/>
+              </a:lnSpc>
+              <a:defRPr>
+                <a:latin typeface="+mn-lt"/>
+              </a:defRPr>
+            </a:lvl3pPr>
+            <a:lvl4pPr>
+              <a:lnSpc>
+                <a:spcPct val="90000"/>
+              </a:lnSpc>
+              <a:defRPr>
+                <a:latin typeface="+mn-lt"/>
+              </a:defRPr>
+            </a:lvl4pPr>
+            <a:lvl5pPr>
+              <a:lnSpc>
+                <a:spcPct val="90000"/>
+              </a:lnSpc>
+              <a:defRPr>
+                <a:latin typeface="+mn-lt"/>
+              </a:defRPr>
+            </a:lvl5pPr>
+          </a:lstStyle>
+          <a:p>
+            <a:pPr lvl="0"/>
+            <a:r>
+              <a:rPr lang="en-US"/>
+              <a:t>Edit Master text styles</a:t>
+            </a:r>
+          </a:p>
+          <a:p>
+            <a:pPr lvl="1"/>
+            <a:r>
+              <a:rPr lang="en-US"/>
+              <a:t>Second level</a:t>
+            </a:r>
+          </a:p>
+          <a:p>
+            <a:pPr lvl="2"/>
+            <a:r>
+              <a:rPr lang="en-US"/>
+              <a:t>Third level</a:t>
+            </a:r>
+          </a:p>
+          <a:p>
+            <a:pPr lvl="3"/>
+            <a:r>
+              <a:rPr lang="en-US"/>
+              <a:t>Fourth level</a:t>
+            </a:r>
+          </a:p>
+          <a:p>
+            <a:pPr lvl="4"/>
+            <a:r>
+              <a:rPr lang="en-US"/>
+              <a:t>Fifth level</a:t>
+            </a:r>
+            <a:endParaRPr lang="en-US" dirty="0"/>
+          </a:p>
+        </p:txBody>
+      </p:sp>
+    </p:spTree>
+    <p:extLst>
+      <p:ext uri="{BB962C8B-B14F-4D97-AF65-F5344CB8AC3E}">
+        <p14:creationId xmlns:p14="http://schemas.microsoft.com/office/powerpoint/2010/main" val="4165908728"/>
+      </p:ext>
+    </p:extLst>
+  </p:cSld>
+  <p:clrMapOvr>
+    <a:masterClrMapping/>
+  </p:clrMapOvr>
+  <p:transition>
+    <p:fade/>
+  </p:transition>
+</p:sldLayout>
+</file>
+
+<file path=ppt/slideLayouts/slideLayout29.xml><?xml version="1.0" encoding="utf-8"?>
+<p:sldLayout xmlns:a="http://schemas.openxmlformats.org/drawingml/2006/main" xmlns:r="http://schemas.openxmlformats.org/officeDocument/2006/relationships" xmlns:p="http://schemas.openxmlformats.org/presentationml/2006/main" type="tx">
+  <p:cSld name="Title and Text">
+    <p:spTree>
+      <p:nvGrpSpPr>
+        <p:cNvPr id="1" name=""/>
+        <p:cNvGrpSpPr/>
+        <p:nvPr/>
+      </p:nvGrpSpPr>
+      <p:grpSpPr>
+        <a:xfrm>
+          <a:off x="0" y="0"/>
+          <a:ext cx="0" cy="0"/>
+          <a:chOff x="0" y="0"/>
+          <a:chExt cx="0" cy="0"/>
+        </a:xfrm>
+      </p:grpSpPr>
+      <p:sp>
+        <p:nvSpPr>
+          <p:cNvPr id="2" name="Shape 1"/>
+          <p:cNvSpPr>
+            <a:spLocks noGrp="1"/>
+          </p:cNvSpPr>
+          <p:nvPr>
+            <p:ph type="title"/>
+          </p:nvPr>
+        </p:nvSpPr>
+        <p:spPr/>
+        <p:txBody>
+          <a:bodyPr rtlCol="0"/>
+          <a:lstStyle/>
+          <a:p>
+            <a:r>
+              <a:rPr lang="en-US"/>
+              <a:t>Click to edit Master title style</a:t>
+            </a:r>
+          </a:p>
+        </p:txBody>
+      </p:sp>
+      <p:sp>
+        <p:nvSpPr>
+          <p:cNvPr id="3" name="Shape 2"/>
+          <p:cNvSpPr>
+            <a:spLocks noGrp="1"/>
+          </p:cNvSpPr>
+          <p:nvPr>
+            <p:ph type="body" idx="1"/>
+          </p:nvPr>
+        </p:nvSpPr>
+        <p:spPr/>
+        <p:txBody>
+          <a:bodyPr rtlCol="0"/>
+          <a:lstStyle/>
+          <a:p>
+            <a:pPr lvl="0"/>
+            <a:r>
+              <a:rPr lang="en-US"/>
+              <a:t>Edit Master text styles</a:t>
+            </a:r>
+          </a:p>
+          <a:p>
+            <a:pPr lvl="1"/>
+            <a:r>
+              <a:rPr lang="en-US"/>
+              <a:t>Second level</a:t>
+            </a:r>
+          </a:p>
+          <a:p>
+            <a:pPr lvl="2"/>
+            <a:r>
+              <a:rPr lang="en-US"/>
+              <a:t>Third level</a:t>
+            </a:r>
+          </a:p>
+          <a:p>
+            <a:pPr lvl="3"/>
+            <a:r>
+              <a:rPr lang="en-US"/>
+              <a:t>Fourth level</a:t>
+            </a:r>
+          </a:p>
+          <a:p>
+            <a:pPr lvl="4"/>
+            <a:r>
+              <a:rPr lang="en-US"/>
+              <a:t>Fifth level</a:t>
+            </a:r>
+          </a:p>
+        </p:txBody>
+      </p:sp>
+    </p:spTree>
+    <p:extLst>
+      <p:ext uri="{BB962C8B-B14F-4D97-AF65-F5344CB8AC3E}">
+        <p14:creationId xmlns:p14="http://schemas.microsoft.com/office/powerpoint/2010/main" val="3951136460"/>
       </p:ext>
     </p:extLst>
   </p:cSld>
@@ -3224,7 +5402,6 @@
               <a:rPr lang="en-US"/>
               <a:t>Click to edit Master title style</a:t>
             </a:r>
-            <a:endParaRPr lang="en-US"/>
           </a:p>
         </p:txBody>
       </p:sp>
@@ -3364,7 +5541,7 @@
           <a:p>
             <a:fld id="{7A187A68-229F-417C-9E23-A9AD3F41E637}" type="datetimeFigureOut">
               <a:rPr lang="en-US" smtClean="0"/>
-              <a:t>12/9/2016</a:t>
+              <a:t>12/13/2016</a:t>
             </a:fld>
             <a:endParaRPr lang="en-US"/>
           </a:p>
@@ -3461,7 +5638,6 @@
               <a:rPr lang="en-US"/>
               <a:t>Click to edit Master title style</a:t>
             </a:r>
-            <a:endParaRPr lang="en-US"/>
           </a:p>
         </p:txBody>
       </p:sp>
@@ -3518,7 +5694,6 @@
               <a:rPr lang="en-US"/>
               <a:t>Fifth level</a:t>
             </a:r>
-            <a:endParaRPr lang="en-US"/>
           </a:p>
         </p:txBody>
       </p:sp>
@@ -3575,7 +5750,6 @@
               <a:rPr lang="en-US"/>
               <a:t>Fifth level</a:t>
             </a:r>
-            <a:endParaRPr lang="en-US"/>
           </a:p>
         </p:txBody>
       </p:sp>
@@ -3596,7 +5770,7 @@
           <a:p>
             <a:fld id="{7A187A68-229F-417C-9E23-A9AD3F41E637}" type="datetimeFigureOut">
               <a:rPr lang="en-US" smtClean="0"/>
-              <a:t>12/9/2016</a:t>
+              <a:t>12/13/2016</a:t>
             </a:fld>
             <a:endParaRPr lang="en-US"/>
           </a:p>
@@ -3698,7 +5872,6 @@
               <a:rPr lang="en-US"/>
               <a:t>Click to edit Master title style</a:t>
             </a:r>
-            <a:endParaRPr lang="en-US"/>
           </a:p>
         </p:txBody>
       </p:sp>
@@ -3820,7 +5993,6 @@
               <a:rPr lang="en-US"/>
               <a:t>Fifth level</a:t>
             </a:r>
-            <a:endParaRPr lang="en-US"/>
           </a:p>
         </p:txBody>
       </p:sp>
@@ -3942,7 +6114,6 @@
               <a:rPr lang="en-US"/>
               <a:t>Fifth level</a:t>
             </a:r>
-            <a:endParaRPr lang="en-US"/>
           </a:p>
         </p:txBody>
       </p:sp>
@@ -3963,7 +6134,7 @@
           <a:p>
             <a:fld id="{7A187A68-229F-417C-9E23-A9AD3F41E637}" type="datetimeFigureOut">
               <a:rPr lang="en-US" smtClean="0"/>
-              <a:t>12/9/2016</a:t>
+              <a:t>12/13/2016</a:t>
             </a:fld>
             <a:endParaRPr lang="en-US"/>
           </a:p>
@@ -4060,7 +6231,6 @@
               <a:rPr lang="en-US"/>
               <a:t>Click to edit Master title style</a:t>
             </a:r>
-            <a:endParaRPr lang="en-US"/>
           </a:p>
         </p:txBody>
       </p:sp>
@@ -4081,7 +6251,7 @@
           <a:p>
             <a:fld id="{7A187A68-229F-417C-9E23-A9AD3F41E637}" type="datetimeFigureOut">
               <a:rPr lang="en-US" smtClean="0"/>
-              <a:t>12/9/2016</a:t>
+              <a:t>12/13/2016</a:t>
             </a:fld>
             <a:endParaRPr lang="en-US"/>
           </a:p>
@@ -4176,7 +6346,7 @@
           <a:p>
             <a:fld id="{7A187A68-229F-417C-9E23-A9AD3F41E637}" type="datetimeFigureOut">
               <a:rPr lang="en-US" smtClean="0"/>
-              <a:t>12/9/2016</a:t>
+              <a:t>12/13/2016</a:t>
             </a:fld>
             <a:endParaRPr lang="en-US"/>
           </a:p>
@@ -4282,7 +6452,6 @@
               <a:rPr lang="en-US"/>
               <a:t>Click to edit Master title style</a:t>
             </a:r>
-            <a:endParaRPr lang="en-US"/>
           </a:p>
         </p:txBody>
       </p:sp>
@@ -4367,7 +6536,6 @@
               <a:rPr lang="en-US"/>
               <a:t>Fifth level</a:t>
             </a:r>
-            <a:endParaRPr lang="en-US"/>
           </a:p>
         </p:txBody>
       </p:sp>
@@ -4453,7 +6621,7 @@
           <a:p>
             <a:fld id="{7A187A68-229F-417C-9E23-A9AD3F41E637}" type="datetimeFigureOut">
               <a:rPr lang="en-US" smtClean="0"/>
-              <a:t>12/9/2016</a:t>
+              <a:t>12/13/2016</a:t>
             </a:fld>
             <a:endParaRPr lang="en-US"/>
           </a:p>
@@ -4559,7 +6727,6 @@
               <a:rPr lang="en-US"/>
               <a:t>Click to edit Master title style</a:t>
             </a:r>
-            <a:endParaRPr lang="en-US"/>
           </a:p>
         </p:txBody>
       </p:sp>
@@ -4706,7 +6873,7 @@
           <a:p>
             <a:fld id="{7A187A68-229F-417C-9E23-A9AD3F41E637}" type="datetimeFigureOut">
               <a:rPr lang="en-US" smtClean="0"/>
-              <a:t>12/9/2016</a:t>
+              <a:t>12/13/2016</a:t>
             </a:fld>
             <a:endParaRPr lang="en-US"/>
           </a:p>
@@ -4818,7 +6985,6 @@
               <a:rPr lang="en-US"/>
               <a:t>Click to edit Master title style</a:t>
             </a:r>
-            <a:endParaRPr lang="en-US"/>
           </a:p>
         </p:txBody>
       </p:sp>
@@ -4880,7 +7046,6 @@
               <a:rPr lang="en-US"/>
               <a:t>Fifth level</a:t>
             </a:r>
-            <a:endParaRPr lang="en-US"/>
           </a:p>
         </p:txBody>
       </p:sp>
@@ -4919,7 +7084,7 @@
           <a:p>
             <a:fld id="{7A187A68-229F-417C-9E23-A9AD3F41E637}" type="datetimeFigureOut">
               <a:rPr lang="en-US" smtClean="0"/>
-              <a:t>12/9/2016</a:t>
+              <a:t>12/13/2016</a:t>
             </a:fld>
             <a:endParaRPr lang="en-US"/>
           </a:p>
@@ -5308,6 +7473,615 @@
 </p:sldMaster>
 </file>
 
+<file path=ppt/slideMasters/slideMaster2.xml><?xml version="1.0" encoding="utf-8"?>
+<p:sldMaster xmlns:a="http://schemas.openxmlformats.org/drawingml/2006/main" xmlns:r="http://schemas.openxmlformats.org/officeDocument/2006/relationships" xmlns:p="http://schemas.openxmlformats.org/presentationml/2006/main" preserve="1">
+  <p:cSld>
+    <p:bg>
+      <p:bgPr>
+        <a:solidFill>
+          <a:schemeClr val="bg1"/>
+        </a:solidFill>
+        <a:effectLst/>
+      </p:bgPr>
+    </p:bg>
+    <p:spTree>
+      <p:nvGrpSpPr>
+        <p:cNvPr id="1" name=""/>
+        <p:cNvGrpSpPr/>
+        <p:nvPr/>
+      </p:nvGrpSpPr>
+      <p:grpSpPr>
+        <a:xfrm>
+          <a:off x="0" y="0"/>
+          <a:ext cx="0" cy="0"/>
+          <a:chOff x="0" y="0"/>
+          <a:chExt cx="0" cy="0"/>
+        </a:xfrm>
+      </p:grpSpPr>
+      <p:sp>
+        <p:nvSpPr>
+          <p:cNvPr id="1028" name="Rectangle 4"/>
+          <p:cNvSpPr>
+            <a:spLocks noGrp="1" noChangeArrowheads="1"/>
+          </p:cNvSpPr>
+          <p:nvPr>
+            <p:ph type="body" idx="1"/>
+          </p:nvPr>
+        </p:nvSpPr>
+        <p:spPr bwMode="gray">
+          <a:xfrm>
+            <a:off x="395288" y="1484313"/>
+            <a:ext cx="8353425" cy="4608512"/>
+          </a:xfrm>
+          <a:prstGeom prst="rect">
+            <a:avLst/>
+          </a:prstGeom>
+          <a:extLst>
+            <a:ext uri="{909E8E84-426E-40DD-AFC4-6F175D3DCCD1}">
+              <a14:hiddenFill xmlns:a14="http://schemas.microsoft.com/office/drawing/2010/main">
+                <a:solidFill>
+                  <a:srgbClr val="FFFFFF"/>
+                </a:solidFill>
+              </a14:hiddenFill>
+            </a:ext>
+            <a:ext uri="{91240B29-F687-4F45-9708-019B960494DF}">
+              <a14:hiddenLine xmlns:a14="http://schemas.microsoft.com/office/drawing/2010/main" w="9525">
+                <a:solidFill>
+                  <a:srgbClr val="000000"/>
+                </a:solidFill>
+                <a:miter lim="800000"/>
+                <a:headEnd/>
+                <a:tailEnd/>
+              </a14:hiddenLine>
+            </a:ext>
+            <a:ext uri="{53640926-AAD7-44D8-BBD7-CCE9431645EC}">
+              <a14:shadowObscured xmlns:a14="http://schemas.microsoft.com/office/drawing/2010/main" val="1"/>
+            </a:ext>
+          </a:extLst>
+        </p:spPr>
+        <p:txBody>
+          <a:bodyPr vert="horz" wrap="square" lIns="0" tIns="0" rIns="0" bIns="0" numCol="1" anchor="t" anchorCtr="0" compatLnSpc="1">
+            <a:prstTxWarp prst="textNoShape">
+              <a:avLst/>
+            </a:prstTxWarp>
+          </a:bodyPr>
+          <a:lstStyle/>
+          <a:p>
+            <a:pPr lvl="0"/>
+            <a:r>
+              <a:rPr lang="sv-SE" dirty="0"/>
+              <a:t>Klicka här för att ändra format på bakgrundstexten</a:t>
+            </a:r>
+          </a:p>
+          <a:p>
+            <a:pPr lvl="1"/>
+            <a:r>
+              <a:rPr lang="sv-SE" dirty="0"/>
+              <a:t>Nivå två</a:t>
+            </a:r>
+          </a:p>
+          <a:p>
+            <a:pPr lvl="2"/>
+            <a:r>
+              <a:rPr lang="sv-SE" dirty="0"/>
+              <a:t>Nivå tre</a:t>
+            </a:r>
+          </a:p>
+          <a:p>
+            <a:pPr lvl="3"/>
+            <a:r>
+              <a:rPr lang="sv-SE" dirty="0"/>
+              <a:t>Nivå fyra</a:t>
+            </a:r>
+          </a:p>
+          <a:p>
+            <a:pPr lvl="4"/>
+            <a:r>
+              <a:rPr lang="sv-SE" dirty="0"/>
+              <a:t>Nivå fem</a:t>
+            </a:r>
+            <a:endParaRPr lang="en-GB" dirty="0"/>
+          </a:p>
+        </p:txBody>
+      </p:sp>
+      <p:sp>
+        <p:nvSpPr>
+          <p:cNvPr id="1029" name="Rectangle 5"/>
+          <p:cNvSpPr>
+            <a:spLocks noGrp="1" noChangeArrowheads="1"/>
+          </p:cNvSpPr>
+          <p:nvPr>
+            <p:ph type="title"/>
+          </p:nvPr>
+        </p:nvSpPr>
+        <p:spPr bwMode="gray">
+          <a:xfrm>
+            <a:off x="395288" y="765175"/>
+            <a:ext cx="8353425" cy="360363"/>
+          </a:xfrm>
+          <a:prstGeom prst="rect">
+            <a:avLst/>
+          </a:prstGeom>
+          <a:extLst>
+            <a:ext uri="{909E8E84-426E-40DD-AFC4-6F175D3DCCD1}">
+              <a14:hiddenFill xmlns:a14="http://schemas.microsoft.com/office/drawing/2010/main">
+                <a:solidFill>
+                  <a:srgbClr val="FFFFFF"/>
+                </a:solidFill>
+              </a14:hiddenFill>
+            </a:ext>
+            <a:ext uri="{91240B29-F687-4F45-9708-019B960494DF}">
+              <a14:hiddenLine xmlns:a14="http://schemas.microsoft.com/office/drawing/2010/main" w="9525">
+                <a:solidFill>
+                  <a:srgbClr val="000000"/>
+                </a:solidFill>
+                <a:miter lim="800000"/>
+                <a:headEnd/>
+                <a:tailEnd/>
+              </a14:hiddenLine>
+            </a:ext>
+            <a:ext uri="{53640926-AAD7-44D8-BBD7-CCE9431645EC}">
+              <a14:shadowObscured xmlns:a14="http://schemas.microsoft.com/office/drawing/2010/main" val="1"/>
+            </a:ext>
+          </a:extLst>
+        </p:spPr>
+        <p:txBody>
+          <a:bodyPr vert="horz" wrap="square" lIns="0" tIns="0" rIns="0" bIns="0" numCol="1" anchor="ctr" anchorCtr="0" compatLnSpc="1">
+            <a:prstTxWarp prst="textNoShape">
+              <a:avLst/>
+            </a:prstTxWarp>
+          </a:bodyPr>
+          <a:lstStyle/>
+          <a:p>
+            <a:pPr lvl="0"/>
+            <a:r>
+              <a:rPr lang="en-GB" dirty="0"/>
+              <a:t>Click to add title</a:t>
+            </a:r>
+          </a:p>
+        </p:txBody>
+      </p:sp>
+    </p:spTree>
+    <p:extLst>
+      <p:ext uri="{BB962C8B-B14F-4D97-AF65-F5344CB8AC3E}">
+        <p14:creationId xmlns:p14="http://schemas.microsoft.com/office/powerpoint/2010/main" val="3009664460"/>
+      </p:ext>
+    </p:extLst>
+  </p:cSld>
+  <p:clrMap bg1="lt1" tx1="dk1" bg2="lt2" tx2="dk2" accent1="accent1" accent2="accent2" accent3="accent3" accent4="accent4" accent5="accent5" accent6="accent6" hlink="hlink" folHlink="folHlink"/>
+  <p:sldLayoutIdLst>
+    <p:sldLayoutId id="2147483878" r:id="rId1"/>
+    <p:sldLayoutId id="2147483879" r:id="rId2"/>
+    <p:sldLayoutId id="2147483880" r:id="rId3"/>
+    <p:sldLayoutId id="2147483881" r:id="rId4"/>
+    <p:sldLayoutId id="2147483882" r:id="rId5"/>
+    <p:sldLayoutId id="2147483883" r:id="rId6"/>
+    <p:sldLayoutId id="2147483884" r:id="rId7"/>
+    <p:sldLayoutId id="2147483885" r:id="rId8"/>
+    <p:sldLayoutId id="2147483886" r:id="rId9"/>
+    <p:sldLayoutId id="2147483887" r:id="rId10"/>
+    <p:sldLayoutId id="2147483888" r:id="rId11"/>
+    <p:sldLayoutId id="2147483889" r:id="rId12"/>
+    <p:sldLayoutId id="2147483890" r:id="rId13"/>
+    <p:sldLayoutId id="2147483891" r:id="rId14"/>
+    <p:sldLayoutId id="2147483892" r:id="rId15"/>
+    <p:sldLayoutId id="2147483893" r:id="rId16"/>
+    <p:sldLayoutId id="2147483894" r:id="rId17"/>
+  </p:sldLayoutIdLst>
+  <p:txStyles>
+    <p:titleStyle>
+      <a:lvl1pPr algn="l" rtl="0" eaLnBrk="1" fontAlgn="base" hangingPunct="1">
+        <a:spcBef>
+          <a:spcPct val="0"/>
+        </a:spcBef>
+        <a:spcAft>
+          <a:spcPct val="0"/>
+        </a:spcAft>
+        <a:defRPr sz="2000" b="1">
+          <a:solidFill>
+            <a:schemeClr val="tx1"/>
+          </a:solidFill>
+          <a:latin typeface="+mj-lt"/>
+          <a:ea typeface="+mj-ea"/>
+          <a:cs typeface="+mj-cs"/>
+        </a:defRPr>
+      </a:lvl1pPr>
+      <a:lvl2pPr algn="l" rtl="0" eaLnBrk="1" fontAlgn="base" hangingPunct="1">
+        <a:spcBef>
+          <a:spcPct val="0"/>
+        </a:spcBef>
+        <a:spcAft>
+          <a:spcPct val="0"/>
+        </a:spcAft>
+        <a:defRPr sz="2000" b="1">
+          <a:solidFill>
+            <a:schemeClr val="bg1"/>
+          </a:solidFill>
+          <a:latin typeface="Arial" charset="0"/>
+        </a:defRPr>
+      </a:lvl2pPr>
+      <a:lvl3pPr algn="l" rtl="0" eaLnBrk="1" fontAlgn="base" hangingPunct="1">
+        <a:spcBef>
+          <a:spcPct val="0"/>
+        </a:spcBef>
+        <a:spcAft>
+          <a:spcPct val="0"/>
+        </a:spcAft>
+        <a:defRPr sz="2000" b="1">
+          <a:solidFill>
+            <a:schemeClr val="bg1"/>
+          </a:solidFill>
+          <a:latin typeface="Arial" charset="0"/>
+        </a:defRPr>
+      </a:lvl3pPr>
+      <a:lvl4pPr algn="l" rtl="0" eaLnBrk="1" fontAlgn="base" hangingPunct="1">
+        <a:spcBef>
+          <a:spcPct val="0"/>
+        </a:spcBef>
+        <a:spcAft>
+          <a:spcPct val="0"/>
+        </a:spcAft>
+        <a:defRPr sz="2000" b="1">
+          <a:solidFill>
+            <a:schemeClr val="bg1"/>
+          </a:solidFill>
+          <a:latin typeface="Arial" charset="0"/>
+        </a:defRPr>
+      </a:lvl4pPr>
+      <a:lvl5pPr algn="l" rtl="0" eaLnBrk="1" fontAlgn="base" hangingPunct="1">
+        <a:spcBef>
+          <a:spcPct val="0"/>
+        </a:spcBef>
+        <a:spcAft>
+          <a:spcPct val="0"/>
+        </a:spcAft>
+        <a:defRPr sz="2000" b="1">
+          <a:solidFill>
+            <a:schemeClr val="bg1"/>
+          </a:solidFill>
+          <a:latin typeface="Arial" charset="0"/>
+        </a:defRPr>
+      </a:lvl5pPr>
+      <a:lvl6pPr marL="457200" algn="l" rtl="0" eaLnBrk="1" fontAlgn="base" hangingPunct="1">
+        <a:spcBef>
+          <a:spcPct val="0"/>
+        </a:spcBef>
+        <a:spcAft>
+          <a:spcPct val="0"/>
+        </a:spcAft>
+        <a:defRPr sz="2000" b="1">
+          <a:solidFill>
+            <a:schemeClr val="bg1"/>
+          </a:solidFill>
+          <a:latin typeface="Arial" charset="0"/>
+        </a:defRPr>
+      </a:lvl6pPr>
+      <a:lvl7pPr marL="914400" algn="l" rtl="0" eaLnBrk="1" fontAlgn="base" hangingPunct="1">
+        <a:spcBef>
+          <a:spcPct val="0"/>
+        </a:spcBef>
+        <a:spcAft>
+          <a:spcPct val="0"/>
+        </a:spcAft>
+        <a:defRPr sz="2000" b="1">
+          <a:solidFill>
+            <a:schemeClr val="bg1"/>
+          </a:solidFill>
+          <a:latin typeface="Arial" charset="0"/>
+        </a:defRPr>
+      </a:lvl7pPr>
+      <a:lvl8pPr marL="1371600" algn="l" rtl="0" eaLnBrk="1" fontAlgn="base" hangingPunct="1">
+        <a:spcBef>
+          <a:spcPct val="0"/>
+        </a:spcBef>
+        <a:spcAft>
+          <a:spcPct val="0"/>
+        </a:spcAft>
+        <a:defRPr sz="2000" b="1">
+          <a:solidFill>
+            <a:schemeClr val="bg1"/>
+          </a:solidFill>
+          <a:latin typeface="Arial" charset="0"/>
+        </a:defRPr>
+      </a:lvl8pPr>
+      <a:lvl9pPr marL="1828800" algn="l" rtl="0" eaLnBrk="1" fontAlgn="base" hangingPunct="1">
+        <a:spcBef>
+          <a:spcPct val="0"/>
+        </a:spcBef>
+        <a:spcAft>
+          <a:spcPct val="0"/>
+        </a:spcAft>
+        <a:defRPr sz="2000" b="1">
+          <a:solidFill>
+            <a:schemeClr val="bg1"/>
+          </a:solidFill>
+          <a:latin typeface="Arial" charset="0"/>
+        </a:defRPr>
+      </a:lvl9pPr>
+    </p:titleStyle>
+    <p:bodyStyle>
+      <a:lvl1pPr marL="177800" indent="-177800" algn="l" rtl="0" eaLnBrk="1" fontAlgn="base" hangingPunct="1">
+        <a:spcBef>
+          <a:spcPct val="40000"/>
+        </a:spcBef>
+        <a:spcAft>
+          <a:spcPct val="0"/>
+        </a:spcAft>
+        <a:buClr>
+          <a:schemeClr val="accent1"/>
+        </a:buClr>
+        <a:buFont typeface="Wingdings" pitchFamily="2" charset="2"/>
+        <a:buChar char="§"/>
+        <a:defRPr lang="sv-SE" dirty="0" smtClean="0">
+          <a:solidFill>
+            <a:schemeClr val="tx1"/>
+          </a:solidFill>
+          <a:latin typeface="+mn-lt"/>
+          <a:ea typeface="+mn-ea"/>
+          <a:cs typeface="+mn-cs"/>
+        </a:defRPr>
+      </a:lvl1pPr>
+      <a:lvl2pPr marL="541338" indent="-184150" algn="l" rtl="0" eaLnBrk="1" fontAlgn="base" hangingPunct="1">
+        <a:spcBef>
+          <a:spcPct val="40000"/>
+        </a:spcBef>
+        <a:spcAft>
+          <a:spcPct val="0"/>
+        </a:spcAft>
+        <a:buClr>
+          <a:schemeClr val="accent1"/>
+        </a:buClr>
+        <a:buFont typeface="Wingdings" pitchFamily="2" charset="2"/>
+        <a:buChar char="§"/>
+        <a:defRPr lang="sv-SE" sz="1600" dirty="0" smtClean="0">
+          <a:solidFill>
+            <a:schemeClr val="tx1"/>
+          </a:solidFill>
+          <a:latin typeface="+mn-lt"/>
+          <a:ea typeface="+mn-ea"/>
+          <a:cs typeface="+mn-cs"/>
+        </a:defRPr>
+      </a:lvl2pPr>
+      <a:lvl3pPr marL="896938" indent="-176213" algn="l" rtl="0" eaLnBrk="1" fontAlgn="base" hangingPunct="1">
+        <a:spcBef>
+          <a:spcPct val="40000"/>
+        </a:spcBef>
+        <a:spcAft>
+          <a:spcPct val="0"/>
+        </a:spcAft>
+        <a:buClr>
+          <a:schemeClr val="accent1"/>
+        </a:buClr>
+        <a:buFont typeface="Wingdings" pitchFamily="2" charset="2"/>
+        <a:buChar char="§"/>
+        <a:defRPr lang="sv-SE" sz="1600" dirty="0" smtClean="0">
+          <a:solidFill>
+            <a:schemeClr val="tx1"/>
+          </a:solidFill>
+          <a:latin typeface="+mn-lt"/>
+          <a:ea typeface="+mn-ea"/>
+          <a:cs typeface="+mn-cs"/>
+        </a:defRPr>
+      </a:lvl3pPr>
+      <a:lvl4pPr marL="1252538" indent="-176213" algn="l" rtl="0" eaLnBrk="1" fontAlgn="base" hangingPunct="1">
+        <a:spcBef>
+          <a:spcPct val="40000"/>
+        </a:spcBef>
+        <a:spcAft>
+          <a:spcPct val="0"/>
+        </a:spcAft>
+        <a:buClr>
+          <a:schemeClr val="accent1"/>
+        </a:buClr>
+        <a:buSzPct val="120000"/>
+        <a:buFont typeface="Wingdings" pitchFamily="2" charset="2"/>
+        <a:buChar char="§"/>
+        <a:defRPr lang="sv-SE" sz="1400" dirty="0" smtClean="0">
+          <a:solidFill>
+            <a:schemeClr val="tx1"/>
+          </a:solidFill>
+          <a:latin typeface="+mn-lt"/>
+          <a:ea typeface="+mn-ea"/>
+          <a:cs typeface="+mn-cs"/>
+        </a:defRPr>
+      </a:lvl4pPr>
+      <a:lvl5pPr marL="1616075" indent="-184150" algn="l" rtl="0" eaLnBrk="1" fontAlgn="base" hangingPunct="1">
+        <a:spcBef>
+          <a:spcPct val="40000"/>
+        </a:spcBef>
+        <a:spcAft>
+          <a:spcPct val="0"/>
+        </a:spcAft>
+        <a:buClr>
+          <a:schemeClr val="accent1"/>
+        </a:buClr>
+        <a:buFont typeface="Wingdings" pitchFamily="2" charset="2"/>
+        <a:buChar char="§"/>
+        <a:defRPr lang="en-GB" sz="1400" dirty="0" smtClean="0">
+          <a:solidFill>
+            <a:schemeClr val="tx1"/>
+          </a:solidFill>
+          <a:latin typeface="+mn-lt"/>
+          <a:ea typeface="+mn-ea"/>
+          <a:cs typeface="+mn-cs"/>
+        </a:defRPr>
+      </a:lvl5pPr>
+      <a:lvl6pPr marL="2073275" indent="-184150" algn="l" rtl="0" eaLnBrk="1" fontAlgn="base" hangingPunct="1">
+        <a:spcBef>
+          <a:spcPct val="40000"/>
+        </a:spcBef>
+        <a:spcAft>
+          <a:spcPct val="0"/>
+        </a:spcAft>
+        <a:buClr>
+          <a:schemeClr val="bg2"/>
+        </a:buClr>
+        <a:buFont typeface="Arial" charset="0"/>
+        <a:buChar char="–"/>
+        <a:defRPr sz="1400">
+          <a:solidFill>
+            <a:schemeClr val="tx1"/>
+          </a:solidFill>
+          <a:latin typeface="+mn-lt"/>
+        </a:defRPr>
+      </a:lvl6pPr>
+      <a:lvl7pPr marL="2530475" indent="-184150" algn="l" rtl="0" eaLnBrk="1" fontAlgn="base" hangingPunct="1">
+        <a:spcBef>
+          <a:spcPct val="40000"/>
+        </a:spcBef>
+        <a:spcAft>
+          <a:spcPct val="0"/>
+        </a:spcAft>
+        <a:buClr>
+          <a:schemeClr val="bg2"/>
+        </a:buClr>
+        <a:buFont typeface="Arial" charset="0"/>
+        <a:buChar char="–"/>
+        <a:defRPr sz="1400">
+          <a:solidFill>
+            <a:schemeClr val="tx1"/>
+          </a:solidFill>
+          <a:latin typeface="+mn-lt"/>
+        </a:defRPr>
+      </a:lvl7pPr>
+      <a:lvl8pPr marL="2987675" indent="-184150" algn="l" rtl="0" eaLnBrk="1" fontAlgn="base" hangingPunct="1">
+        <a:spcBef>
+          <a:spcPct val="40000"/>
+        </a:spcBef>
+        <a:spcAft>
+          <a:spcPct val="0"/>
+        </a:spcAft>
+        <a:buClr>
+          <a:schemeClr val="bg2"/>
+        </a:buClr>
+        <a:buFont typeface="Arial" charset="0"/>
+        <a:buChar char="–"/>
+        <a:defRPr sz="1400">
+          <a:solidFill>
+            <a:schemeClr val="tx1"/>
+          </a:solidFill>
+          <a:latin typeface="+mn-lt"/>
+        </a:defRPr>
+      </a:lvl8pPr>
+      <a:lvl9pPr marL="3444875" indent="-184150" algn="l" rtl="0" eaLnBrk="1" fontAlgn="base" hangingPunct="1">
+        <a:spcBef>
+          <a:spcPct val="40000"/>
+        </a:spcBef>
+        <a:spcAft>
+          <a:spcPct val="0"/>
+        </a:spcAft>
+        <a:buClr>
+          <a:schemeClr val="bg2"/>
+        </a:buClr>
+        <a:buFont typeface="Arial" charset="0"/>
+        <a:buChar char="–"/>
+        <a:defRPr sz="1400">
+          <a:solidFill>
+            <a:schemeClr val="tx1"/>
+          </a:solidFill>
+          <a:latin typeface="+mn-lt"/>
+        </a:defRPr>
+      </a:lvl9pPr>
+    </p:bodyStyle>
+    <p:otherStyle>
+      <a:defPPr>
+        <a:defRPr lang="sv-SE"/>
+      </a:defPPr>
+      <a:lvl1pPr marL="0" algn="l" defTabSz="914400" rtl="0" eaLnBrk="1" latinLnBrk="0" hangingPunct="1">
+        <a:defRPr sz="1800" kern="1200">
+          <a:solidFill>
+            <a:schemeClr val="tx1"/>
+          </a:solidFill>
+          <a:latin typeface="+mn-lt"/>
+          <a:ea typeface="+mn-ea"/>
+          <a:cs typeface="+mn-cs"/>
+        </a:defRPr>
+      </a:lvl1pPr>
+      <a:lvl2pPr marL="457200" algn="l" defTabSz="914400" rtl="0" eaLnBrk="1" latinLnBrk="0" hangingPunct="1">
+        <a:defRPr sz="1800" kern="1200">
+          <a:solidFill>
+            <a:schemeClr val="tx1"/>
+          </a:solidFill>
+          <a:latin typeface="+mn-lt"/>
+          <a:ea typeface="+mn-ea"/>
+          <a:cs typeface="+mn-cs"/>
+        </a:defRPr>
+      </a:lvl2pPr>
+      <a:lvl3pPr marL="914400" algn="l" defTabSz="914400" rtl="0" eaLnBrk="1" latinLnBrk="0" hangingPunct="1">
+        <a:defRPr sz="1800" kern="1200">
+          <a:solidFill>
+            <a:schemeClr val="tx1"/>
+          </a:solidFill>
+          <a:latin typeface="+mn-lt"/>
+          <a:ea typeface="+mn-ea"/>
+          <a:cs typeface="+mn-cs"/>
+        </a:defRPr>
+      </a:lvl3pPr>
+      <a:lvl4pPr marL="1371600" algn="l" defTabSz="914400" rtl="0" eaLnBrk="1" latinLnBrk="0" hangingPunct="1">
+        <a:defRPr sz="1800" kern="1200">
+          <a:solidFill>
+            <a:schemeClr val="tx1"/>
+          </a:solidFill>
+          <a:latin typeface="+mn-lt"/>
+          <a:ea typeface="+mn-ea"/>
+          <a:cs typeface="+mn-cs"/>
+        </a:defRPr>
+      </a:lvl4pPr>
+      <a:lvl5pPr marL="1828800" algn="l" defTabSz="914400" rtl="0" eaLnBrk="1" latinLnBrk="0" hangingPunct="1">
+        <a:defRPr sz="1800" kern="1200">
+          <a:solidFill>
+            <a:schemeClr val="tx1"/>
+          </a:solidFill>
+          <a:latin typeface="+mn-lt"/>
+          <a:ea typeface="+mn-ea"/>
+          <a:cs typeface="+mn-cs"/>
+        </a:defRPr>
+      </a:lvl5pPr>
+      <a:lvl6pPr marL="2286000" algn="l" defTabSz="914400" rtl="0" eaLnBrk="1" latinLnBrk="0" hangingPunct="1">
+        <a:defRPr sz="1800" kern="1200">
+          <a:solidFill>
+            <a:schemeClr val="tx1"/>
+          </a:solidFill>
+          <a:latin typeface="+mn-lt"/>
+          <a:ea typeface="+mn-ea"/>
+          <a:cs typeface="+mn-cs"/>
+        </a:defRPr>
+      </a:lvl6pPr>
+      <a:lvl7pPr marL="2743200" algn="l" defTabSz="914400" rtl="0" eaLnBrk="1" latinLnBrk="0" hangingPunct="1">
+        <a:defRPr sz="1800" kern="1200">
+          <a:solidFill>
+            <a:schemeClr val="tx1"/>
+          </a:solidFill>
+          <a:latin typeface="+mn-lt"/>
+          <a:ea typeface="+mn-ea"/>
+          <a:cs typeface="+mn-cs"/>
+        </a:defRPr>
+      </a:lvl7pPr>
+      <a:lvl8pPr marL="3200400" algn="l" defTabSz="914400" rtl="0" eaLnBrk="1" latinLnBrk="0" hangingPunct="1">
+        <a:defRPr sz="1800" kern="1200">
+          <a:solidFill>
+            <a:schemeClr val="tx1"/>
+          </a:solidFill>
+          <a:latin typeface="+mn-lt"/>
+          <a:ea typeface="+mn-ea"/>
+          <a:cs typeface="+mn-cs"/>
+        </a:defRPr>
+      </a:lvl8pPr>
+      <a:lvl9pPr marL="3657600" algn="l" defTabSz="914400" rtl="0" eaLnBrk="1" latinLnBrk="0" hangingPunct="1">
+        <a:defRPr sz="1800" kern="1200">
+          <a:solidFill>
+            <a:schemeClr val="tx1"/>
+          </a:solidFill>
+          <a:latin typeface="+mn-lt"/>
+          <a:ea typeface="+mn-ea"/>
+          <a:cs typeface="+mn-cs"/>
+        </a:defRPr>
+      </a:lvl9pPr>
+    </p:otherStyle>
+  </p:txStyles>
+</p:sldMaster>
+</file>
+
 <file path=ppt/slides/slide1.xml><?xml version="1.0" encoding="utf-8"?>
 <p:sld xmlns:a="http://schemas.openxmlformats.org/drawingml/2006/main" xmlns:r="http://schemas.openxmlformats.org/officeDocument/2006/relationships" xmlns:p="http://schemas.openxmlformats.org/presentationml/2006/main">
   <p:cSld>
@@ -5327,6 +8101,28 @@
       </p:grpSpPr>
       <p:sp>
         <p:nvSpPr>
+          <p:cNvPr id="4098" name="Underrubrik 6"/>
+          <p:cNvSpPr>
+            <a:spLocks noGrp="1"/>
+          </p:cNvSpPr>
+          <p:nvPr>
+            <p:ph type="subTitle" idx="1"/>
+          </p:nvPr>
+        </p:nvSpPr>
+        <p:spPr/>
+        <p:txBody>
+          <a:bodyPr/>
+          <a:lstStyle/>
+          <a:p>
+            <a:r>
+              <a:rPr lang="en-GB" dirty="0"/>
+              <a:t>Adapters</a:t>
+            </a:r>
+          </a:p>
+        </p:txBody>
+      </p:sp>
+      <p:sp>
+        <p:nvSpPr>
           <p:cNvPr id="4099" name="Rubrik 5"/>
           <p:cNvSpPr>
             <a:spLocks noGrp="1"/>
@@ -5342,35 +8138,9 @@
           <a:p>
             <a:r>
               <a:rPr lang="en-US" dirty="0"/>
-              <a:t>Developing Integration Solutions using Microsoft BizTalk </a:t>
-            </a:r>
-            <a:r>
-              <a:rPr lang="en-US"/>
-              <a:t>Server 2013</a:t>
+              <a:t>Developing Integration Solutions using Microsoft BizTalk Server 2016</a:t>
             </a:r>
             <a:endParaRPr lang="en-GB" dirty="0"/>
-          </a:p>
-        </p:txBody>
-      </p:sp>
-      <p:sp>
-        <p:nvSpPr>
-          <p:cNvPr id="4098" name="Underrubrik 6"/>
-          <p:cNvSpPr>
-            <a:spLocks noGrp="1"/>
-          </p:cNvSpPr>
-          <p:nvPr>
-            <p:ph type="subTitle" idx="1"/>
-          </p:nvPr>
-        </p:nvSpPr>
-        <p:spPr/>
-        <p:txBody>
-          <a:bodyPr/>
-          <a:lstStyle/>
-          <a:p>
-            <a:r>
-              <a:rPr lang="en-GB" dirty="0"/>
-              <a:t>Adapters</a:t>
-            </a:r>
           </a:p>
         </p:txBody>
       </p:sp>
@@ -5381,14 +8151,17 @@
             <a:spLocks noGrp="1"/>
           </p:cNvSpPr>
           <p:nvPr>
-            <p:ph type="dt" sz="half" idx="10"/>
+            <p:ph type="dt" sz="half" idx="4294967295"/>
           </p:nvPr>
         </p:nvSpPr>
         <p:spPr>
           <a:xfrm>
-            <a:off x="790216" y="6350023"/>
-            <a:ext cx="1117487" cy="365125"/>
+            <a:off x="0" y="6350000"/>
+            <a:ext cx="1117600" cy="365125"/>
           </a:xfrm>
+          <a:prstGeom prst="rect">
+            <a:avLst/>
+          </a:prstGeom>
         </p:spPr>
         <p:txBody>
           <a:bodyPr/>
@@ -5409,10 +8182,18 @@
             <a:spLocks noGrp="1"/>
           </p:cNvSpPr>
           <p:nvPr>
-            <p:ph type="sldNum" sz="quarter" idx="12"/>
+            <p:ph type="sldNum" sz="quarter" idx="4294967295"/>
           </p:nvPr>
         </p:nvSpPr>
-        <p:spPr/>
+        <p:spPr>
+          <a:xfrm>
+            <a:off x="7086600" y="6356350"/>
+            <a:ext cx="2057400" cy="365125"/>
+          </a:xfrm>
+          <a:prstGeom prst="rect">
+            <a:avLst/>
+          </a:prstGeom>
+        </p:spPr>
         <p:txBody>
           <a:bodyPr/>
           <a:lstStyle/>
@@ -5541,7 +8322,7 @@
                   </a:extLst>
                 </a:gridCol>
               </a:tblGrid>
-              <a:tr h="371332">
+              <a:tr h="431202">
                 <a:tc>
                   <a:txBody>
                     <a:bodyPr/>
@@ -5648,7 +8429,7 @@
                   </a:ext>
                 </a:extLst>
               </a:tr>
-              <a:tr h="651224">
+              <a:tr h="1177962">
                 <a:tc>
                   <a:txBody>
                     <a:bodyPr/>
@@ -7119,7 +9900,7 @@
         <p:spPr>
           <a:xfrm>
             <a:off x="435980" y="2417547"/>
-            <a:ext cx="1878957" cy="3099310"/>
+            <a:ext cx="1878957" cy="2933111"/>
           </a:xfrm>
           <a:prstGeom prst="rect">
             <a:avLst/>
@@ -7261,7 +10042,7 @@
                 <a:latin typeface="Segoe UI" pitchFamily="34" charset="0"/>
                 <a:cs typeface="Segoe UI" pitchFamily="34" charset="0"/>
               </a:rPr>
-              <a:t>HTTP</a:t>
+              <a:t>HTTP </a:t>
             </a:r>
           </a:p>
           <a:p>
@@ -7459,42 +10240,9 @@
                 <a:latin typeface="Segoe UI" pitchFamily="34" charset="0"/>
                 <a:cs typeface="Segoe UI" pitchFamily="34" charset="0"/>
               </a:rPr>
-              <a:t>SQL</a:t>
-            </a:r>
-          </a:p>
-          <a:p>
-            <a:pPr fontAlgn="auto">
-              <a:lnSpc>
-                <a:spcPct val="90000"/>
-              </a:lnSpc>
-              <a:spcBef>
-                <a:spcPts val="0"/>
-              </a:spcBef>
-              <a:spcAft>
-                <a:spcPts val="600"/>
-              </a:spcAft>
-              <a:defRPr/>
-            </a:pPr>
-            <a:r>
-              <a:rPr lang="en-US" sz="1200" dirty="0" err="1">
-                <a:gradFill flip="none" rotWithShape="1">
-                  <a:gsLst>
-                    <a:gs pos="0">
-                      <a:srgbClr val="000000"/>
-                    </a:gs>
-                    <a:gs pos="100000">
-                      <a:srgbClr val="000000"/>
-                    </a:gs>
-                  </a:gsLst>
-                  <a:lin ang="5400000" scaled="1"/>
-                  <a:tileRect/>
-                </a:gradFill>
-                <a:latin typeface="Segoe UI" pitchFamily="34" charset="0"/>
-                <a:cs typeface="Segoe UI" pitchFamily="34" charset="0"/>
-              </a:rPr>
-              <a:t>WCF</a:t>
-            </a:r>
-            <a:br>
+              <a:t>SQL </a:t>
+            </a:r>
+            <a:r>
               <a:rPr lang="en-US" sz="1200" dirty="0">
                 <a:gradFill flip="none" rotWithShape="1">
                   <a:gsLst>
@@ -7511,7 +10259,38 @@
                 <a:latin typeface="Segoe UI" pitchFamily="34" charset="0"/>
                 <a:cs typeface="Segoe UI" pitchFamily="34" charset="0"/>
               </a:rPr>
-            </a:br>
+              <a:t>(deprecated)</a:t>
+            </a:r>
+            <a:endParaRPr lang="en-US" sz="1200" dirty="0">
+              <a:gradFill flip="none" rotWithShape="1">
+                <a:gsLst>
+                  <a:gs pos="0">
+                    <a:srgbClr val="000000"/>
+                  </a:gs>
+                  <a:gs pos="100000">
+                    <a:srgbClr val="000000"/>
+                  </a:gs>
+                </a:gsLst>
+                <a:lin ang="5400000" scaled="1"/>
+                <a:tileRect/>
+              </a:gradFill>
+              <a:latin typeface="Segoe UI" pitchFamily="34" charset="0"/>
+              <a:cs typeface="Segoe UI" pitchFamily="34" charset="0"/>
+            </a:endParaRPr>
+          </a:p>
+          <a:p>
+            <a:pPr fontAlgn="auto">
+              <a:lnSpc>
+                <a:spcPct val="90000"/>
+              </a:lnSpc>
+              <a:spcBef>
+                <a:spcPts val="0"/>
+              </a:spcBef>
+              <a:spcAft>
+                <a:spcPts val="600"/>
+              </a:spcAft>
+              <a:defRPr/>
+            </a:pPr>
             <a:r>
               <a:rPr lang="en-US" sz="1200" dirty="0">
                 <a:gradFill flip="none" rotWithShape="1">
@@ -7529,7 +10308,7 @@
                 <a:latin typeface="Segoe UI" pitchFamily="34" charset="0"/>
                 <a:cs typeface="Segoe UI" pitchFamily="34" charset="0"/>
               </a:rPr>
-              <a:t>(7 Bindings)</a:t>
+              <a:t>WCF (7 Bindings)</a:t>
             </a:r>
           </a:p>
           <a:p>
@@ -7564,6 +10343,41 @@
               </a:rPr>
               <a:t>SOAP </a:t>
             </a:r>
+            <a:r>
+              <a:rPr lang="en-US" sz="1200" dirty="0">
+                <a:gradFill flip="none" rotWithShape="1">
+                  <a:gsLst>
+                    <a:gs pos="0">
+                      <a:srgbClr val="000000"/>
+                    </a:gs>
+                    <a:gs pos="100000">
+                      <a:srgbClr val="000000"/>
+                    </a:gs>
+                  </a:gsLst>
+                  <a:lin ang="5400000" scaled="1"/>
+                  <a:tileRect/>
+                </a:gradFill>
+                <a:latin typeface="Segoe UI" pitchFamily="34" charset="0"/>
+                <a:cs typeface="Segoe UI" pitchFamily="34" charset="0"/>
+              </a:rPr>
+              <a:t>(deprecated)</a:t>
+            </a:r>
+            <a:endParaRPr lang="en-US" sz="1200" dirty="0">
+              <a:gradFill flip="none" rotWithShape="1">
+                <a:gsLst>
+                  <a:gs pos="0">
+                    <a:srgbClr val="000000"/>
+                  </a:gs>
+                  <a:gs pos="100000">
+                    <a:srgbClr val="000000"/>
+                  </a:gs>
+                </a:gsLst>
+                <a:lin ang="5400000" scaled="1"/>
+                <a:tileRect/>
+              </a:gradFill>
+              <a:latin typeface="Segoe UI" pitchFamily="34" charset="0"/>
+              <a:cs typeface="Segoe UI" pitchFamily="34" charset="0"/>
+            </a:endParaRPr>
           </a:p>
           <a:p>
             <a:pPr fontAlgn="auto">
@@ -9481,7 +12295,7 @@
         </p:blipFill>
         <p:spPr>
           <a:xfrm>
-            <a:off x="5692665" y="1739799"/>
+            <a:off x="5625115" y="2280007"/>
             <a:ext cx="2925374" cy="3280395"/>
           </a:xfrm>
           <a:prstGeom prst="rect">
@@ -9505,7 +12319,7 @@
         </p:blipFill>
         <p:spPr>
           <a:xfrm>
-            <a:off x="2434354" y="3295932"/>
+            <a:off x="1982356" y="3259172"/>
             <a:ext cx="3094166" cy="3445436"/>
           </a:xfrm>
           <a:prstGeom prst="rect">
@@ -9553,7 +12367,7 @@
           <a:p>
             <a:r>
               <a:rPr lang="sv-SE" dirty="0"/>
-              <a:t>Protocol adapters included in BizTalk Server 2013:</a:t>
+              <a:t>Protocol adapters included in BizTalk Server 2016:</a:t>
             </a:r>
           </a:p>
           <a:p>
@@ -9574,13 +12388,6 @@
             <a:pPr lvl="1"/>
             <a:r>
               <a:rPr lang="sv-SE" dirty="0"/>
-              <a:t>HTTP</a:t>
-            </a:r>
-          </a:p>
-          <a:p>
-            <a:pPr lvl="1"/>
-            <a:r>
-              <a:rPr lang="sv-SE" dirty="0"/>
               <a:t>POP3</a:t>
             </a:r>
           </a:p>
@@ -9589,13 +12396,6 @@
             <a:r>
               <a:rPr lang="sv-SE" dirty="0"/>
               <a:t>SMTP</a:t>
-            </a:r>
-          </a:p>
-          <a:p>
-            <a:pPr lvl="1"/>
-            <a:r>
-              <a:rPr lang="sv-SE" dirty="0"/>
-              <a:t>SOAP</a:t>
             </a:r>
           </a:p>
           <a:p>
@@ -9635,7 +12435,7 @@
         </p:nvSpPr>
         <p:spPr bwMode="auto">
           <a:xfrm>
-            <a:off x="2071670" y="5265960"/>
+            <a:off x="1619672" y="5229200"/>
             <a:ext cx="1338263" cy="395288"/>
           </a:xfrm>
           <a:prstGeom prst="rect">
@@ -9684,7 +12484,7 @@
         </p:nvSpPr>
         <p:spPr bwMode="auto">
           <a:xfrm>
-            <a:off x="5072066" y="2713461"/>
+            <a:off x="4955983" y="2739513"/>
             <a:ext cx="1338263" cy="395288"/>
           </a:xfrm>
           <a:prstGeom prst="rect">
@@ -9899,30 +12699,6 @@
           <a:chExt cx="0" cy="0"/>
         </a:xfrm>
       </p:grpSpPr>
-      <p:pic>
-        <p:nvPicPr>
-          <p:cNvPr id="3" name="Picture 2"/>
-          <p:cNvPicPr>
-            <a:picLocks noChangeAspect="1"/>
-          </p:cNvPicPr>
-          <p:nvPr/>
-        </p:nvPicPr>
-        <p:blipFill>
-          <a:blip r:embed="rId3"/>
-          <a:stretch>
-            <a:fillRect/>
-          </a:stretch>
-        </p:blipFill>
-        <p:spPr>
-          <a:xfrm>
-            <a:off x="5394677" y="1988840"/>
-            <a:ext cx="2928421" cy="3268770"/>
-          </a:xfrm>
-          <a:prstGeom prst="rect">
-            <a:avLst/>
-          </a:prstGeom>
-        </p:spPr>
-      </p:pic>
       <p:sp>
         <p:nvSpPr>
           <p:cNvPr id="2" name="Title 1"/>
@@ -9961,141 +12737,92 @@
           <a:lstStyle/>
           <a:p>
             <a:r>
-              <a:rPr lang="sv-SE" dirty="0"/>
-              <a:t>Application adapters included with BizTalk Server 2013:</a:t>
-            </a:r>
+              <a:rPr lang="en-US" dirty="0"/>
+              <a:t>Line of Business (LOB) </a:t>
+            </a:r>
+            <a:r>
+              <a:rPr lang="en-US" dirty="0"/>
+              <a:t>adapters (</a:t>
+            </a:r>
+            <a:r>
+              <a:rPr lang="en-US" i="1" dirty="0"/>
+              <a:t>Installed by default)</a:t>
+            </a:r>
+            <a:endParaRPr lang="en-US" dirty="0"/>
           </a:p>
           <a:p>
             <a:pPr lvl="1"/>
             <a:r>
-              <a:rPr lang="sv-SE" sz="1400" dirty="0"/>
-              <a:t>Sharepoint</a:t>
+              <a:rPr lang="en-US" sz="1400" dirty="0"/>
+              <a:t>SharePoint</a:t>
             </a:r>
           </a:p>
           <a:p>
             <a:pPr lvl="1"/>
             <a:r>
-              <a:rPr lang="sv-SE" sz="1400" dirty="0"/>
-              <a:t>SQL</a:t>
-            </a:r>
-          </a:p>
-          <a:p>
-            <a:r>
-              <a:rPr lang="sv-SE" dirty="0"/>
-              <a:t>Line of Business Adapters in BizTalk Server</a:t>
+              <a:rPr lang="en-US" sz="1400" dirty="0"/>
+              <a:t>SQL (deprecated)</a:t>
+            </a:r>
+          </a:p>
+          <a:p>
+            <a:r>
+              <a:rPr lang="en-US" dirty="0"/>
+              <a:t>Line of Business (LOB) adapters </a:t>
+            </a:r>
+            <a:r>
+              <a:rPr lang="en-US" i="1" dirty="0"/>
+              <a:t>(Optional install)</a:t>
             </a:r>
           </a:p>
           <a:p>
             <a:pPr lvl="1"/>
             <a:r>
-              <a:rPr lang="sv-SE" sz="1400" dirty="0"/>
-              <a:t>JD Edwards OneWorld XE</a:t>
+              <a:rPr lang="en-US" sz="1400" dirty="0" err="1"/>
+              <a:t>mySAP</a:t>
+            </a:r>
+            <a:r>
+              <a:rPr lang="en-US" sz="1400" dirty="0"/>
+              <a:t> Business Suite</a:t>
             </a:r>
           </a:p>
           <a:p>
             <a:pPr lvl="1"/>
             <a:r>
-              <a:rPr lang="sv-SE" sz="1400" dirty="0"/>
-              <a:t>JD Edwards EnterpriseOne</a:t>
+              <a:rPr lang="en-US" sz="1400" dirty="0"/>
+              <a:t>Oracle Database</a:t>
             </a:r>
           </a:p>
           <a:p>
             <a:pPr lvl="1"/>
             <a:r>
-              <a:rPr lang="sv-SE" sz="1400" dirty="0"/>
-              <a:t>ODBC for Oracle</a:t>
+              <a:rPr lang="en-US" sz="1400" dirty="0"/>
+              <a:t>Oracle E-Business Suite</a:t>
             </a:r>
           </a:p>
           <a:p>
             <a:pPr lvl="1"/>
             <a:r>
-              <a:rPr lang="sv-SE" sz="1400" dirty="0"/>
-              <a:t>Oracle eBusiness Suite</a:t>
+              <a:rPr lang="en-US" sz="1400" dirty="0"/>
+              <a:t>Siebel </a:t>
+            </a:r>
+            <a:r>
+              <a:rPr lang="en-US" sz="1400" dirty="0" err="1"/>
+              <a:t>sBusiness</a:t>
+            </a:r>
+            <a:r>
+              <a:rPr lang="en-US" sz="1400" dirty="0"/>
+              <a:t> Applications</a:t>
             </a:r>
           </a:p>
           <a:p>
             <a:pPr lvl="1"/>
             <a:r>
-              <a:rPr lang="sv-SE" sz="1400" dirty="0"/>
-              <a:t>Tibco Rendezvous</a:t>
-            </a:r>
-          </a:p>
-          <a:p>
-            <a:pPr lvl="1"/>
-            <a:r>
-              <a:rPr lang="sv-SE" sz="1400" dirty="0"/>
-              <a:t>Tibco Enterprise Message Service</a:t>
-            </a:r>
-          </a:p>
-          <a:p>
-            <a:pPr lvl="1"/>
-            <a:r>
-              <a:rPr lang="sv-SE" sz="1400" dirty="0"/>
-              <a:t>PeopleSoft Enterprise</a:t>
-            </a:r>
-          </a:p>
-          <a:p>
-            <a:pPr lvl="1"/>
-            <a:r>
-              <a:rPr lang="sv-SE" sz="1400" dirty="0"/>
-              <a:t>SAP</a:t>
-            </a:r>
-          </a:p>
-        </p:txBody>
-      </p:sp>
-      <p:sp>
-        <p:nvSpPr>
-          <p:cNvPr id="8" name="Rectangle 45"/>
-          <p:cNvSpPr>
-            <a:spLocks noChangeArrowheads="1"/>
-          </p:cNvSpPr>
-          <p:nvPr/>
-        </p:nvSpPr>
-        <p:spPr bwMode="auto">
-          <a:xfrm>
-            <a:off x="4716016" y="3211838"/>
-            <a:ext cx="1357322" cy="572663"/>
-          </a:xfrm>
-          <a:prstGeom prst="rect">
-            <a:avLst/>
-          </a:prstGeom>
-          <a:ln>
-            <a:headEnd/>
-            <a:tailEnd/>
-          </a:ln>
-        </p:spPr>
-        <p:style>
-          <a:lnRef idx="1">
-            <a:schemeClr val="accent1"/>
-          </a:lnRef>
-          <a:fillRef idx="2">
-            <a:schemeClr val="accent1"/>
-          </a:fillRef>
-          <a:effectRef idx="1">
-            <a:schemeClr val="accent1"/>
-          </a:effectRef>
-          <a:fontRef idx="minor">
-            <a:schemeClr val="dk1"/>
-          </a:fontRef>
-        </p:style>
-        <p:txBody>
-          <a:bodyPr wrap="none" lIns="182880" rIns="182880" anchor="ctr"/>
-          <a:lstStyle/>
-          <a:p>
-            <a:pPr algn="ctr">
-              <a:defRPr/>
-            </a:pPr>
-            <a:r>
-              <a:rPr lang="en-GB" sz="1600" b="1" dirty="0" err="1"/>
-              <a:t>Sharepoint</a:t>
-            </a:r>
-            <a:br>
-              <a:rPr lang="en-GB" b="1" dirty="0"/>
-            </a:br>
-            <a:r>
-              <a:rPr lang="en-GB" sz="1600" b="1" dirty="0"/>
-              <a:t>services</a:t>
-            </a:r>
+              <a:rPr lang="en-US" sz="1400" dirty="0"/>
+              <a:t>SQL Server</a:t>
+            </a:r>
+          </a:p>
+          <a:p>
+            <a:endParaRPr lang="en-US" dirty="0"/>
           </a:p>
         </p:txBody>
       </p:sp>
@@ -10168,75 +12895,160 @@
           <a:p>
             <a:r>
               <a:rPr lang="sv-SE" dirty="0"/>
-              <a:t>Adapters in the BizTalk Adapter Pack 2013</a:t>
-            </a:r>
+              <a:t>Adapters for Enterprise </a:t>
+            </a:r>
+            <a:r>
+              <a:rPr lang="sv-SE" dirty="0" err="1"/>
+              <a:t>Applications</a:t>
+            </a:r>
+            <a:r>
+              <a:rPr lang="sv-SE" dirty="0"/>
+              <a:t> </a:t>
+            </a:r>
+            <a:r>
+              <a:rPr lang="en-US" i="1" dirty="0"/>
+              <a:t>(Optional install)</a:t>
+            </a:r>
+            <a:endParaRPr lang="sv-SE" dirty="0"/>
           </a:p>
           <a:p>
             <a:pPr lvl="1"/>
             <a:r>
               <a:rPr lang="sv-SE" sz="1400" dirty="0"/>
-              <a:t>mySAP Business Suite</a:t>
+              <a:t>JD Edwards </a:t>
+            </a:r>
+            <a:r>
+              <a:rPr lang="sv-SE" sz="1400" dirty="0" err="1"/>
+              <a:t>OneWorld</a:t>
+            </a:r>
+            <a:r>
+              <a:rPr lang="sv-SE" sz="1400" dirty="0"/>
+              <a:t> XE</a:t>
             </a:r>
           </a:p>
           <a:p>
             <a:pPr lvl="1"/>
             <a:r>
               <a:rPr lang="sv-SE" sz="1400" dirty="0"/>
-              <a:t>Oracle Database</a:t>
-            </a:r>
+              <a:t>JD Edwards </a:t>
+            </a:r>
+            <a:r>
+              <a:rPr lang="sv-SE" sz="1400" dirty="0" err="1"/>
+              <a:t>EnterpriseOne</a:t>
+            </a:r>
+            <a:endParaRPr lang="sv-SE" sz="1400" dirty="0"/>
           </a:p>
           <a:p>
             <a:pPr lvl="1"/>
             <a:r>
               <a:rPr lang="sv-SE" sz="1400" dirty="0"/>
-              <a:t>Oracle E-Business Suite</a:t>
+              <a:t>ODBC for Oracle</a:t>
             </a:r>
           </a:p>
           <a:p>
             <a:pPr lvl="1"/>
             <a:r>
               <a:rPr lang="sv-SE" sz="1400" dirty="0"/>
-              <a:t>Siebel sBusiness Applications</a:t>
-            </a:r>
+              <a:t>Oracle </a:t>
+            </a:r>
+            <a:r>
+              <a:rPr lang="sv-SE" sz="1400" dirty="0" err="1"/>
+              <a:t>eBusiness</a:t>
+            </a:r>
+            <a:r>
+              <a:rPr lang="sv-SE" sz="1400" dirty="0"/>
+              <a:t> </a:t>
+            </a:r>
+            <a:r>
+              <a:rPr lang="sv-SE" sz="1400" dirty="0" err="1"/>
+              <a:t>Suite</a:t>
+            </a:r>
+            <a:endParaRPr lang="sv-SE" sz="1400" dirty="0"/>
           </a:p>
           <a:p>
             <a:pPr lvl="1"/>
             <a:r>
+              <a:rPr lang="sv-SE" sz="1400" dirty="0" err="1"/>
+              <a:t>Tibco</a:t>
+            </a:r>
+            <a:r>
               <a:rPr lang="sv-SE" sz="1400" dirty="0"/>
-              <a:t>SQL Server</a:t>
-            </a:r>
-          </a:p>
-          <a:p>
-            <a:r>
-              <a:rPr lang="sv-SE" dirty="0"/>
-              <a:t>Other Application Adapters</a:t>
+              <a:t> Rendezvous</a:t>
             </a:r>
           </a:p>
           <a:p>
             <a:pPr lvl="1"/>
             <a:r>
+              <a:rPr lang="sv-SE" sz="1400" dirty="0" err="1"/>
+              <a:t>Tibco</a:t>
+            </a:r>
+            <a:r>
               <a:rPr lang="sv-SE" sz="1400" dirty="0"/>
+              <a:t> Enterprise </a:t>
+            </a:r>
+            <a:r>
+              <a:rPr lang="sv-SE" sz="1400" dirty="0" err="1"/>
+              <a:t>Message</a:t>
+            </a:r>
+            <a:r>
+              <a:rPr lang="sv-SE" sz="1400" dirty="0"/>
+              <a:t> Service</a:t>
+            </a:r>
+          </a:p>
+          <a:p>
+            <a:pPr lvl="1"/>
+            <a:r>
+              <a:rPr lang="sv-SE" sz="1400" dirty="0" err="1"/>
+              <a:t>PeopleSoft</a:t>
+            </a:r>
+            <a:r>
+              <a:rPr lang="sv-SE" sz="1400" dirty="0"/>
+              <a:t> Enterprise</a:t>
+            </a:r>
+          </a:p>
+          <a:p>
+            <a:pPr lvl="1"/>
+            <a:r>
+              <a:rPr lang="sv-SE" sz="1400" dirty="0"/>
+              <a:t>SAP</a:t>
+            </a:r>
+          </a:p>
+          <a:p>
+            <a:r>
+              <a:rPr lang="en-US" dirty="0"/>
+              <a:t>Other Application Adapters </a:t>
+            </a:r>
+            <a:r>
+              <a:rPr lang="en-US" i="1" dirty="0"/>
+              <a:t>(Optional install)</a:t>
+            </a:r>
+            <a:endParaRPr lang="en-US" dirty="0"/>
+          </a:p>
+          <a:p>
+            <a:pPr lvl="1"/>
+            <a:r>
+              <a:rPr lang="en-US" sz="1400" dirty="0"/>
               <a:t>Host Applications</a:t>
             </a:r>
           </a:p>
           <a:p>
             <a:pPr lvl="1"/>
             <a:r>
-              <a:rPr lang="sv-SE" sz="1400" dirty="0"/>
+              <a:rPr lang="en-US" sz="1400" dirty="0"/>
               <a:t>IBM DB2</a:t>
             </a:r>
           </a:p>
           <a:p>
             <a:pPr lvl="1"/>
             <a:r>
-              <a:rPr lang="sv-SE" sz="1400" dirty="0"/>
+              <a:rPr lang="en-US" sz="1400" dirty="0"/>
               <a:t>Host Files</a:t>
             </a:r>
           </a:p>
           <a:p>
             <a:pPr lvl="1"/>
             <a:r>
-              <a:rPr lang="sv-SE" sz="1400" dirty="0"/>
+              <a:rPr lang="en-US" sz="1400" dirty="0"/>
               <a:t>WebSphere MQ</a:t>
             </a:r>
           </a:p>
@@ -10272,6 +13084,391 @@
           <a:chExt cx="0" cy="0"/>
         </a:xfrm>
       </p:grpSpPr>
+      <p:pic>
+        <p:nvPicPr>
+          <p:cNvPr id="8" name="Picture 7"/>
+          <p:cNvPicPr>
+            <a:picLocks noChangeAspect="1"/>
+          </p:cNvPicPr>
+          <p:nvPr/>
+        </p:nvPicPr>
+        <p:blipFill>
+          <a:blip r:embed="rId2"/>
+          <a:stretch>
+            <a:fillRect/>
+          </a:stretch>
+        </p:blipFill>
+        <p:spPr>
+          <a:xfrm>
+            <a:off x="827584" y="1343676"/>
+            <a:ext cx="6073666" cy="4359018"/>
+          </a:xfrm>
+          <a:prstGeom prst="rect">
+            <a:avLst/>
+          </a:prstGeom>
+          <a:ln>
+            <a:solidFill>
+              <a:schemeClr val="tx1"/>
+            </a:solidFill>
+          </a:ln>
+          <a:effectLst>
+            <a:outerShdw blurRad="50800" dist="38100" dir="8100000" algn="tr" rotWithShape="0">
+              <a:prstClr val="black">
+                <a:alpha val="40000"/>
+              </a:prstClr>
+            </a:outerShdw>
+          </a:effectLst>
+        </p:spPr>
+      </p:pic>
+      <p:sp>
+        <p:nvSpPr>
+          <p:cNvPr id="2" name="Title 1"/>
+          <p:cNvSpPr>
+            <a:spLocks noGrp="1"/>
+          </p:cNvSpPr>
+          <p:nvPr>
+            <p:ph type="title"/>
+          </p:nvPr>
+        </p:nvSpPr>
+        <p:spPr/>
+        <p:txBody>
+          <a:bodyPr/>
+          <a:lstStyle/>
+          <a:p>
+            <a:r>
+              <a:rPr lang="en-US" dirty="0"/>
+              <a:t>Installing additional adapters</a:t>
+            </a:r>
+          </a:p>
+        </p:txBody>
+      </p:sp>
+      <p:pic>
+        <p:nvPicPr>
+          <p:cNvPr id="5" name="Picture 4"/>
+          <p:cNvPicPr>
+            <a:picLocks noChangeAspect="1"/>
+          </p:cNvPicPr>
+          <p:nvPr/>
+        </p:nvPicPr>
+        <p:blipFill>
+          <a:blip r:embed="rId3"/>
+          <a:stretch>
+            <a:fillRect/>
+          </a:stretch>
+        </p:blipFill>
+        <p:spPr>
+          <a:xfrm>
+            <a:off x="1475656" y="1896727"/>
+            <a:ext cx="6075589" cy="4080238"/>
+          </a:xfrm>
+          <a:prstGeom prst="rect">
+            <a:avLst/>
+          </a:prstGeom>
+          <a:ln>
+            <a:solidFill>
+              <a:schemeClr val="tx1"/>
+            </a:solidFill>
+          </a:ln>
+          <a:effectLst>
+            <a:outerShdw blurRad="50800" dist="38100" dir="8100000" algn="tr" rotWithShape="0">
+              <a:prstClr val="black">
+                <a:alpha val="40000"/>
+              </a:prstClr>
+            </a:outerShdw>
+          </a:effectLst>
+        </p:spPr>
+      </p:pic>
+      <p:pic>
+        <p:nvPicPr>
+          <p:cNvPr id="6" name="Picture 5"/>
+          <p:cNvPicPr>
+            <a:picLocks noChangeAspect="1"/>
+          </p:cNvPicPr>
+          <p:nvPr/>
+        </p:nvPicPr>
+        <p:blipFill>
+          <a:blip r:embed="rId4"/>
+          <a:stretch>
+            <a:fillRect/>
+          </a:stretch>
+        </p:blipFill>
+        <p:spPr>
+          <a:xfrm>
+            <a:off x="2191682" y="2439065"/>
+            <a:ext cx="4709568" cy="3688400"/>
+          </a:xfrm>
+          <a:prstGeom prst="rect">
+            <a:avLst/>
+          </a:prstGeom>
+          <a:ln>
+            <a:solidFill>
+              <a:schemeClr val="tx1"/>
+            </a:solidFill>
+          </a:ln>
+          <a:effectLst>
+            <a:outerShdw blurRad="50800" dist="38100" dir="8100000" algn="tr" rotWithShape="0">
+              <a:prstClr val="black">
+                <a:alpha val="40000"/>
+              </a:prstClr>
+            </a:outerShdw>
+          </a:effectLst>
+        </p:spPr>
+      </p:pic>
+      <p:pic>
+        <p:nvPicPr>
+          <p:cNvPr id="7" name="Picture 6"/>
+          <p:cNvPicPr>
+            <a:picLocks noChangeAspect="1"/>
+          </p:cNvPicPr>
+          <p:nvPr/>
+        </p:nvPicPr>
+        <p:blipFill>
+          <a:blip r:embed="rId5"/>
+          <a:stretch>
+            <a:fillRect/>
+          </a:stretch>
+        </p:blipFill>
+        <p:spPr>
+          <a:xfrm>
+            <a:off x="2987824" y="2924944"/>
+            <a:ext cx="4724809" cy="3688400"/>
+          </a:xfrm>
+          <a:prstGeom prst="rect">
+            <a:avLst/>
+          </a:prstGeom>
+          <a:ln>
+            <a:solidFill>
+              <a:schemeClr val="tx1"/>
+            </a:solidFill>
+          </a:ln>
+          <a:effectLst>
+            <a:outerShdw blurRad="50800" dist="38100" dir="8100000" algn="tr" rotWithShape="0">
+              <a:prstClr val="black">
+                <a:alpha val="40000"/>
+              </a:prstClr>
+            </a:outerShdw>
+          </a:effectLst>
+        </p:spPr>
+      </p:pic>
+    </p:spTree>
+    <p:extLst>
+      <p:ext uri="{BB962C8B-B14F-4D97-AF65-F5344CB8AC3E}">
+        <p14:creationId xmlns:p14="http://schemas.microsoft.com/office/powerpoint/2010/main" val="572074526"/>
+      </p:ext>
+    </p:extLst>
+  </p:cSld>
+  <p:clrMapOvr>
+    <a:masterClrMapping/>
+  </p:clrMapOvr>
+  <p:timing>
+    <p:tnLst>
+      <p:par>
+        <p:cTn id="1" dur="indefinite" restart="never" nodeType="tmRoot">
+          <p:childTnLst>
+            <p:seq concurrent="1" nextAc="seek">
+              <p:cTn id="2" dur="indefinite" nodeType="mainSeq">
+                <p:childTnLst>
+                  <p:par>
+                    <p:cTn id="3" fill="hold">
+                      <p:stCondLst>
+                        <p:cond delay="indefinite"/>
+                      </p:stCondLst>
+                      <p:childTnLst>
+                        <p:par>
+                          <p:cTn id="4" fill="hold">
+                            <p:stCondLst>
+                              <p:cond delay="0"/>
+                            </p:stCondLst>
+                            <p:childTnLst>
+                              <p:par>
+                                <p:cTn id="5" presetID="10" presetClass="entr" presetSubtype="0" fill="hold" nodeType="clickEffect">
+                                  <p:stCondLst>
+                                    <p:cond delay="0"/>
+                                  </p:stCondLst>
+                                  <p:childTnLst>
+                                    <p:set>
+                                      <p:cBhvr>
+                                        <p:cTn id="6" dur="1" fill="hold">
+                                          <p:stCondLst>
+                                            <p:cond delay="0"/>
+                                          </p:stCondLst>
+                                        </p:cTn>
+                                        <p:tgtEl>
+                                          <p:spTgt spid="5"/>
+                                        </p:tgtEl>
+                                        <p:attrNameLst>
+                                          <p:attrName>style.visibility</p:attrName>
+                                        </p:attrNameLst>
+                                      </p:cBhvr>
+                                      <p:to>
+                                        <p:strVal val="visible"/>
+                                      </p:to>
+                                    </p:set>
+                                    <p:animEffect transition="in" filter="fade">
+                                      <p:cBhvr>
+                                        <p:cTn id="7" dur="500"/>
+                                        <p:tgtEl>
+                                          <p:spTgt spid="5"/>
+                                        </p:tgtEl>
+                                      </p:cBhvr>
+                                    </p:animEffect>
+                                  </p:childTnLst>
+                                </p:cTn>
+                              </p:par>
+                            </p:childTnLst>
+                          </p:cTn>
+                        </p:par>
+                      </p:childTnLst>
+                    </p:cTn>
+                  </p:par>
+                  <p:par>
+                    <p:cTn id="8" fill="hold">
+                      <p:stCondLst>
+                        <p:cond delay="indefinite"/>
+                      </p:stCondLst>
+                      <p:childTnLst>
+                        <p:par>
+                          <p:cTn id="9" fill="hold">
+                            <p:stCondLst>
+                              <p:cond delay="0"/>
+                            </p:stCondLst>
+                            <p:childTnLst>
+                              <p:par>
+                                <p:cTn id="10" presetID="10" presetClass="entr" presetSubtype="0" fill="hold" nodeType="clickEffect">
+                                  <p:stCondLst>
+                                    <p:cond delay="0"/>
+                                  </p:stCondLst>
+                                  <p:childTnLst>
+                                    <p:set>
+                                      <p:cBhvr>
+                                        <p:cTn id="11" dur="1" fill="hold">
+                                          <p:stCondLst>
+                                            <p:cond delay="0"/>
+                                          </p:stCondLst>
+                                        </p:cTn>
+                                        <p:tgtEl>
+                                          <p:spTgt spid="6"/>
+                                        </p:tgtEl>
+                                        <p:attrNameLst>
+                                          <p:attrName>style.visibility</p:attrName>
+                                        </p:attrNameLst>
+                                      </p:cBhvr>
+                                      <p:to>
+                                        <p:strVal val="visible"/>
+                                      </p:to>
+                                    </p:set>
+                                    <p:animEffect transition="in" filter="fade">
+                                      <p:cBhvr>
+                                        <p:cTn id="12" dur="500"/>
+                                        <p:tgtEl>
+                                          <p:spTgt spid="6"/>
+                                        </p:tgtEl>
+                                      </p:cBhvr>
+                                    </p:animEffect>
+                                  </p:childTnLst>
+                                </p:cTn>
+                              </p:par>
+                            </p:childTnLst>
+                          </p:cTn>
+                        </p:par>
+                      </p:childTnLst>
+                    </p:cTn>
+                  </p:par>
+                  <p:par>
+                    <p:cTn id="13" fill="hold">
+                      <p:stCondLst>
+                        <p:cond delay="indefinite"/>
+                      </p:stCondLst>
+                      <p:childTnLst>
+                        <p:par>
+                          <p:cTn id="14" fill="hold">
+                            <p:stCondLst>
+                              <p:cond delay="0"/>
+                            </p:stCondLst>
+                            <p:childTnLst>
+                              <p:par>
+                                <p:cTn id="15" presetID="10" presetClass="entr" presetSubtype="0" fill="hold" nodeType="clickEffect">
+                                  <p:stCondLst>
+                                    <p:cond delay="0"/>
+                                  </p:stCondLst>
+                                  <p:childTnLst>
+                                    <p:set>
+                                      <p:cBhvr>
+                                        <p:cTn id="16" dur="1" fill="hold">
+                                          <p:stCondLst>
+                                            <p:cond delay="0"/>
+                                          </p:stCondLst>
+                                        </p:cTn>
+                                        <p:tgtEl>
+                                          <p:spTgt spid="7"/>
+                                        </p:tgtEl>
+                                        <p:attrNameLst>
+                                          <p:attrName>style.visibility</p:attrName>
+                                        </p:attrNameLst>
+                                      </p:cBhvr>
+                                      <p:to>
+                                        <p:strVal val="visible"/>
+                                      </p:to>
+                                    </p:set>
+                                    <p:animEffect transition="in" filter="fade">
+                                      <p:cBhvr>
+                                        <p:cTn id="17" dur="500"/>
+                                        <p:tgtEl>
+                                          <p:spTgt spid="7"/>
+                                        </p:tgtEl>
+                                      </p:cBhvr>
+                                    </p:animEffect>
+                                  </p:childTnLst>
+                                </p:cTn>
+                              </p:par>
+                            </p:childTnLst>
+                          </p:cTn>
+                        </p:par>
+                      </p:childTnLst>
+                    </p:cTn>
+                  </p:par>
+                </p:childTnLst>
+              </p:cTn>
+              <p:prevCondLst>
+                <p:cond evt="onPrev" delay="0">
+                  <p:tgtEl>
+                    <p:sldTgt/>
+                  </p:tgtEl>
+                </p:cond>
+              </p:prevCondLst>
+              <p:nextCondLst>
+                <p:cond evt="onNext" delay="0">
+                  <p:tgtEl>
+                    <p:sldTgt/>
+                  </p:tgtEl>
+                </p:cond>
+              </p:nextCondLst>
+            </p:seq>
+          </p:childTnLst>
+        </p:cTn>
+      </p:par>
+    </p:tnLst>
+  </p:timing>
+</p:sld>
+</file>
+
+<file path=ppt/slides/slide17.xml><?xml version="1.0" encoding="utf-8"?>
+<p:sld xmlns:a="http://schemas.openxmlformats.org/drawingml/2006/main" xmlns:r="http://schemas.openxmlformats.org/officeDocument/2006/relationships" xmlns:p="http://schemas.openxmlformats.org/presentationml/2006/main">
+  <p:cSld>
+    <p:spTree>
+      <p:nvGrpSpPr>
+        <p:cNvPr id="1" name=""/>
+        <p:cNvGrpSpPr/>
+        <p:nvPr/>
+      </p:nvGrpSpPr>
+      <p:grpSpPr>
+        <a:xfrm>
+          <a:off x="0" y="0"/>
+          <a:ext cx="0" cy="0"/>
+          <a:chOff x="0" y="0"/>
+          <a:chExt cx="0" cy="0"/>
+        </a:xfrm>
+      </p:grpSpPr>
       <p:sp>
         <p:nvSpPr>
           <p:cNvPr id="26626" name="Title 1"/>
@@ -10310,17 +13507,28 @@
           <a:lstStyle/>
           <a:p>
             <a:r>
-              <a:rPr lang="sv-SE"/>
-              <a:t>Using an application adapter</a:t>
+              <a:rPr lang="sv-SE" dirty="0" err="1"/>
+              <a:t>Using</a:t>
+            </a:r>
+            <a:r>
+              <a:rPr lang="sv-SE" dirty="0"/>
+              <a:t> an </a:t>
+            </a:r>
+            <a:r>
+              <a:rPr lang="sv-SE" dirty="0" err="1"/>
+              <a:t>application</a:t>
+            </a:r>
+            <a:r>
+              <a:rPr lang="sv-SE" dirty="0"/>
+              <a:t> adapter</a:t>
             </a:r>
           </a:p>
           <a:p>
             <a:pPr lvl="1"/>
             <a:r>
-              <a:rPr lang="sv-SE"/>
-              <a:t>Sharepoint Adapter</a:t>
-            </a:r>
-            <a:endParaRPr lang="sv-SE" dirty="0"/>
+              <a:rPr lang="sv-SE" dirty="0"/>
+              <a:t>WCF-SQL Adapter</a:t>
+            </a:r>
           </a:p>
         </p:txBody>
       </p:sp>
@@ -10387,7 +13595,7 @@
 </p:sld>
 </file>
 
-<file path=ppt/slides/slide17.xml><?xml version="1.0" encoding="utf-8"?>
+<file path=ppt/slides/slide18.xml><?xml version="1.0" encoding="utf-8"?>
 <p:sld xmlns:a="http://schemas.openxmlformats.org/drawingml/2006/main" xmlns:r="http://schemas.openxmlformats.org/officeDocument/2006/relationships" xmlns:p="http://schemas.openxmlformats.org/presentationml/2006/main">
   <p:cSld>
     <p:spTree>
@@ -10468,7 +13676,7 @@
 </p:sld>
 </file>
 
-<file path=ppt/slides/slide18.xml><?xml version="1.0" encoding="utf-8"?>
+<file path=ppt/slides/slide19.xml><?xml version="1.0" encoding="utf-8"?>
 <p:sld xmlns:a="http://schemas.openxmlformats.org/drawingml/2006/main" xmlns:r="http://schemas.openxmlformats.org/officeDocument/2006/relationships" xmlns:p="http://schemas.openxmlformats.org/presentationml/2006/main">
   <p:cSld>
     <p:spTree>
@@ -10596,93 +13804,6 @@
     <p:extLst>
       <p:ext uri="{BB962C8B-B14F-4D97-AF65-F5344CB8AC3E}">
         <p14:creationId xmlns:p14="http://schemas.microsoft.com/office/powerpoint/2010/main" val="1265377167"/>
-      </p:ext>
-    </p:extLst>
-  </p:cSld>
-  <p:clrMapOvr>
-    <a:masterClrMapping/>
-  </p:clrMapOvr>
-</p:sld>
-</file>
-
-<file path=ppt/slides/slide19.xml><?xml version="1.0" encoding="utf-8"?>
-<p:sld xmlns:a="http://schemas.openxmlformats.org/drawingml/2006/main" xmlns:r="http://schemas.openxmlformats.org/officeDocument/2006/relationships" xmlns:p="http://schemas.openxmlformats.org/presentationml/2006/main">
-  <p:cSld>
-    <p:spTree>
-      <p:nvGrpSpPr>
-        <p:cNvPr id="1" name=""/>
-        <p:cNvGrpSpPr/>
-        <p:nvPr/>
-      </p:nvGrpSpPr>
-      <p:grpSpPr>
-        <a:xfrm>
-          <a:off x="0" y="0"/>
-          <a:ext cx="0" cy="0"/>
-          <a:chOff x="0" y="0"/>
-          <a:chExt cx="0" cy="0"/>
-        </a:xfrm>
-      </p:grpSpPr>
-      <p:sp>
-        <p:nvSpPr>
-          <p:cNvPr id="6" name="Title 5"/>
-          <p:cNvSpPr>
-            <a:spLocks noGrp="1"/>
-          </p:cNvSpPr>
-          <p:nvPr>
-            <p:ph type="title"/>
-          </p:nvPr>
-        </p:nvSpPr>
-        <p:spPr/>
-        <p:txBody>
-          <a:bodyPr/>
-          <a:lstStyle/>
-          <a:p>
-            <a:r>
-              <a:rPr lang="sv-SE"/>
-              <a:t>Summary</a:t>
-            </a:r>
-            <a:endParaRPr lang="sv-SE" dirty="0"/>
-          </a:p>
-        </p:txBody>
-      </p:sp>
-      <p:sp>
-        <p:nvSpPr>
-          <p:cNvPr id="7" name="Content Placeholder 6"/>
-          <p:cNvSpPr>
-            <a:spLocks noGrp="1"/>
-          </p:cNvSpPr>
-          <p:nvPr>
-            <p:ph idx="1"/>
-          </p:nvPr>
-        </p:nvSpPr>
-        <p:spPr/>
-        <p:txBody>
-          <a:bodyPr/>
-          <a:lstStyle/>
-          <a:p>
-            <a:r>
-              <a:rPr lang="sv-SE" dirty="0"/>
-              <a:t>Adapters are the part of the BizTalk Server infrastructure that delivers messages to and from BizTalk Server to other applications, places or data sources. </a:t>
-            </a:r>
-          </a:p>
-          <a:p>
-            <a:r>
-              <a:rPr lang="sv-SE" dirty="0"/>
-              <a:t>There is a wide range of adapters available for BizTalk Server.</a:t>
-            </a:r>
-          </a:p>
-          <a:p>
-            <a:r>
-              <a:rPr lang="sv-SE" dirty="0"/>
-              <a:t>You can develop your own adapters – but it’s not an easy task.</a:t>
-            </a:r>
-          </a:p>
-        </p:txBody>
-      </p:sp>
-    </p:spTree>
-    <p:extLst>
-      <p:ext uri="{BB962C8B-B14F-4D97-AF65-F5344CB8AC3E}">
-        <p14:creationId xmlns:p14="http://schemas.microsoft.com/office/powerpoint/2010/main" val="2541918701"/>
       </p:ext>
     </p:extLst>
   </p:cSld>
@@ -11341,6 +14462,93 @@
       </p:grpSpPr>
       <p:sp>
         <p:nvSpPr>
+          <p:cNvPr id="6" name="Title 5"/>
+          <p:cNvSpPr>
+            <a:spLocks noGrp="1"/>
+          </p:cNvSpPr>
+          <p:nvPr>
+            <p:ph type="title"/>
+          </p:nvPr>
+        </p:nvSpPr>
+        <p:spPr/>
+        <p:txBody>
+          <a:bodyPr/>
+          <a:lstStyle/>
+          <a:p>
+            <a:r>
+              <a:rPr lang="sv-SE"/>
+              <a:t>Summary</a:t>
+            </a:r>
+            <a:endParaRPr lang="sv-SE" dirty="0"/>
+          </a:p>
+        </p:txBody>
+      </p:sp>
+      <p:sp>
+        <p:nvSpPr>
+          <p:cNvPr id="7" name="Content Placeholder 6"/>
+          <p:cNvSpPr>
+            <a:spLocks noGrp="1"/>
+          </p:cNvSpPr>
+          <p:nvPr>
+            <p:ph idx="1"/>
+          </p:nvPr>
+        </p:nvSpPr>
+        <p:spPr/>
+        <p:txBody>
+          <a:bodyPr/>
+          <a:lstStyle/>
+          <a:p>
+            <a:r>
+              <a:rPr lang="sv-SE" dirty="0"/>
+              <a:t>Adapters are the part of the BizTalk Server infrastructure that delivers messages to and from BizTalk Server to other applications, places or data sources. </a:t>
+            </a:r>
+          </a:p>
+          <a:p>
+            <a:r>
+              <a:rPr lang="sv-SE" dirty="0"/>
+              <a:t>There is a wide range of adapters available for BizTalk Server.</a:t>
+            </a:r>
+          </a:p>
+          <a:p>
+            <a:r>
+              <a:rPr lang="sv-SE" dirty="0"/>
+              <a:t>You can develop your own adapters – but it’s not an easy task.</a:t>
+            </a:r>
+          </a:p>
+        </p:txBody>
+      </p:sp>
+    </p:spTree>
+    <p:extLst>
+      <p:ext uri="{BB962C8B-B14F-4D97-AF65-F5344CB8AC3E}">
+        <p14:creationId xmlns:p14="http://schemas.microsoft.com/office/powerpoint/2010/main" val="2541918701"/>
+      </p:ext>
+    </p:extLst>
+  </p:cSld>
+  <p:clrMapOvr>
+    <a:masterClrMapping/>
+  </p:clrMapOvr>
+</p:sld>
+</file>
+
+<file path=ppt/slides/slide21.xml><?xml version="1.0" encoding="utf-8"?>
+<p:sld xmlns:a="http://schemas.openxmlformats.org/drawingml/2006/main" xmlns:r="http://schemas.openxmlformats.org/officeDocument/2006/relationships" xmlns:p="http://schemas.openxmlformats.org/presentationml/2006/main">
+  <p:cSld>
+    <p:spTree>
+      <p:nvGrpSpPr>
+        <p:cNvPr id="1" name=""/>
+        <p:cNvGrpSpPr/>
+        <p:nvPr/>
+      </p:nvGrpSpPr>
+      <p:grpSpPr>
+        <a:xfrm>
+          <a:off x="0" y="0"/>
+          <a:ext cx="0" cy="0"/>
+          <a:chOff x="0" y="0"/>
+          <a:chExt cx="0" cy="0"/>
+        </a:xfrm>
+      </p:grpSpPr>
+      <p:sp>
+        <p:nvSpPr>
           <p:cNvPr id="2" name="Rubrik 1"/>
           <p:cNvSpPr>
             <a:spLocks noGrp="1"/>
@@ -11405,7 +14613,7 @@
 </p:sld>
 </file>
 
-<file path=ppt/slides/slide21.xml><?xml version="1.0" encoding="utf-8"?>
+<file path=ppt/slides/slide22.xml><?xml version="1.0" encoding="utf-8"?>
 <p:sld xmlns:a="http://schemas.openxmlformats.org/drawingml/2006/main" xmlns:r="http://schemas.openxmlformats.org/officeDocument/2006/relationships" xmlns:p="http://schemas.openxmlformats.org/presentationml/2006/main">
   <p:cSld>
     <p:spTree>
@@ -11527,7 +14735,7 @@
 </p:sld>
 </file>
 
-<file path=ppt/slides/slide22.xml><?xml version="1.0" encoding="utf-8"?>
+<file path=ppt/slides/slide23.xml><?xml version="1.0" encoding="utf-8"?>
 <p:sld xmlns:a="http://schemas.openxmlformats.org/drawingml/2006/main" xmlns:r="http://schemas.openxmlformats.org/officeDocument/2006/relationships" xmlns:p="http://schemas.openxmlformats.org/presentationml/2006/main">
   <p:cSld>
     <p:spTree>
@@ -12618,7 +15826,7 @@
 </p:sld>
 </file>
 
-<file path=ppt/slides/slide23.xml><?xml version="1.0" encoding="utf-8"?>
+<file path=ppt/slides/slide24.xml><?xml version="1.0" encoding="utf-8"?>
 <p:sld xmlns:a="http://schemas.openxmlformats.org/drawingml/2006/main" xmlns:r="http://schemas.openxmlformats.org/officeDocument/2006/relationships" xmlns:p="http://schemas.openxmlformats.org/presentationml/2006/main">
   <p:cSld>
     <p:spTree>
@@ -13435,7 +16643,7 @@
 </p:sld>
 </file>
 
-<file path=ppt/slides/slide24.xml><?xml version="1.0" encoding="utf-8"?>
+<file path=ppt/slides/slide25.xml><?xml version="1.0" encoding="utf-8"?>
 <p:sld xmlns:a="http://schemas.openxmlformats.org/drawingml/2006/main" xmlns:r="http://schemas.openxmlformats.org/officeDocument/2006/relationships" xmlns:p="http://schemas.openxmlformats.org/presentationml/2006/main">
   <p:cSld>
     <p:spTree>
@@ -14555,7 +17763,7 @@
 </p:sld>
 </file>
 
-<file path=ppt/slides/slide25.xml><?xml version="1.0" encoding="utf-8"?>
+<file path=ppt/slides/slide26.xml><?xml version="1.0" encoding="utf-8"?>
 <p:sld xmlns:a="http://schemas.openxmlformats.org/drawingml/2006/main" xmlns:r="http://schemas.openxmlformats.org/officeDocument/2006/relationships" xmlns:p="http://schemas.openxmlformats.org/presentationml/2006/main">
   <p:cSld>
     <p:spTree>
@@ -14778,7 +17986,7 @@
 </p:sld>
 </file>
 
-<file path=ppt/slides/slide26.xml><?xml version="1.0" encoding="utf-8"?>
+<file path=ppt/slides/slide27.xml><?xml version="1.0" encoding="utf-8"?>
 <p:sld xmlns:a="http://schemas.openxmlformats.org/drawingml/2006/main" xmlns:r="http://schemas.openxmlformats.org/officeDocument/2006/relationships" xmlns:p="http://schemas.openxmlformats.org/presentationml/2006/main">
   <p:cSld>
     <p:spTree>
@@ -23911,34 +27119,87 @@
           <a:p>
             <a:r>
               <a:rPr lang="sv-SE" dirty="0"/>
-              <a:t>Extra adapters downloadable from Microsoft</a:t>
+              <a:t>Extra adapters (</a:t>
+            </a:r>
+            <a:r>
+              <a:rPr lang="sv-SE" dirty="0" err="1"/>
+              <a:t>comes</a:t>
+            </a:r>
+            <a:r>
+              <a:rPr lang="sv-SE" dirty="0"/>
+              <a:t> </a:t>
+            </a:r>
+            <a:r>
+              <a:rPr lang="sv-SE" dirty="0" err="1"/>
+              <a:t>with</a:t>
+            </a:r>
+            <a:r>
+              <a:rPr lang="sv-SE" dirty="0"/>
+              <a:t> BizTalk installation media)</a:t>
             </a:r>
           </a:p>
           <a:p>
             <a:pPr lvl="1"/>
             <a:r>
               <a:rPr lang="sv-SE" dirty="0"/>
-              <a:t>Line of Business Adapters</a:t>
+              <a:t>Line of Business Adapters (WCF adapters)</a:t>
             </a:r>
           </a:p>
           <a:p>
             <a:pPr lvl="1"/>
             <a:r>
               <a:rPr lang="sv-SE" dirty="0"/>
-              <a:t>BizTalk Adapter Pack</a:t>
-            </a:r>
+              <a:t>Adapters for Enterprise </a:t>
+            </a:r>
+            <a:r>
+              <a:rPr lang="sv-SE" dirty="0" err="1"/>
+              <a:t>Applications</a:t>
+            </a:r>
+            <a:endParaRPr lang="sv-SE" dirty="0"/>
           </a:p>
           <a:p>
             <a:pPr lvl="1"/>
             <a:r>
+              <a:rPr lang="sv-SE" dirty="0" err="1"/>
+              <a:t>Host</a:t>
+            </a:r>
+            <a:r>
               <a:rPr lang="sv-SE" dirty="0"/>
-              <a:t>Other adapters</a:t>
-            </a:r>
-          </a:p>
-          <a:p>
+              <a:t> </a:t>
+            </a:r>
+            <a:r>
+              <a:rPr lang="sv-SE" dirty="0" err="1"/>
+              <a:t>Integation</a:t>
+            </a:r>
             <a:r>
               <a:rPr lang="sv-SE" dirty="0"/>
-              <a:t>Offered by third party ISV’s.</a:t>
+              <a:t> Adapters</a:t>
+            </a:r>
+          </a:p>
+          <a:p>
+            <a:r>
+              <a:rPr lang="sv-SE" dirty="0" err="1"/>
+              <a:t>Offered</a:t>
+            </a:r>
+            <a:r>
+              <a:rPr lang="sv-SE" dirty="0"/>
+              <a:t> by </a:t>
+            </a:r>
+            <a:r>
+              <a:rPr lang="sv-SE" dirty="0" err="1"/>
+              <a:t>third</a:t>
+            </a:r>
+            <a:r>
+              <a:rPr lang="sv-SE" dirty="0"/>
+              <a:t> party </a:t>
+            </a:r>
+            <a:r>
+              <a:rPr lang="sv-SE" dirty="0" err="1"/>
+              <a:t>ISV’s</a:t>
+            </a:r>
+            <a:r>
+              <a:rPr lang="sv-SE" dirty="0"/>
+              <a:t>.</a:t>
             </a:r>
           </a:p>
           <a:p>
@@ -24291,6 +27552,407 @@
 </file>
 
 <file path=ppt/theme/theme2.xml><?xml version="1.0" encoding="utf-8"?>
+<a:theme xmlns:a="http://schemas.openxmlformats.org/drawingml/2006/main" name="Anpassad Addskills Theme">
+  <a:themeElements>
+    <a:clrScheme name="© 2008 Logica Slide Master 1">
+      <a:dk1>
+        <a:srgbClr val="000000"/>
+      </a:dk1>
+      <a:lt1>
+        <a:srgbClr val="FFFFFF"/>
+      </a:lt1>
+      <a:dk2>
+        <a:srgbClr val="DDDDDD"/>
+      </a:dk2>
+      <a:lt2>
+        <a:srgbClr val="5F5F5F"/>
+      </a:lt2>
+      <a:accent1>
+        <a:srgbClr val="FFCC00"/>
+      </a:accent1>
+      <a:accent2>
+        <a:srgbClr val="8D979B"/>
+      </a:accent2>
+      <a:accent3>
+        <a:srgbClr val="FFFFFF"/>
+      </a:accent3>
+      <a:accent4>
+        <a:srgbClr val="000000"/>
+      </a:accent4>
+      <a:accent5>
+        <a:srgbClr val="FFE2AA"/>
+      </a:accent5>
+      <a:accent6>
+        <a:srgbClr val="7F888C"/>
+      </a:accent6>
+      <a:hlink>
+        <a:srgbClr val="A5AA78"/>
+      </a:hlink>
+      <a:folHlink>
+        <a:srgbClr val="CE6700"/>
+      </a:folHlink>
+    </a:clrScheme>
+    <a:fontScheme name="© 2008 Logica Slide Master">
+      <a:majorFont>
+        <a:latin typeface="Arial"/>
+        <a:ea typeface=""/>
+        <a:cs typeface=""/>
+      </a:majorFont>
+      <a:minorFont>
+        <a:latin typeface="Arial"/>
+        <a:ea typeface=""/>
+        <a:cs typeface=""/>
+      </a:minorFont>
+    </a:fontScheme>
+    <a:fmtScheme name="Office">
+      <a:fillStyleLst>
+        <a:solidFill>
+          <a:schemeClr val="phClr"/>
+        </a:solidFill>
+        <a:gradFill rotWithShape="1">
+          <a:gsLst>
+            <a:gs pos="0">
+              <a:schemeClr val="phClr">
+                <a:tint val="50000"/>
+                <a:satMod val="300000"/>
+              </a:schemeClr>
+            </a:gs>
+            <a:gs pos="35000">
+              <a:schemeClr val="phClr">
+                <a:tint val="37000"/>
+                <a:satMod val="300000"/>
+              </a:schemeClr>
+            </a:gs>
+            <a:gs pos="100000">
+              <a:schemeClr val="phClr">
+                <a:tint val="15000"/>
+                <a:satMod val="350000"/>
+              </a:schemeClr>
+            </a:gs>
+          </a:gsLst>
+          <a:lin ang="16200000" scaled="1"/>
+        </a:gradFill>
+        <a:gradFill rotWithShape="1">
+          <a:gsLst>
+            <a:gs pos="0">
+              <a:schemeClr val="phClr">
+                <a:shade val="51000"/>
+                <a:satMod val="130000"/>
+              </a:schemeClr>
+            </a:gs>
+            <a:gs pos="80000">
+              <a:schemeClr val="phClr">
+                <a:shade val="93000"/>
+                <a:satMod val="130000"/>
+              </a:schemeClr>
+            </a:gs>
+            <a:gs pos="100000">
+              <a:schemeClr val="phClr">
+                <a:shade val="94000"/>
+                <a:satMod val="135000"/>
+              </a:schemeClr>
+            </a:gs>
+          </a:gsLst>
+          <a:lin ang="16200000" scaled="0"/>
+        </a:gradFill>
+      </a:fillStyleLst>
+      <a:lnStyleLst>
+        <a:ln w="9525" cap="flat" cmpd="sng" algn="ctr">
+          <a:solidFill>
+            <a:schemeClr val="phClr">
+              <a:shade val="95000"/>
+              <a:satMod val="105000"/>
+            </a:schemeClr>
+          </a:solidFill>
+          <a:prstDash val="solid"/>
+        </a:ln>
+        <a:ln w="25400" cap="flat" cmpd="sng" algn="ctr">
+          <a:solidFill>
+            <a:schemeClr val="phClr"/>
+          </a:solidFill>
+          <a:prstDash val="solid"/>
+        </a:ln>
+        <a:ln w="38100" cap="flat" cmpd="sng" algn="ctr">
+          <a:solidFill>
+            <a:schemeClr val="phClr"/>
+          </a:solidFill>
+          <a:prstDash val="solid"/>
+        </a:ln>
+      </a:lnStyleLst>
+      <a:effectStyleLst>
+        <a:effectStyle>
+          <a:effectLst>
+            <a:outerShdw blurRad="40000" dist="20000" dir="5400000" rotWithShape="0">
+              <a:srgbClr val="000000">
+                <a:alpha val="38000"/>
+              </a:srgbClr>
+            </a:outerShdw>
+          </a:effectLst>
+        </a:effectStyle>
+        <a:effectStyle>
+          <a:effectLst>
+            <a:outerShdw blurRad="40000" dist="23000" dir="5400000" rotWithShape="0">
+              <a:srgbClr val="000000">
+                <a:alpha val="35000"/>
+              </a:srgbClr>
+            </a:outerShdw>
+          </a:effectLst>
+        </a:effectStyle>
+        <a:effectStyle>
+          <a:effectLst>
+            <a:outerShdw blurRad="40000" dist="23000" dir="5400000" rotWithShape="0">
+              <a:srgbClr val="000000">
+                <a:alpha val="35000"/>
+              </a:srgbClr>
+            </a:outerShdw>
+          </a:effectLst>
+          <a:scene3d>
+            <a:camera prst="orthographicFront">
+              <a:rot lat="0" lon="0" rev="0"/>
+            </a:camera>
+            <a:lightRig rig="threePt" dir="t">
+              <a:rot lat="0" lon="0" rev="1200000"/>
+            </a:lightRig>
+          </a:scene3d>
+          <a:sp3d>
+            <a:bevelT w="63500" h="25400"/>
+          </a:sp3d>
+        </a:effectStyle>
+      </a:effectStyleLst>
+      <a:bgFillStyleLst>
+        <a:solidFill>
+          <a:schemeClr val="phClr"/>
+        </a:solidFill>
+        <a:gradFill rotWithShape="1">
+          <a:gsLst>
+            <a:gs pos="0">
+              <a:schemeClr val="phClr">
+                <a:tint val="40000"/>
+                <a:satMod val="350000"/>
+              </a:schemeClr>
+            </a:gs>
+            <a:gs pos="40000">
+              <a:schemeClr val="phClr">
+                <a:tint val="45000"/>
+                <a:shade val="99000"/>
+                <a:satMod val="350000"/>
+              </a:schemeClr>
+            </a:gs>
+            <a:gs pos="100000">
+              <a:schemeClr val="phClr">
+                <a:shade val="20000"/>
+                <a:satMod val="255000"/>
+              </a:schemeClr>
+            </a:gs>
+          </a:gsLst>
+          <a:path path="circle">
+            <a:fillToRect l="50000" t="-80000" r="50000" b="180000"/>
+          </a:path>
+        </a:gradFill>
+        <a:gradFill rotWithShape="1">
+          <a:gsLst>
+            <a:gs pos="0">
+              <a:schemeClr val="phClr">
+                <a:tint val="80000"/>
+                <a:satMod val="300000"/>
+              </a:schemeClr>
+            </a:gs>
+            <a:gs pos="100000">
+              <a:schemeClr val="phClr">
+                <a:shade val="30000"/>
+                <a:satMod val="200000"/>
+              </a:schemeClr>
+            </a:gs>
+          </a:gsLst>
+          <a:path path="circle">
+            <a:fillToRect l="50000" t="50000" r="50000" b="50000"/>
+          </a:path>
+        </a:gradFill>
+      </a:bgFillStyleLst>
+    </a:fmtScheme>
+  </a:themeElements>
+  <a:objectDefaults>
+    <a:spDef>
+      <a:spPr bwMode="auto">
+        <a:xfrm>
+          <a:off x="0" y="0"/>
+          <a:ext cx="1" cy="1"/>
+        </a:xfrm>
+        <a:custGeom>
+          <a:avLst/>
+          <a:gdLst/>
+          <a:ahLst/>
+          <a:cxnLst/>
+          <a:rect l="0" t="0" r="0" b="0"/>
+          <a:pathLst/>
+        </a:custGeom>
+        <a:solidFill>
+          <a:schemeClr val="bg1"/>
+        </a:solidFill>
+        <a:ln w="9525" cap="flat" cmpd="sng" algn="ctr">
+          <a:solidFill>
+            <a:schemeClr val="tx1"/>
+          </a:solidFill>
+          <a:prstDash val="solid"/>
+          <a:round/>
+          <a:headEnd type="none" w="med" len="med"/>
+          <a:tailEnd type="none" w="med" len="med"/>
+        </a:ln>
+        <a:effectLst/>
+      </a:spPr>
+      <a:bodyPr vert="horz" wrap="none" lIns="0" tIns="0" rIns="0" bIns="0" numCol="1" anchor="ctr" anchorCtr="0" compatLnSpc="1">
+        <a:prstTxWarp prst="textNoShape">
+          <a:avLst/>
+        </a:prstTxWarp>
+      </a:bodyPr>
+      <a:lstStyle>
+        <a:defPPr marL="0" marR="0" indent="0" algn="ctr" defTabSz="914400" rtl="0" eaLnBrk="1" fontAlgn="base" latinLnBrk="0" hangingPunct="1">
+          <a:lnSpc>
+            <a:spcPct val="100000"/>
+          </a:lnSpc>
+          <a:spcBef>
+            <a:spcPct val="0"/>
+          </a:spcBef>
+          <a:spcAft>
+            <a:spcPct val="0"/>
+          </a:spcAft>
+          <a:buClr>
+            <a:schemeClr val="bg2"/>
+          </a:buClr>
+          <a:buSzTx/>
+          <a:buFontTx/>
+          <a:buNone/>
+          <a:tabLst/>
+          <a:defRPr kumimoji="0" lang="de-DE" sz="1600" b="0" i="0" u="none" strike="noStrike" cap="none" normalizeH="0" baseline="0" smtClean="0">
+            <a:ln>
+              <a:noFill/>
+            </a:ln>
+            <a:solidFill>
+              <a:schemeClr val="tx1"/>
+            </a:solidFill>
+            <a:effectLst/>
+            <a:latin typeface="Arial" charset="0"/>
+          </a:defRPr>
+        </a:defPPr>
+      </a:lstStyle>
+    </a:spDef>
+    <a:lnDef>
+      <a:spPr bwMode="auto">
+        <a:xfrm>
+          <a:off x="0" y="0"/>
+          <a:ext cx="1" cy="1"/>
+        </a:xfrm>
+        <a:custGeom>
+          <a:avLst/>
+          <a:gdLst/>
+          <a:ahLst/>
+          <a:cxnLst/>
+          <a:rect l="0" t="0" r="0" b="0"/>
+          <a:pathLst/>
+        </a:custGeom>
+        <a:solidFill>
+          <a:schemeClr val="bg1"/>
+        </a:solidFill>
+        <a:ln w="9525" cap="flat" cmpd="sng" algn="ctr">
+          <a:solidFill>
+            <a:schemeClr val="tx1"/>
+          </a:solidFill>
+          <a:prstDash val="solid"/>
+          <a:round/>
+          <a:headEnd type="none" w="med" len="med"/>
+          <a:tailEnd type="none" w="med" len="med"/>
+        </a:ln>
+        <a:effectLst/>
+      </a:spPr>
+      <a:bodyPr vert="horz" wrap="none" lIns="0" tIns="0" rIns="0" bIns="0" numCol="1" anchor="ctr" anchorCtr="0" compatLnSpc="1">
+        <a:prstTxWarp prst="textNoShape">
+          <a:avLst/>
+        </a:prstTxWarp>
+      </a:bodyPr>
+      <a:lstStyle>
+        <a:defPPr marL="0" marR="0" indent="0" algn="ctr" defTabSz="914400" rtl="0" eaLnBrk="1" fontAlgn="base" latinLnBrk="0" hangingPunct="1">
+          <a:lnSpc>
+            <a:spcPct val="100000"/>
+          </a:lnSpc>
+          <a:spcBef>
+            <a:spcPct val="0"/>
+          </a:spcBef>
+          <a:spcAft>
+            <a:spcPct val="0"/>
+          </a:spcAft>
+          <a:buClr>
+            <a:schemeClr val="bg2"/>
+          </a:buClr>
+          <a:buSzTx/>
+          <a:buFontTx/>
+          <a:buNone/>
+          <a:tabLst/>
+          <a:defRPr kumimoji="0" lang="de-DE" sz="1600" b="0" i="0" u="none" strike="noStrike" cap="none" normalizeH="0" baseline="0" smtClean="0">
+            <a:ln>
+              <a:noFill/>
+            </a:ln>
+            <a:solidFill>
+              <a:schemeClr val="tx1"/>
+            </a:solidFill>
+            <a:effectLst/>
+            <a:latin typeface="Arial" charset="0"/>
+          </a:defRPr>
+        </a:defPPr>
+      </a:lstStyle>
+    </a:lnDef>
+  </a:objectDefaults>
+  <a:extraClrSchemeLst>
+    <a:extraClrScheme>
+      <a:clrScheme name="© 2008 Logica Slide Master 1">
+        <a:dk1>
+          <a:srgbClr val="000000"/>
+        </a:dk1>
+        <a:lt1>
+          <a:srgbClr val="FFFFFF"/>
+        </a:lt1>
+        <a:dk2>
+          <a:srgbClr val="DDDDDD"/>
+        </a:dk2>
+        <a:lt2>
+          <a:srgbClr val="5F5F5F"/>
+        </a:lt2>
+        <a:accent1>
+          <a:srgbClr val="FFCC00"/>
+        </a:accent1>
+        <a:accent2>
+          <a:srgbClr val="8D979B"/>
+        </a:accent2>
+        <a:accent3>
+          <a:srgbClr val="FFFFFF"/>
+        </a:accent3>
+        <a:accent4>
+          <a:srgbClr val="000000"/>
+        </a:accent4>
+        <a:accent5>
+          <a:srgbClr val="FFE2AA"/>
+        </a:accent5>
+        <a:accent6>
+          <a:srgbClr val="7F888C"/>
+        </a:accent6>
+        <a:hlink>
+          <a:srgbClr val="A5AA78"/>
+        </a:hlink>
+        <a:folHlink>
+          <a:srgbClr val="CE6700"/>
+        </a:folHlink>
+      </a:clrScheme>
+      <a:clrMap bg1="lt1" tx1="dk1" bg2="lt2" tx2="dk2" accent1="accent1" accent2="accent2" accent3="accent3" accent4="accent4" accent5="accent5" accent6="accent6" hlink="hlink" folHlink="folHlink"/>
+    </a:extraClrScheme>
+  </a:extraClrSchemeLst>
+  <a:extLst>
+    <a:ext uri="{05A4C25C-085E-4340-85A3-A5531E510DB2}">
+      <thm15:themeFamily xmlns:thm15="http://schemas.microsoft.com/office/thememl/2012/main" name="Default.potx" id="{50080178-9A08-4EFD-9B63-B252A6E24CE2}" vid="{E87812AB-6A0B-4E42-B8B8-4F8BBA431F6F}"/>
+    </a:ext>
+  </a:extLst>
+</a:theme>
+</file>
+
+<file path=ppt/theme/theme3.xml><?xml version="1.0" encoding="utf-8"?>
 <a:theme xmlns:a="http://schemas.openxmlformats.org/drawingml/2006/main" name="Office Theme">
   <a:themeElements>
     <a:clrScheme name="">
@@ -24573,7 +28235,7 @@
 </a:theme>
 </file>
 
-<file path=ppt/theme/theme3.xml><?xml version="1.0" encoding="utf-8"?>
+<file path=ppt/theme/theme4.xml><?xml version="1.0" encoding="utf-8"?>
 <a:theme xmlns:a="http://schemas.openxmlformats.org/drawingml/2006/main" name="Office Theme">
   <a:themeElements>
     <a:clrScheme name="">

--- a/Slides/Module 7 - Adapters.pptx
+++ b/Slides/Module 7 - Adapters.pptx
@@ -315,7 +315,7 @@
               <a:pPr>
                 <a:defRPr/>
               </a:pPr>
-              <a:t>13 December 2016</a:t>
+              <a:t>16 December 2016</a:t>
             </a:fld>
             <a:endParaRPr lang="de-DE"/>
           </a:p>
@@ -629,7 +629,7 @@
               <a:pPr>
                 <a:defRPr/>
               </a:pPr>
-              <a:t>13. Dezember 2016</a:t>
+              <a:t>16. Dezember 2016</a:t>
             </a:fld>
             <a:r>
               <a:rPr lang="de-DE"/>
@@ -949,7 +949,7 @@
               <a:pPr>
                 <a:defRPr/>
               </a:pPr>
-              <a:t>13. Dezember 2016</a:t>
+              <a:t>16. Dezember 2016</a:t>
             </a:fld>
             <a:r>
               <a:rPr lang="de-DE"/>
@@ -1097,7 +1097,7 @@
               <a:pPr>
                 <a:defRPr/>
               </a:pPr>
-              <a:t>13. Dezember 2016</a:t>
+              <a:t>16. Dezember 2016</a:t>
             </a:fld>
             <a:r>
               <a:rPr lang="de-DE"/>
@@ -1241,7 +1241,7 @@
               <a:pPr>
                 <a:defRPr/>
               </a:pPr>
-              <a:t>12/13/2016</a:t>
+              <a:t>12/16/2016</a:t>
             </a:fld>
             <a:endParaRPr lang="en-US" dirty="0"/>
           </a:p>
@@ -1651,7 +1651,7 @@
               <a:pPr>
                 <a:defRPr/>
               </a:pPr>
-              <a:t>13. Dezember 2016</a:t>
+              <a:t>16. Dezember 2016</a:t>
             </a:fld>
             <a:r>
               <a:rPr lang="de-DE"/>
@@ -1773,7 +1773,7 @@
               <a:pPr>
                 <a:defRPr/>
               </a:pPr>
-              <a:t>13. Dezember 2016</a:t>
+              <a:t>16. Dezember 2016</a:t>
             </a:fld>
             <a:r>
               <a:rPr lang="de-DE"/>
@@ -1895,7 +1895,7 @@
               <a:pPr>
                 <a:defRPr/>
               </a:pPr>
-              <a:t>13. Dezember 2016</a:t>
+              <a:t>16. Dezember 2016</a:t>
             </a:fld>
             <a:r>
               <a:rPr lang="de-DE"/>
@@ -2043,7 +2043,7 @@
               <a:pPr>
                 <a:defRPr/>
               </a:pPr>
-              <a:t>13. Dezember 2016</a:t>
+              <a:t>16. Dezember 2016</a:t>
             </a:fld>
             <a:r>
               <a:rPr lang="de-DE"/>
@@ -2167,7 +2167,7 @@
               <a:pPr>
                 <a:defRPr/>
               </a:pPr>
-              <a:t>13. Dezember 2016</a:t>
+              <a:t>16. Dezember 2016</a:t>
             </a:fld>
             <a:r>
               <a:rPr lang="de-DE"/>
@@ -2347,7 +2347,7 @@
           <a:p>
             <a:fld id="{7A187A68-229F-417C-9E23-A9AD3F41E637}" type="datetimeFigureOut">
               <a:rPr lang="en-US" smtClean="0"/>
-              <a:t>12/13/2016</a:t>
+              <a:t>12/16/2016</a:t>
             </a:fld>
             <a:endParaRPr lang="en-US"/>
           </a:p>
@@ -2515,7 +2515,7 @@
           <a:p>
             <a:fld id="{7A187A68-229F-417C-9E23-A9AD3F41E637}" type="datetimeFigureOut">
               <a:rPr lang="en-US" smtClean="0"/>
-              <a:t>12/13/2016</a:t>
+              <a:t>12/16/2016</a:t>
             </a:fld>
             <a:endParaRPr lang="en-US"/>
           </a:p>
@@ -2693,7 +2693,7 @@
           <a:p>
             <a:fld id="{7A187A68-229F-417C-9E23-A9AD3F41E637}" type="datetimeFigureOut">
               <a:rPr lang="en-US" smtClean="0"/>
-              <a:t>12/13/2016</a:t>
+              <a:t>12/16/2016</a:t>
             </a:fld>
             <a:endParaRPr lang="en-US"/>
           </a:p>
@@ -4210,7 +4210,7 @@
           <a:p>
             <a:fld id="{7A187A68-229F-417C-9E23-A9AD3F41E637}" type="datetimeFigureOut">
               <a:rPr lang="en-US" smtClean="0"/>
-              <a:t>12/13/2016</a:t>
+              <a:t>12/16/2016</a:t>
             </a:fld>
             <a:endParaRPr lang="en-US"/>
           </a:p>
@@ -5541,7 +5541,7 @@
           <a:p>
             <a:fld id="{7A187A68-229F-417C-9E23-A9AD3F41E637}" type="datetimeFigureOut">
               <a:rPr lang="en-US" smtClean="0"/>
-              <a:t>12/13/2016</a:t>
+              <a:t>12/16/2016</a:t>
             </a:fld>
             <a:endParaRPr lang="en-US"/>
           </a:p>
@@ -5770,7 +5770,7 @@
           <a:p>
             <a:fld id="{7A187A68-229F-417C-9E23-A9AD3F41E637}" type="datetimeFigureOut">
               <a:rPr lang="en-US" smtClean="0"/>
-              <a:t>12/13/2016</a:t>
+              <a:t>12/16/2016</a:t>
             </a:fld>
             <a:endParaRPr lang="en-US"/>
           </a:p>
@@ -6134,7 +6134,7 @@
           <a:p>
             <a:fld id="{7A187A68-229F-417C-9E23-A9AD3F41E637}" type="datetimeFigureOut">
               <a:rPr lang="en-US" smtClean="0"/>
-              <a:t>12/13/2016</a:t>
+              <a:t>12/16/2016</a:t>
             </a:fld>
             <a:endParaRPr lang="en-US"/>
           </a:p>
@@ -6251,7 +6251,7 @@
           <a:p>
             <a:fld id="{7A187A68-229F-417C-9E23-A9AD3F41E637}" type="datetimeFigureOut">
               <a:rPr lang="en-US" smtClean="0"/>
-              <a:t>12/13/2016</a:t>
+              <a:t>12/16/2016</a:t>
             </a:fld>
             <a:endParaRPr lang="en-US"/>
           </a:p>
@@ -6346,7 +6346,7 @@
           <a:p>
             <a:fld id="{7A187A68-229F-417C-9E23-A9AD3F41E637}" type="datetimeFigureOut">
               <a:rPr lang="en-US" smtClean="0"/>
-              <a:t>12/13/2016</a:t>
+              <a:t>12/16/2016</a:t>
             </a:fld>
             <a:endParaRPr lang="en-US"/>
           </a:p>
@@ -6621,7 +6621,7 @@
           <a:p>
             <a:fld id="{7A187A68-229F-417C-9E23-A9AD3F41E637}" type="datetimeFigureOut">
               <a:rPr lang="en-US" smtClean="0"/>
-              <a:t>12/13/2016</a:t>
+              <a:t>12/16/2016</a:t>
             </a:fld>
             <a:endParaRPr lang="en-US"/>
           </a:p>
@@ -6873,7 +6873,7 @@
           <a:p>
             <a:fld id="{7A187A68-229F-417C-9E23-A9AD3F41E637}" type="datetimeFigureOut">
               <a:rPr lang="en-US" smtClean="0"/>
-              <a:t>12/13/2016</a:t>
+              <a:t>12/16/2016</a:t>
             </a:fld>
             <a:endParaRPr lang="en-US"/>
           </a:p>
@@ -7084,7 +7084,7 @@
           <a:p>
             <a:fld id="{7A187A68-229F-417C-9E23-A9AD3F41E637}" type="datetimeFigureOut">
               <a:rPr lang="en-US" smtClean="0"/>
-              <a:t>12/13/2016</a:t>
+              <a:t>12/16/2016</a:t>
             </a:fld>
             <a:endParaRPr lang="en-US"/>
           </a:p>
@@ -10240,43 +10240,8 @@
                 <a:latin typeface="Segoe UI" pitchFamily="34" charset="0"/>
                 <a:cs typeface="Segoe UI" pitchFamily="34" charset="0"/>
               </a:rPr>
-              <a:t>SQL </a:t>
-            </a:r>
-            <a:r>
-              <a:rPr lang="en-US" sz="1200" dirty="0">
-                <a:gradFill flip="none" rotWithShape="1">
-                  <a:gsLst>
-                    <a:gs pos="0">
-                      <a:srgbClr val="000000"/>
-                    </a:gs>
-                    <a:gs pos="100000">
-                      <a:srgbClr val="000000"/>
-                    </a:gs>
-                  </a:gsLst>
-                  <a:lin ang="5400000" scaled="1"/>
-                  <a:tileRect/>
-                </a:gradFill>
-                <a:latin typeface="Segoe UI" pitchFamily="34" charset="0"/>
-                <a:cs typeface="Segoe UI" pitchFamily="34" charset="0"/>
-              </a:rPr>
-              <a:t>(deprecated)</a:t>
-            </a:r>
-            <a:endParaRPr lang="en-US" sz="1200" dirty="0">
-              <a:gradFill flip="none" rotWithShape="1">
-                <a:gsLst>
-                  <a:gs pos="0">
-                    <a:srgbClr val="000000"/>
-                  </a:gs>
-                  <a:gs pos="100000">
-                    <a:srgbClr val="000000"/>
-                  </a:gs>
-                </a:gsLst>
-                <a:lin ang="5400000" scaled="1"/>
-                <a:tileRect/>
-              </a:gradFill>
-              <a:latin typeface="Segoe UI" pitchFamily="34" charset="0"/>
-              <a:cs typeface="Segoe UI" pitchFamily="34" charset="0"/>
-            </a:endParaRPr>
+              <a:t>SQL (deprecated)</a:t>
+            </a:r>
           </a:p>
           <a:p>
             <a:pPr fontAlgn="auto">
@@ -10341,43 +10306,8 @@
                 <a:latin typeface="Segoe UI" pitchFamily="34" charset="0"/>
                 <a:cs typeface="Segoe UI" pitchFamily="34" charset="0"/>
               </a:rPr>
-              <a:t>SOAP </a:t>
-            </a:r>
-            <a:r>
-              <a:rPr lang="en-US" sz="1200" dirty="0">
-                <a:gradFill flip="none" rotWithShape="1">
-                  <a:gsLst>
-                    <a:gs pos="0">
-                      <a:srgbClr val="000000"/>
-                    </a:gs>
-                    <a:gs pos="100000">
-                      <a:srgbClr val="000000"/>
-                    </a:gs>
-                  </a:gsLst>
-                  <a:lin ang="5400000" scaled="1"/>
-                  <a:tileRect/>
-                </a:gradFill>
-                <a:latin typeface="Segoe UI" pitchFamily="34" charset="0"/>
-                <a:cs typeface="Segoe UI" pitchFamily="34" charset="0"/>
-              </a:rPr>
-              <a:t>(deprecated)</a:t>
-            </a:r>
-            <a:endParaRPr lang="en-US" sz="1200" dirty="0">
-              <a:gradFill flip="none" rotWithShape="1">
-                <a:gsLst>
-                  <a:gs pos="0">
-                    <a:srgbClr val="000000"/>
-                  </a:gs>
-                  <a:gs pos="100000">
-                    <a:srgbClr val="000000"/>
-                  </a:gs>
-                </a:gsLst>
-                <a:lin ang="5400000" scaled="1"/>
-                <a:tileRect/>
-              </a:gradFill>
-              <a:latin typeface="Segoe UI" pitchFamily="34" charset="0"/>
-              <a:cs typeface="Segoe UI" pitchFamily="34" charset="0"/>
-            </a:endParaRPr>
+              <a:t>SOAP (deprecated)</a:t>
+            </a:r>
           </a:p>
           <a:p>
             <a:pPr fontAlgn="auto">
@@ -12738,11 +12668,7 @@
           <a:p>
             <a:r>
               <a:rPr lang="en-US" dirty="0"/>
-              <a:t>Line of Business (LOB) </a:t>
-            </a:r>
-            <a:r>
-              <a:rPr lang="en-US" dirty="0"/>
-              <a:t>adapters (</a:t>
+              <a:t>Line of Business (LOB) adapters (</a:t>
             </a:r>
             <a:r>
               <a:rPr lang="en-US" i="1" dirty="0"/>
@@ -14082,16 +14008,6 @@
               <a:defRPr/>
             </a:pPr>
             <a:r>
-              <a:rPr lang="en-US" sz="1400" dirty="0">
-                <a:solidFill>
-                  <a:schemeClr val="bg1">
-                    <a:lumMod val="65000"/>
-                  </a:schemeClr>
-                </a:solidFill>
-              </a:rPr>
-              <a:t>Module 14: Windows Azure </a:t>
-            </a:r>
-            <a:r>
               <a:rPr lang="en-US" sz="1400">
                 <a:solidFill>
                   <a:schemeClr val="bg1">
@@ -14099,7 +14015,7 @@
                   </a:schemeClr>
                 </a:solidFill>
               </a:rPr>
-              <a:t>BizTalk Services</a:t>
+              <a:t>Extra modules</a:t>
             </a:r>
             <a:endParaRPr lang="en-US" sz="1400" dirty="0">
               <a:solidFill>
